--- a/presentation.pptx
+++ b/presentation.pptx
@@ -5,51 +5,54 @@
     <p:sldMasterId id="2147483698" r:id="rId1"/>
   </p:sldMasterIdLst>
   <p:notesMasterIdLst>
-    <p:notesMasterId r:id="rId23"/>
+    <p:notesMasterId r:id="rId26"/>
   </p:notesMasterIdLst>
   <p:sldIdLst>
     <p:sldId id="259" r:id="rId2"/>
-    <p:sldId id="262" r:id="rId3"/>
-    <p:sldId id="261" r:id="rId4"/>
-    <p:sldId id="263" r:id="rId5"/>
-    <p:sldId id="267" r:id="rId6"/>
-    <p:sldId id="266" r:id="rId7"/>
-    <p:sldId id="272" r:id="rId8"/>
-    <p:sldId id="268" r:id="rId9"/>
-    <p:sldId id="269" r:id="rId10"/>
-    <p:sldId id="270" r:id="rId11"/>
-    <p:sldId id="273" r:id="rId12"/>
-    <p:sldId id="274" r:id="rId13"/>
-    <p:sldId id="275" r:id="rId14"/>
-    <p:sldId id="276" r:id="rId15"/>
-    <p:sldId id="264" r:id="rId16"/>
-    <p:sldId id="277" r:id="rId17"/>
-    <p:sldId id="278" r:id="rId18"/>
-    <p:sldId id="279" r:id="rId19"/>
-    <p:sldId id="280" r:id="rId20"/>
-    <p:sldId id="281" r:id="rId21"/>
-    <p:sldId id="282" r:id="rId22"/>
+    <p:sldId id="283" r:id="rId3"/>
+    <p:sldId id="262" r:id="rId4"/>
+    <p:sldId id="261" r:id="rId5"/>
+    <p:sldId id="263" r:id="rId6"/>
+    <p:sldId id="267" r:id="rId7"/>
+    <p:sldId id="266" r:id="rId8"/>
+    <p:sldId id="272" r:id="rId9"/>
+    <p:sldId id="268" r:id="rId10"/>
+    <p:sldId id="269" r:id="rId11"/>
+    <p:sldId id="270" r:id="rId12"/>
+    <p:sldId id="273" r:id="rId13"/>
+    <p:sldId id="274" r:id="rId14"/>
+    <p:sldId id="275" r:id="rId15"/>
+    <p:sldId id="286" r:id="rId16"/>
+    <p:sldId id="276" r:id="rId17"/>
+    <p:sldId id="264" r:id="rId18"/>
+    <p:sldId id="277" r:id="rId19"/>
+    <p:sldId id="278" r:id="rId20"/>
+    <p:sldId id="279" r:id="rId21"/>
+    <p:sldId id="280" r:id="rId22"/>
+    <p:sldId id="281" r:id="rId23"/>
+    <p:sldId id="282" r:id="rId24"/>
+    <p:sldId id="285" r:id="rId25"/>
   </p:sldIdLst>
   <p:sldSz cx="9144000" cy="5143500" type="screen16x9"/>
   <p:notesSz cx="6858000" cy="9144000"/>
   <p:embeddedFontLst>
     <p:embeddedFont>
       <p:font typeface="Lato" panose="020B0604020202020204" charset="0"/>
-      <p:regular r:id="rId24"/>
-      <p:bold r:id="rId25"/>
-      <p:italic r:id="rId26"/>
-      <p:boldItalic r:id="rId27"/>
+      <p:regular r:id="rId27"/>
+      <p:bold r:id="rId28"/>
+      <p:italic r:id="rId29"/>
+      <p:boldItalic r:id="rId30"/>
     </p:embeddedFont>
     <p:embeddedFont>
       <p:font typeface="Raleway" panose="020B0604020202020204" charset="0"/>
-      <p:regular r:id="rId28"/>
-      <p:bold r:id="rId29"/>
-      <p:italic r:id="rId30"/>
-      <p:boldItalic r:id="rId31"/>
+      <p:regular r:id="rId31"/>
+      <p:bold r:id="rId32"/>
+      <p:italic r:id="rId33"/>
+      <p:boldItalic r:id="rId34"/>
     </p:embeddedFont>
     <p:embeddedFont>
       <p:font typeface="Cambria Math" panose="02040503050406030204" pitchFamily="18" charset="0"/>
-      <p:regular r:id="rId32"/>
+      <p:regular r:id="rId35"/>
     </p:embeddedFont>
   </p:embeddedFontLst>
   <p:defaultTextStyle>
@@ -298,6 +301,2677 @@
     </p:ext>
   </p:extLst>
 </p:presentation>
+</file>
+
+<file path=ppt/diagrams/colors1.xml><?xml version="1.0" encoding="utf-8"?>
+<dgm:colorsDef xmlns:dgm="http://schemas.openxmlformats.org/drawingml/2006/diagram" xmlns:a="http://schemas.openxmlformats.org/drawingml/2006/main" uniqueId="urn:microsoft.com/office/officeart/2005/8/colors/accent3_2">
+  <dgm:title val=""/>
+  <dgm:desc val=""/>
+  <dgm:catLst>
+    <dgm:cat type="accent3" pri="11200"/>
+  </dgm:catLst>
+  <dgm:styleLbl name="node0">
+    <dgm:fillClrLst meth="repeat">
+      <a:schemeClr val="accent3"/>
+    </dgm:fillClrLst>
+    <dgm:linClrLst meth="repeat">
+      <a:schemeClr val="lt1"/>
+    </dgm:linClrLst>
+    <dgm:effectClrLst/>
+    <dgm:txLinClrLst/>
+    <dgm:txFillClrLst/>
+    <dgm:txEffectClrLst/>
+  </dgm:styleLbl>
+  <dgm:styleLbl name="node1">
+    <dgm:fillClrLst meth="repeat">
+      <a:schemeClr val="accent3"/>
+    </dgm:fillClrLst>
+    <dgm:linClrLst meth="repeat">
+      <a:schemeClr val="lt1"/>
+    </dgm:linClrLst>
+    <dgm:effectClrLst/>
+    <dgm:txLinClrLst/>
+    <dgm:txFillClrLst/>
+    <dgm:txEffectClrLst/>
+  </dgm:styleLbl>
+  <dgm:styleLbl name="alignNode1">
+    <dgm:fillClrLst meth="repeat">
+      <a:schemeClr val="accent3"/>
+    </dgm:fillClrLst>
+    <dgm:linClrLst meth="repeat">
+      <a:schemeClr val="accent3"/>
+    </dgm:linClrLst>
+    <dgm:effectClrLst/>
+    <dgm:txLinClrLst/>
+    <dgm:txFillClrLst/>
+    <dgm:txEffectClrLst/>
+  </dgm:styleLbl>
+  <dgm:styleLbl name="lnNode1">
+    <dgm:fillClrLst meth="repeat">
+      <a:schemeClr val="accent3"/>
+    </dgm:fillClrLst>
+    <dgm:linClrLst meth="repeat">
+      <a:schemeClr val="lt1"/>
+    </dgm:linClrLst>
+    <dgm:effectClrLst/>
+    <dgm:txLinClrLst/>
+    <dgm:txFillClrLst/>
+    <dgm:txEffectClrLst/>
+  </dgm:styleLbl>
+  <dgm:styleLbl name="vennNode1">
+    <dgm:fillClrLst meth="repeat">
+      <a:schemeClr val="accent3">
+        <a:alpha val="50000"/>
+      </a:schemeClr>
+    </dgm:fillClrLst>
+    <dgm:linClrLst meth="repeat">
+      <a:schemeClr val="lt1"/>
+    </dgm:linClrLst>
+    <dgm:effectClrLst/>
+    <dgm:txLinClrLst/>
+    <dgm:txFillClrLst/>
+    <dgm:txEffectClrLst/>
+  </dgm:styleLbl>
+  <dgm:styleLbl name="node2">
+    <dgm:fillClrLst meth="repeat">
+      <a:schemeClr val="accent3"/>
+    </dgm:fillClrLst>
+    <dgm:linClrLst meth="repeat">
+      <a:schemeClr val="lt1"/>
+    </dgm:linClrLst>
+    <dgm:effectClrLst/>
+    <dgm:txLinClrLst/>
+    <dgm:txFillClrLst/>
+    <dgm:txEffectClrLst/>
+  </dgm:styleLbl>
+  <dgm:styleLbl name="node3">
+    <dgm:fillClrLst meth="repeat">
+      <a:schemeClr val="accent3"/>
+    </dgm:fillClrLst>
+    <dgm:linClrLst meth="repeat">
+      <a:schemeClr val="lt1"/>
+    </dgm:linClrLst>
+    <dgm:effectClrLst/>
+    <dgm:txLinClrLst/>
+    <dgm:txFillClrLst/>
+    <dgm:txEffectClrLst/>
+  </dgm:styleLbl>
+  <dgm:styleLbl name="node4">
+    <dgm:fillClrLst meth="repeat">
+      <a:schemeClr val="accent3"/>
+    </dgm:fillClrLst>
+    <dgm:linClrLst meth="repeat">
+      <a:schemeClr val="lt1"/>
+    </dgm:linClrLst>
+    <dgm:effectClrLst/>
+    <dgm:txLinClrLst/>
+    <dgm:txFillClrLst/>
+    <dgm:txEffectClrLst/>
+  </dgm:styleLbl>
+  <dgm:styleLbl name="fgImgPlace1">
+    <dgm:fillClrLst meth="repeat">
+      <a:schemeClr val="accent3">
+        <a:tint val="50000"/>
+      </a:schemeClr>
+    </dgm:fillClrLst>
+    <dgm:linClrLst meth="repeat">
+      <a:schemeClr val="lt1"/>
+    </dgm:linClrLst>
+    <dgm:effectClrLst/>
+    <dgm:txLinClrLst/>
+    <dgm:txFillClrLst meth="repeat">
+      <a:schemeClr val="lt1"/>
+    </dgm:txFillClrLst>
+    <dgm:txEffectClrLst/>
+  </dgm:styleLbl>
+  <dgm:styleLbl name="alignImgPlace1">
+    <dgm:fillClrLst meth="repeat">
+      <a:schemeClr val="accent3">
+        <a:tint val="50000"/>
+      </a:schemeClr>
+    </dgm:fillClrLst>
+    <dgm:linClrLst meth="repeat">
+      <a:schemeClr val="lt1"/>
+    </dgm:linClrLst>
+    <dgm:effectClrLst/>
+    <dgm:txLinClrLst/>
+    <dgm:txFillClrLst meth="repeat">
+      <a:schemeClr val="lt1"/>
+    </dgm:txFillClrLst>
+    <dgm:txEffectClrLst/>
+  </dgm:styleLbl>
+  <dgm:styleLbl name="bgImgPlace1">
+    <dgm:fillClrLst meth="repeat">
+      <a:schemeClr val="accent3">
+        <a:tint val="50000"/>
+      </a:schemeClr>
+    </dgm:fillClrLst>
+    <dgm:linClrLst meth="repeat">
+      <a:schemeClr val="lt1"/>
+    </dgm:linClrLst>
+    <dgm:effectClrLst/>
+    <dgm:txLinClrLst/>
+    <dgm:txFillClrLst meth="repeat">
+      <a:schemeClr val="lt1"/>
+    </dgm:txFillClrLst>
+    <dgm:txEffectClrLst/>
+  </dgm:styleLbl>
+  <dgm:styleLbl name="sibTrans2D1">
+    <dgm:fillClrLst meth="repeat">
+      <a:schemeClr val="accent3">
+        <a:tint val="60000"/>
+      </a:schemeClr>
+    </dgm:fillClrLst>
+    <dgm:linClrLst meth="repeat">
+      <a:schemeClr val="accent3">
+        <a:tint val="60000"/>
+      </a:schemeClr>
+    </dgm:linClrLst>
+    <dgm:effectClrLst/>
+    <dgm:txLinClrLst/>
+    <dgm:txFillClrLst/>
+    <dgm:txEffectClrLst/>
+  </dgm:styleLbl>
+  <dgm:styleLbl name="fgSibTrans2D1">
+    <dgm:fillClrLst meth="repeat">
+      <a:schemeClr val="accent3">
+        <a:tint val="60000"/>
+      </a:schemeClr>
+    </dgm:fillClrLst>
+    <dgm:linClrLst meth="repeat">
+      <a:schemeClr val="accent3">
+        <a:tint val="60000"/>
+      </a:schemeClr>
+    </dgm:linClrLst>
+    <dgm:effectClrLst/>
+    <dgm:txLinClrLst/>
+    <dgm:txFillClrLst/>
+    <dgm:txEffectClrLst/>
+  </dgm:styleLbl>
+  <dgm:styleLbl name="bgSibTrans2D1">
+    <dgm:fillClrLst meth="repeat">
+      <a:schemeClr val="accent3">
+        <a:tint val="60000"/>
+      </a:schemeClr>
+    </dgm:fillClrLst>
+    <dgm:linClrLst meth="repeat">
+      <a:schemeClr val="accent3">
+        <a:tint val="60000"/>
+      </a:schemeClr>
+    </dgm:linClrLst>
+    <dgm:effectClrLst/>
+    <dgm:txLinClrLst/>
+    <dgm:txFillClrLst/>
+    <dgm:txEffectClrLst/>
+  </dgm:styleLbl>
+  <dgm:styleLbl name="sibTrans1D1">
+    <dgm:fillClrLst meth="repeat">
+      <a:schemeClr val="accent3"/>
+    </dgm:fillClrLst>
+    <dgm:linClrLst meth="repeat">
+      <a:schemeClr val="accent3"/>
+    </dgm:linClrLst>
+    <dgm:effectClrLst/>
+    <dgm:txLinClrLst/>
+    <dgm:txFillClrLst meth="repeat">
+      <a:schemeClr val="tx1"/>
+    </dgm:txFillClrLst>
+    <dgm:txEffectClrLst/>
+  </dgm:styleLbl>
+  <dgm:styleLbl name="callout">
+    <dgm:fillClrLst meth="repeat">
+      <a:schemeClr val="accent3"/>
+    </dgm:fillClrLst>
+    <dgm:linClrLst meth="repeat">
+      <a:schemeClr val="accent3">
+        <a:tint val="50000"/>
+      </a:schemeClr>
+    </dgm:linClrLst>
+    <dgm:effectClrLst/>
+    <dgm:txLinClrLst/>
+    <dgm:txFillClrLst meth="repeat">
+      <a:schemeClr val="tx1"/>
+    </dgm:txFillClrLst>
+    <dgm:txEffectClrLst/>
+  </dgm:styleLbl>
+  <dgm:styleLbl name="asst0">
+    <dgm:fillClrLst meth="repeat">
+      <a:schemeClr val="accent3"/>
+    </dgm:fillClrLst>
+    <dgm:linClrLst meth="repeat">
+      <a:schemeClr val="lt1"/>
+    </dgm:linClrLst>
+    <dgm:effectClrLst/>
+    <dgm:txLinClrLst/>
+    <dgm:txFillClrLst/>
+    <dgm:txEffectClrLst/>
+  </dgm:styleLbl>
+  <dgm:styleLbl name="asst1">
+    <dgm:fillClrLst meth="repeat">
+      <a:schemeClr val="accent3"/>
+    </dgm:fillClrLst>
+    <dgm:linClrLst meth="repeat">
+      <a:schemeClr val="lt1"/>
+    </dgm:linClrLst>
+    <dgm:effectClrLst/>
+    <dgm:txLinClrLst/>
+    <dgm:txFillClrLst/>
+    <dgm:txEffectClrLst/>
+  </dgm:styleLbl>
+  <dgm:styleLbl name="asst2">
+    <dgm:fillClrLst meth="repeat">
+      <a:schemeClr val="accent3"/>
+    </dgm:fillClrLst>
+    <dgm:linClrLst meth="repeat">
+      <a:schemeClr val="lt1"/>
+    </dgm:linClrLst>
+    <dgm:effectClrLst/>
+    <dgm:txLinClrLst/>
+    <dgm:txFillClrLst/>
+    <dgm:txEffectClrLst/>
+  </dgm:styleLbl>
+  <dgm:styleLbl name="asst3">
+    <dgm:fillClrLst meth="repeat">
+      <a:schemeClr val="accent3"/>
+    </dgm:fillClrLst>
+    <dgm:linClrLst meth="repeat">
+      <a:schemeClr val="lt1"/>
+    </dgm:linClrLst>
+    <dgm:effectClrLst/>
+    <dgm:txLinClrLst/>
+    <dgm:txFillClrLst/>
+    <dgm:txEffectClrLst/>
+  </dgm:styleLbl>
+  <dgm:styleLbl name="asst4">
+    <dgm:fillClrLst meth="repeat">
+      <a:schemeClr val="accent3"/>
+    </dgm:fillClrLst>
+    <dgm:linClrLst meth="repeat">
+      <a:schemeClr val="lt1"/>
+    </dgm:linClrLst>
+    <dgm:effectClrLst/>
+    <dgm:txLinClrLst/>
+    <dgm:txFillClrLst/>
+    <dgm:txEffectClrLst/>
+  </dgm:styleLbl>
+  <dgm:styleLbl name="parChTrans2D1">
+    <dgm:fillClrLst meth="repeat">
+      <a:schemeClr val="accent3">
+        <a:tint val="60000"/>
+      </a:schemeClr>
+    </dgm:fillClrLst>
+    <dgm:linClrLst meth="repeat">
+      <a:schemeClr val="accent3">
+        <a:tint val="60000"/>
+      </a:schemeClr>
+    </dgm:linClrLst>
+    <dgm:effectClrLst/>
+    <dgm:txLinClrLst/>
+    <dgm:txFillClrLst meth="repeat">
+      <a:schemeClr val="lt1"/>
+    </dgm:txFillClrLst>
+    <dgm:txEffectClrLst/>
+  </dgm:styleLbl>
+  <dgm:styleLbl name="parChTrans2D2">
+    <dgm:fillClrLst meth="repeat">
+      <a:schemeClr val="accent3"/>
+    </dgm:fillClrLst>
+    <dgm:linClrLst meth="repeat">
+      <a:schemeClr val="accent3"/>
+    </dgm:linClrLst>
+    <dgm:effectClrLst/>
+    <dgm:txLinClrLst/>
+    <dgm:txFillClrLst meth="repeat">
+      <a:schemeClr val="lt1"/>
+    </dgm:txFillClrLst>
+    <dgm:txEffectClrLst/>
+  </dgm:styleLbl>
+  <dgm:styleLbl name="parChTrans2D3">
+    <dgm:fillClrLst meth="repeat">
+      <a:schemeClr val="accent3"/>
+    </dgm:fillClrLst>
+    <dgm:linClrLst meth="repeat">
+      <a:schemeClr val="accent3"/>
+    </dgm:linClrLst>
+    <dgm:effectClrLst/>
+    <dgm:txLinClrLst/>
+    <dgm:txFillClrLst meth="repeat">
+      <a:schemeClr val="lt1"/>
+    </dgm:txFillClrLst>
+    <dgm:txEffectClrLst/>
+  </dgm:styleLbl>
+  <dgm:styleLbl name="parChTrans2D4">
+    <dgm:fillClrLst meth="repeat">
+      <a:schemeClr val="accent3"/>
+    </dgm:fillClrLst>
+    <dgm:linClrLst meth="repeat">
+      <a:schemeClr val="accent3"/>
+    </dgm:linClrLst>
+    <dgm:effectClrLst/>
+    <dgm:txLinClrLst/>
+    <dgm:txFillClrLst meth="repeat">
+      <a:schemeClr val="lt1"/>
+    </dgm:txFillClrLst>
+    <dgm:txEffectClrLst/>
+  </dgm:styleLbl>
+  <dgm:styleLbl name="parChTrans1D1">
+    <dgm:fillClrLst meth="repeat">
+      <a:schemeClr val="accent3"/>
+    </dgm:fillClrLst>
+    <dgm:linClrLst meth="repeat">
+      <a:schemeClr val="accent3">
+        <a:shade val="60000"/>
+      </a:schemeClr>
+    </dgm:linClrLst>
+    <dgm:effectClrLst/>
+    <dgm:txLinClrLst/>
+    <dgm:txFillClrLst meth="repeat">
+      <a:schemeClr val="tx1"/>
+    </dgm:txFillClrLst>
+    <dgm:txEffectClrLst/>
+  </dgm:styleLbl>
+  <dgm:styleLbl name="parChTrans1D2">
+    <dgm:fillClrLst meth="repeat">
+      <a:schemeClr val="accent3"/>
+    </dgm:fillClrLst>
+    <dgm:linClrLst meth="repeat">
+      <a:schemeClr val="accent3">
+        <a:shade val="60000"/>
+      </a:schemeClr>
+    </dgm:linClrLst>
+    <dgm:effectClrLst/>
+    <dgm:txLinClrLst/>
+    <dgm:txFillClrLst meth="repeat">
+      <a:schemeClr val="tx1"/>
+    </dgm:txFillClrLst>
+    <dgm:txEffectClrLst/>
+  </dgm:styleLbl>
+  <dgm:styleLbl name="parChTrans1D3">
+    <dgm:fillClrLst meth="repeat">
+      <a:schemeClr val="accent3"/>
+    </dgm:fillClrLst>
+    <dgm:linClrLst meth="repeat">
+      <a:schemeClr val="accent3">
+        <a:shade val="80000"/>
+      </a:schemeClr>
+    </dgm:linClrLst>
+    <dgm:effectClrLst/>
+    <dgm:txLinClrLst/>
+    <dgm:txFillClrLst meth="repeat">
+      <a:schemeClr val="tx1"/>
+    </dgm:txFillClrLst>
+    <dgm:txEffectClrLst/>
+  </dgm:styleLbl>
+  <dgm:styleLbl name="parChTrans1D4">
+    <dgm:fillClrLst meth="repeat">
+      <a:schemeClr val="accent3"/>
+    </dgm:fillClrLst>
+    <dgm:linClrLst meth="repeat">
+      <a:schemeClr val="accent3">
+        <a:shade val="80000"/>
+      </a:schemeClr>
+    </dgm:linClrLst>
+    <dgm:effectClrLst/>
+    <dgm:txLinClrLst/>
+    <dgm:txFillClrLst meth="repeat">
+      <a:schemeClr val="tx1"/>
+    </dgm:txFillClrLst>
+    <dgm:txEffectClrLst/>
+  </dgm:styleLbl>
+  <dgm:styleLbl name="fgAcc1">
+    <dgm:fillClrLst meth="repeat">
+      <a:schemeClr val="lt1">
+        <a:alpha val="90000"/>
+      </a:schemeClr>
+    </dgm:fillClrLst>
+    <dgm:linClrLst meth="repeat">
+      <a:schemeClr val="accent3"/>
+    </dgm:linClrLst>
+    <dgm:effectClrLst/>
+    <dgm:txLinClrLst/>
+    <dgm:txFillClrLst meth="repeat">
+      <a:schemeClr val="dk1"/>
+    </dgm:txFillClrLst>
+    <dgm:txEffectClrLst/>
+  </dgm:styleLbl>
+  <dgm:styleLbl name="conFgAcc1">
+    <dgm:fillClrLst meth="repeat">
+      <a:schemeClr val="lt1">
+        <a:alpha val="90000"/>
+      </a:schemeClr>
+    </dgm:fillClrLst>
+    <dgm:linClrLst meth="repeat">
+      <a:schemeClr val="accent3"/>
+    </dgm:linClrLst>
+    <dgm:effectClrLst/>
+    <dgm:txLinClrLst/>
+    <dgm:txFillClrLst meth="repeat">
+      <a:schemeClr val="dk1"/>
+    </dgm:txFillClrLst>
+    <dgm:txEffectClrLst/>
+  </dgm:styleLbl>
+  <dgm:styleLbl name="alignAcc1">
+    <dgm:fillClrLst meth="repeat">
+      <a:schemeClr val="lt1">
+        <a:alpha val="90000"/>
+      </a:schemeClr>
+    </dgm:fillClrLst>
+    <dgm:linClrLst meth="repeat">
+      <a:schemeClr val="accent3"/>
+    </dgm:linClrLst>
+    <dgm:effectClrLst/>
+    <dgm:txLinClrLst/>
+    <dgm:txFillClrLst meth="repeat">
+      <a:schemeClr val="dk1"/>
+    </dgm:txFillClrLst>
+    <dgm:txEffectClrLst/>
+  </dgm:styleLbl>
+  <dgm:styleLbl name="trAlignAcc1">
+    <dgm:fillClrLst meth="repeat">
+      <a:schemeClr val="lt1">
+        <a:alpha val="40000"/>
+      </a:schemeClr>
+    </dgm:fillClrLst>
+    <dgm:linClrLst meth="repeat">
+      <a:schemeClr val="accent3"/>
+    </dgm:linClrLst>
+    <dgm:effectClrLst/>
+    <dgm:txLinClrLst/>
+    <dgm:txFillClrLst meth="repeat">
+      <a:schemeClr val="dk1"/>
+    </dgm:txFillClrLst>
+    <dgm:txEffectClrLst/>
+  </dgm:styleLbl>
+  <dgm:styleLbl name="bgAcc1">
+    <dgm:fillClrLst meth="repeat">
+      <a:schemeClr val="lt1">
+        <a:alpha val="90000"/>
+      </a:schemeClr>
+    </dgm:fillClrLst>
+    <dgm:linClrLst meth="repeat">
+      <a:schemeClr val="accent3"/>
+    </dgm:linClrLst>
+    <dgm:effectClrLst/>
+    <dgm:txLinClrLst/>
+    <dgm:txFillClrLst meth="repeat">
+      <a:schemeClr val="dk1"/>
+    </dgm:txFillClrLst>
+    <dgm:txEffectClrLst/>
+  </dgm:styleLbl>
+  <dgm:styleLbl name="solidFgAcc1">
+    <dgm:fillClrLst meth="repeat">
+      <a:schemeClr val="lt1"/>
+    </dgm:fillClrLst>
+    <dgm:linClrLst meth="repeat">
+      <a:schemeClr val="accent3"/>
+    </dgm:linClrLst>
+    <dgm:effectClrLst/>
+    <dgm:txLinClrLst/>
+    <dgm:txFillClrLst meth="repeat">
+      <a:schemeClr val="dk1"/>
+    </dgm:txFillClrLst>
+    <dgm:txEffectClrLst/>
+  </dgm:styleLbl>
+  <dgm:styleLbl name="solidAlignAcc1">
+    <dgm:fillClrLst meth="repeat">
+      <a:schemeClr val="lt1"/>
+    </dgm:fillClrLst>
+    <dgm:linClrLst meth="repeat">
+      <a:schemeClr val="accent3"/>
+    </dgm:linClrLst>
+    <dgm:effectClrLst/>
+    <dgm:txLinClrLst/>
+    <dgm:txFillClrLst meth="repeat">
+      <a:schemeClr val="dk1"/>
+    </dgm:txFillClrLst>
+    <dgm:txEffectClrLst/>
+  </dgm:styleLbl>
+  <dgm:styleLbl name="solidBgAcc1">
+    <dgm:fillClrLst meth="repeat">
+      <a:schemeClr val="lt1"/>
+    </dgm:fillClrLst>
+    <dgm:linClrLst meth="repeat">
+      <a:schemeClr val="accent3"/>
+    </dgm:linClrLst>
+    <dgm:effectClrLst/>
+    <dgm:txLinClrLst/>
+    <dgm:txFillClrLst meth="repeat">
+      <a:schemeClr val="dk1"/>
+    </dgm:txFillClrLst>
+    <dgm:txEffectClrLst/>
+  </dgm:styleLbl>
+  <dgm:styleLbl name="fgAccFollowNode1">
+    <dgm:fillClrLst meth="repeat">
+      <a:schemeClr val="accent3">
+        <a:alpha val="90000"/>
+        <a:tint val="40000"/>
+      </a:schemeClr>
+    </dgm:fillClrLst>
+    <dgm:linClrLst meth="repeat">
+      <a:schemeClr val="accent3">
+        <a:alpha val="90000"/>
+        <a:tint val="40000"/>
+      </a:schemeClr>
+    </dgm:linClrLst>
+    <dgm:effectClrLst/>
+    <dgm:txLinClrLst/>
+    <dgm:txFillClrLst meth="repeat">
+      <a:schemeClr val="dk1"/>
+    </dgm:txFillClrLst>
+    <dgm:txEffectClrLst/>
+  </dgm:styleLbl>
+  <dgm:styleLbl name="alignAccFollowNode1">
+    <dgm:fillClrLst meth="repeat">
+      <a:schemeClr val="accent3">
+        <a:alpha val="90000"/>
+        <a:tint val="40000"/>
+      </a:schemeClr>
+    </dgm:fillClrLst>
+    <dgm:linClrLst meth="repeat">
+      <a:schemeClr val="accent3">
+        <a:alpha val="90000"/>
+        <a:tint val="40000"/>
+      </a:schemeClr>
+    </dgm:linClrLst>
+    <dgm:effectClrLst/>
+    <dgm:txLinClrLst/>
+    <dgm:txFillClrLst meth="repeat">
+      <a:schemeClr val="dk1"/>
+    </dgm:txFillClrLst>
+    <dgm:txEffectClrLst/>
+  </dgm:styleLbl>
+  <dgm:styleLbl name="bgAccFollowNode1">
+    <dgm:fillClrLst meth="repeat">
+      <a:schemeClr val="accent3">
+        <a:alpha val="90000"/>
+        <a:tint val="40000"/>
+      </a:schemeClr>
+    </dgm:fillClrLst>
+    <dgm:linClrLst meth="repeat">
+      <a:schemeClr val="accent3">
+        <a:alpha val="90000"/>
+        <a:tint val="40000"/>
+      </a:schemeClr>
+    </dgm:linClrLst>
+    <dgm:effectClrLst/>
+    <dgm:txLinClrLst/>
+    <dgm:txFillClrLst meth="repeat">
+      <a:schemeClr val="dk1"/>
+    </dgm:txFillClrLst>
+    <dgm:txEffectClrLst/>
+  </dgm:styleLbl>
+  <dgm:styleLbl name="fgAcc0">
+    <dgm:fillClrLst meth="repeat">
+      <a:schemeClr val="lt1">
+        <a:alpha val="90000"/>
+      </a:schemeClr>
+    </dgm:fillClrLst>
+    <dgm:linClrLst meth="repeat">
+      <a:schemeClr val="accent3"/>
+    </dgm:linClrLst>
+    <dgm:effectClrLst/>
+    <dgm:txLinClrLst/>
+    <dgm:txFillClrLst meth="repeat">
+      <a:schemeClr val="dk1"/>
+    </dgm:txFillClrLst>
+    <dgm:txEffectClrLst/>
+  </dgm:styleLbl>
+  <dgm:styleLbl name="fgAcc2">
+    <dgm:fillClrLst meth="repeat">
+      <a:schemeClr val="lt1">
+        <a:alpha val="90000"/>
+      </a:schemeClr>
+    </dgm:fillClrLst>
+    <dgm:linClrLst meth="repeat">
+      <a:schemeClr val="accent3"/>
+    </dgm:linClrLst>
+    <dgm:effectClrLst/>
+    <dgm:txLinClrLst/>
+    <dgm:txFillClrLst meth="repeat">
+      <a:schemeClr val="dk1"/>
+    </dgm:txFillClrLst>
+    <dgm:txEffectClrLst/>
+  </dgm:styleLbl>
+  <dgm:styleLbl name="fgAcc3">
+    <dgm:fillClrLst meth="repeat">
+      <a:schemeClr val="lt1">
+        <a:alpha val="90000"/>
+      </a:schemeClr>
+    </dgm:fillClrLst>
+    <dgm:linClrLst meth="repeat">
+      <a:schemeClr val="accent3"/>
+    </dgm:linClrLst>
+    <dgm:effectClrLst/>
+    <dgm:txLinClrLst/>
+    <dgm:txFillClrLst meth="repeat">
+      <a:schemeClr val="dk1"/>
+    </dgm:txFillClrLst>
+    <dgm:txEffectClrLst/>
+  </dgm:styleLbl>
+  <dgm:styleLbl name="fgAcc4">
+    <dgm:fillClrLst meth="repeat">
+      <a:schemeClr val="lt1">
+        <a:alpha val="90000"/>
+      </a:schemeClr>
+    </dgm:fillClrLst>
+    <dgm:linClrLst meth="repeat">
+      <a:schemeClr val="accent3"/>
+    </dgm:linClrLst>
+    <dgm:effectClrLst/>
+    <dgm:txLinClrLst/>
+    <dgm:txFillClrLst meth="repeat">
+      <a:schemeClr val="dk1"/>
+    </dgm:txFillClrLst>
+    <dgm:txEffectClrLst/>
+  </dgm:styleLbl>
+  <dgm:styleLbl name="bgShp">
+    <dgm:fillClrLst meth="repeat">
+      <a:schemeClr val="accent3">
+        <a:tint val="40000"/>
+      </a:schemeClr>
+    </dgm:fillClrLst>
+    <dgm:linClrLst meth="repeat">
+      <a:schemeClr val="accent3"/>
+    </dgm:linClrLst>
+    <dgm:effectClrLst/>
+    <dgm:txLinClrLst/>
+    <dgm:txFillClrLst meth="repeat">
+      <a:schemeClr val="dk1"/>
+    </dgm:txFillClrLst>
+    <dgm:txEffectClrLst/>
+  </dgm:styleLbl>
+  <dgm:styleLbl name="dkBgShp">
+    <dgm:fillClrLst meth="repeat">
+      <a:schemeClr val="accent3">
+        <a:shade val="80000"/>
+      </a:schemeClr>
+    </dgm:fillClrLst>
+    <dgm:linClrLst meth="repeat">
+      <a:schemeClr val="accent3"/>
+    </dgm:linClrLst>
+    <dgm:effectClrLst/>
+    <dgm:txLinClrLst/>
+    <dgm:txFillClrLst meth="repeat">
+      <a:schemeClr val="lt1"/>
+    </dgm:txFillClrLst>
+    <dgm:txEffectClrLst/>
+  </dgm:styleLbl>
+  <dgm:styleLbl name="trBgShp">
+    <dgm:fillClrLst meth="repeat">
+      <a:schemeClr val="accent3">
+        <a:tint val="50000"/>
+        <a:alpha val="40000"/>
+      </a:schemeClr>
+    </dgm:fillClrLst>
+    <dgm:linClrLst meth="repeat">
+      <a:schemeClr val="accent3"/>
+    </dgm:linClrLst>
+    <dgm:effectClrLst/>
+    <dgm:txLinClrLst/>
+    <dgm:txFillClrLst meth="repeat">
+      <a:schemeClr val="lt1"/>
+    </dgm:txFillClrLst>
+    <dgm:txEffectClrLst/>
+  </dgm:styleLbl>
+  <dgm:styleLbl name="fgShp">
+    <dgm:fillClrLst meth="repeat">
+      <a:schemeClr val="accent3">
+        <a:tint val="60000"/>
+      </a:schemeClr>
+    </dgm:fillClrLst>
+    <dgm:linClrLst meth="repeat">
+      <a:schemeClr val="lt1"/>
+    </dgm:linClrLst>
+    <dgm:effectClrLst/>
+    <dgm:txLinClrLst/>
+    <dgm:txFillClrLst meth="repeat">
+      <a:schemeClr val="dk1"/>
+    </dgm:txFillClrLst>
+    <dgm:txEffectClrLst/>
+  </dgm:styleLbl>
+  <dgm:styleLbl name="revTx">
+    <dgm:fillClrLst meth="repeat">
+      <a:schemeClr val="lt1">
+        <a:alpha val="0"/>
+      </a:schemeClr>
+    </dgm:fillClrLst>
+    <dgm:linClrLst meth="repeat">
+      <a:schemeClr val="dk1">
+        <a:alpha val="0"/>
+      </a:schemeClr>
+    </dgm:linClrLst>
+    <dgm:effectClrLst/>
+    <dgm:txLinClrLst/>
+    <dgm:txFillClrLst meth="repeat">
+      <a:schemeClr val="tx1"/>
+    </dgm:txFillClrLst>
+    <dgm:txEffectClrLst/>
+  </dgm:styleLbl>
+</dgm:colorsDef>
+</file>
+
+<file path=ppt/diagrams/data1.xml><?xml version="1.0" encoding="utf-8"?>
+<dgm:dataModel xmlns:dgm="http://schemas.openxmlformats.org/drawingml/2006/diagram" xmlns:a="http://schemas.openxmlformats.org/drawingml/2006/main">
+  <dgm:ptLst>
+    <dgm:pt modelId="{73B6E067-5E58-4234-A49B-40AF20210364}" type="doc">
+      <dgm:prSet loTypeId="urn:microsoft.com/office/officeart/2005/8/layout/bProcess2" loCatId="process" qsTypeId="urn:microsoft.com/office/officeart/2005/8/quickstyle/simple1" qsCatId="simple" csTypeId="urn:microsoft.com/office/officeart/2005/8/colors/accent3_2" csCatId="accent3" phldr="1"/>
+      <dgm:spPr/>
+      <dgm:t>
+        <a:bodyPr/>
+        <a:lstStyle/>
+        <a:p>
+          <a:endParaRPr lang="en-US"/>
+        </a:p>
+      </dgm:t>
+    </dgm:pt>
+    <dgm:pt modelId="{200939E6-87EC-42A8-958A-7C25BBBB4B96}">
+      <dgm:prSet phldrT="[Text]"/>
+      <dgm:spPr>
+        <a:solidFill>
+          <a:schemeClr val="accent3">
+            <a:hueOff val="0"/>
+            <a:satOff val="0"/>
+            <a:lumOff val="0"/>
+          </a:schemeClr>
+        </a:solidFill>
+      </dgm:spPr>
+      <dgm:t>
+        <a:bodyPr/>
+        <a:lstStyle/>
+        <a:p>
+          <a:r>
+            <a:rPr lang="en-US" dirty="0">
+              <a:solidFill>
+                <a:schemeClr val="bg1"/>
+              </a:solidFill>
+              <a:latin typeface="Lato" panose="020B0604020202020204" charset="0"/>
+            </a:rPr>
+            <a:t>Structure</a:t>
+          </a:r>
+        </a:p>
+      </dgm:t>
+    </dgm:pt>
+    <dgm:pt modelId="{36829730-C244-4BE5-B736-787C32B9E31E}" type="parTrans" cxnId="{3EBB163F-6664-4D16-98F8-DCA042680034}">
+      <dgm:prSet/>
+      <dgm:spPr/>
+      <dgm:t>
+        <a:bodyPr/>
+        <a:lstStyle/>
+        <a:p>
+          <a:endParaRPr lang="en-US"/>
+        </a:p>
+      </dgm:t>
+    </dgm:pt>
+    <dgm:pt modelId="{E19D5F7D-9FBE-4CF4-B3DB-056279C63075}" type="sibTrans" cxnId="{3EBB163F-6664-4D16-98F8-DCA042680034}">
+      <dgm:prSet/>
+      <dgm:spPr>
+        <a:solidFill>
+          <a:srgbClr val="E9EDEE"/>
+        </a:solidFill>
+      </dgm:spPr>
+      <dgm:t>
+        <a:bodyPr/>
+        <a:lstStyle/>
+        <a:p>
+          <a:endParaRPr lang="en-US"/>
+        </a:p>
+      </dgm:t>
+    </dgm:pt>
+    <dgm:pt modelId="{8E8A220B-1DF4-480B-A2FE-8409E6AEDE9F}">
+      <dgm:prSet phldrT="[Text]"/>
+      <dgm:spPr>
+        <a:solidFill>
+          <a:schemeClr val="accent3">
+            <a:hueOff val="0"/>
+            <a:satOff val="0"/>
+            <a:lumOff val="0"/>
+          </a:schemeClr>
+        </a:solidFill>
+      </dgm:spPr>
+      <dgm:t>
+        <a:bodyPr/>
+        <a:lstStyle/>
+        <a:p>
+          <a:pPr rtl="0"/>
+          <a:r>
+            <a:rPr lang="en-US" dirty="0">
+              <a:solidFill>
+                <a:schemeClr val="bg1"/>
+              </a:solidFill>
+              <a:latin typeface="Lato" panose="020B0604020202020204" charset="0"/>
+            </a:rPr>
+            <a:t>Train</a:t>
+          </a:r>
+        </a:p>
+      </dgm:t>
+    </dgm:pt>
+    <dgm:pt modelId="{44E752A8-899E-44C8-B15C-2E5DF4B41A90}" type="parTrans" cxnId="{8866033A-A8A0-4BCE-9F0E-F677DA4EB109}">
+      <dgm:prSet/>
+      <dgm:spPr/>
+      <dgm:t>
+        <a:bodyPr/>
+        <a:lstStyle/>
+        <a:p>
+          <a:endParaRPr lang="en-US"/>
+        </a:p>
+      </dgm:t>
+    </dgm:pt>
+    <dgm:pt modelId="{364D3EF3-5EB5-4A7B-92E8-800D54C4AF2A}" type="sibTrans" cxnId="{8866033A-A8A0-4BCE-9F0E-F677DA4EB109}">
+      <dgm:prSet/>
+      <dgm:spPr>
+        <a:solidFill>
+          <a:srgbClr val="E9EDEE"/>
+        </a:solidFill>
+      </dgm:spPr>
+      <dgm:t>
+        <a:bodyPr/>
+        <a:lstStyle/>
+        <a:p>
+          <a:endParaRPr lang="en-US"/>
+        </a:p>
+      </dgm:t>
+    </dgm:pt>
+    <dgm:pt modelId="{E89D6FCE-44B8-4433-98E1-BFC498A0B583}">
+      <dgm:prSet phldrT="[Text]"/>
+      <dgm:spPr>
+        <a:solidFill>
+          <a:schemeClr val="accent3">
+            <a:hueOff val="0"/>
+            <a:satOff val="0"/>
+            <a:lumOff val="0"/>
+          </a:schemeClr>
+        </a:solidFill>
+      </dgm:spPr>
+      <dgm:t>
+        <a:bodyPr/>
+        <a:lstStyle/>
+        <a:p>
+          <a:r>
+            <a:rPr lang="en-US" dirty="0">
+              <a:solidFill>
+                <a:schemeClr val="bg1"/>
+              </a:solidFill>
+              <a:latin typeface="Lato" panose="020B0604020202020204" charset="0"/>
+            </a:rPr>
+            <a:t>Predict</a:t>
+          </a:r>
+        </a:p>
+      </dgm:t>
+    </dgm:pt>
+    <dgm:pt modelId="{BC454D30-7661-4C54-8134-CC15530CAC2A}" type="parTrans" cxnId="{72D19463-345E-4240-88C8-74FD874181D4}">
+      <dgm:prSet/>
+      <dgm:spPr/>
+      <dgm:t>
+        <a:bodyPr/>
+        <a:lstStyle/>
+        <a:p>
+          <a:endParaRPr lang="en-US"/>
+        </a:p>
+      </dgm:t>
+    </dgm:pt>
+    <dgm:pt modelId="{AD5D266D-91B2-4BD5-8FB0-BB6027727318}" type="sibTrans" cxnId="{72D19463-345E-4240-88C8-74FD874181D4}">
+      <dgm:prSet/>
+      <dgm:spPr/>
+      <dgm:t>
+        <a:bodyPr/>
+        <a:lstStyle/>
+        <a:p>
+          <a:endParaRPr lang="en-US"/>
+        </a:p>
+      </dgm:t>
+    </dgm:pt>
+    <dgm:pt modelId="{B4B66EED-4341-4EBB-A3F1-F85A264C478B}" type="pres">
+      <dgm:prSet presAssocID="{73B6E067-5E58-4234-A49B-40AF20210364}" presName="diagram" presStyleCnt="0">
+        <dgm:presLayoutVars>
+          <dgm:dir/>
+          <dgm:resizeHandles/>
+        </dgm:presLayoutVars>
+      </dgm:prSet>
+      <dgm:spPr/>
+    </dgm:pt>
+    <dgm:pt modelId="{450EF30E-907F-4E60-82CD-84BFA808CCA2}" type="pres">
+      <dgm:prSet presAssocID="{200939E6-87EC-42A8-958A-7C25BBBB4B96}" presName="firstNode" presStyleLbl="node1" presStyleIdx="0" presStyleCnt="3">
+        <dgm:presLayoutVars>
+          <dgm:bulletEnabled val="1"/>
+        </dgm:presLayoutVars>
+      </dgm:prSet>
+      <dgm:spPr/>
+    </dgm:pt>
+    <dgm:pt modelId="{6B0F503A-5C0D-4496-B808-840B463DD076}" type="pres">
+      <dgm:prSet presAssocID="{E19D5F7D-9FBE-4CF4-B3DB-056279C63075}" presName="sibTrans" presStyleLbl="sibTrans2D1" presStyleIdx="0" presStyleCnt="2"/>
+      <dgm:spPr/>
+    </dgm:pt>
+    <dgm:pt modelId="{B5FD25BB-B9B6-4136-BB57-2B13E00F0DAC}" type="pres">
+      <dgm:prSet presAssocID="{8E8A220B-1DF4-480B-A2FE-8409E6AEDE9F}" presName="middleNode" presStyleCnt="0"/>
+      <dgm:spPr/>
+    </dgm:pt>
+    <dgm:pt modelId="{210C6981-541C-468A-A791-FDE176464856}" type="pres">
+      <dgm:prSet presAssocID="{8E8A220B-1DF4-480B-A2FE-8409E6AEDE9F}" presName="padding" presStyleLbl="node1" presStyleIdx="0" presStyleCnt="3"/>
+      <dgm:spPr/>
+    </dgm:pt>
+    <dgm:pt modelId="{E10A711D-EF4A-45D5-80A6-8858B3BAD979}" type="pres">
+      <dgm:prSet presAssocID="{8E8A220B-1DF4-480B-A2FE-8409E6AEDE9F}" presName="shape" presStyleLbl="node1" presStyleIdx="1" presStyleCnt="3" custScaleX="156021" custScaleY="156021">
+        <dgm:presLayoutVars>
+          <dgm:bulletEnabled val="1"/>
+        </dgm:presLayoutVars>
+      </dgm:prSet>
+      <dgm:spPr/>
+    </dgm:pt>
+    <dgm:pt modelId="{668A6FDD-26D0-4A0D-A575-22FE9A9C3A82}" type="pres">
+      <dgm:prSet presAssocID="{364D3EF3-5EB5-4A7B-92E8-800D54C4AF2A}" presName="sibTrans" presStyleLbl="sibTrans2D1" presStyleIdx="1" presStyleCnt="2"/>
+      <dgm:spPr/>
+    </dgm:pt>
+    <dgm:pt modelId="{D6770CDA-74BE-4C34-9E11-6DFBCC017C86}" type="pres">
+      <dgm:prSet presAssocID="{E89D6FCE-44B8-4433-98E1-BFC498A0B583}" presName="lastNode" presStyleLbl="node1" presStyleIdx="2" presStyleCnt="3">
+        <dgm:presLayoutVars>
+          <dgm:bulletEnabled val="1"/>
+        </dgm:presLayoutVars>
+      </dgm:prSet>
+      <dgm:spPr/>
+    </dgm:pt>
+  </dgm:ptLst>
+  <dgm:cxnLst>
+    <dgm:cxn modelId="{D4607E28-12D8-479C-A9CA-3F74A8920458}" type="presOf" srcId="{E89D6FCE-44B8-4433-98E1-BFC498A0B583}" destId="{D6770CDA-74BE-4C34-9E11-6DFBCC017C86}" srcOrd="0" destOrd="0" presId="urn:microsoft.com/office/officeart/2005/8/layout/bProcess2"/>
+    <dgm:cxn modelId="{F210D037-F1A9-4DEE-9D66-02EA40037AF3}" type="presOf" srcId="{E19D5F7D-9FBE-4CF4-B3DB-056279C63075}" destId="{6B0F503A-5C0D-4496-B808-840B463DD076}" srcOrd="0" destOrd="0" presId="urn:microsoft.com/office/officeart/2005/8/layout/bProcess2"/>
+    <dgm:cxn modelId="{8866033A-A8A0-4BCE-9F0E-F677DA4EB109}" srcId="{73B6E067-5E58-4234-A49B-40AF20210364}" destId="{8E8A220B-1DF4-480B-A2FE-8409E6AEDE9F}" srcOrd="1" destOrd="0" parTransId="{44E752A8-899E-44C8-B15C-2E5DF4B41A90}" sibTransId="{364D3EF3-5EB5-4A7B-92E8-800D54C4AF2A}"/>
+    <dgm:cxn modelId="{3EBB163F-6664-4D16-98F8-DCA042680034}" srcId="{73B6E067-5E58-4234-A49B-40AF20210364}" destId="{200939E6-87EC-42A8-958A-7C25BBBB4B96}" srcOrd="0" destOrd="0" parTransId="{36829730-C244-4BE5-B736-787C32B9E31E}" sibTransId="{E19D5F7D-9FBE-4CF4-B3DB-056279C63075}"/>
+    <dgm:cxn modelId="{EEA5775E-0FB2-4005-84A0-FADA8CD5D77B}" type="presOf" srcId="{364D3EF3-5EB5-4A7B-92E8-800D54C4AF2A}" destId="{668A6FDD-26D0-4A0D-A575-22FE9A9C3A82}" srcOrd="0" destOrd="0" presId="urn:microsoft.com/office/officeart/2005/8/layout/bProcess2"/>
+    <dgm:cxn modelId="{72D19463-345E-4240-88C8-74FD874181D4}" srcId="{73B6E067-5E58-4234-A49B-40AF20210364}" destId="{E89D6FCE-44B8-4433-98E1-BFC498A0B583}" srcOrd="2" destOrd="0" parTransId="{BC454D30-7661-4C54-8134-CC15530CAC2A}" sibTransId="{AD5D266D-91B2-4BD5-8FB0-BB6027727318}"/>
+    <dgm:cxn modelId="{BFEA5C67-59EC-4309-AC6F-4DBCC9EBF428}" type="presOf" srcId="{8E8A220B-1DF4-480B-A2FE-8409E6AEDE9F}" destId="{E10A711D-EF4A-45D5-80A6-8858B3BAD979}" srcOrd="0" destOrd="0" presId="urn:microsoft.com/office/officeart/2005/8/layout/bProcess2"/>
+    <dgm:cxn modelId="{129CF16D-BB22-4AB8-9844-EA1AC7D443A2}" type="presOf" srcId="{200939E6-87EC-42A8-958A-7C25BBBB4B96}" destId="{450EF30E-907F-4E60-82CD-84BFA808CCA2}" srcOrd="0" destOrd="0" presId="urn:microsoft.com/office/officeart/2005/8/layout/bProcess2"/>
+    <dgm:cxn modelId="{AF1571E2-F0A0-48D6-95C6-AEE44AC51712}" type="presOf" srcId="{73B6E067-5E58-4234-A49B-40AF20210364}" destId="{B4B66EED-4341-4EBB-A3F1-F85A264C478B}" srcOrd="0" destOrd="0" presId="urn:microsoft.com/office/officeart/2005/8/layout/bProcess2"/>
+    <dgm:cxn modelId="{0923E774-D0D3-4E0D-BCB1-872116023EAA}" type="presParOf" srcId="{B4B66EED-4341-4EBB-A3F1-F85A264C478B}" destId="{450EF30E-907F-4E60-82CD-84BFA808CCA2}" srcOrd="0" destOrd="0" presId="urn:microsoft.com/office/officeart/2005/8/layout/bProcess2"/>
+    <dgm:cxn modelId="{86D32DC8-22B0-4245-BBA9-FF0DBA8C02E8}" type="presParOf" srcId="{B4B66EED-4341-4EBB-A3F1-F85A264C478B}" destId="{6B0F503A-5C0D-4496-B808-840B463DD076}" srcOrd="1" destOrd="0" presId="urn:microsoft.com/office/officeart/2005/8/layout/bProcess2"/>
+    <dgm:cxn modelId="{98EFA3BF-DD6D-43C6-8F36-8FE6E209C22F}" type="presParOf" srcId="{B4B66EED-4341-4EBB-A3F1-F85A264C478B}" destId="{B5FD25BB-B9B6-4136-BB57-2B13E00F0DAC}" srcOrd="2" destOrd="0" presId="urn:microsoft.com/office/officeart/2005/8/layout/bProcess2"/>
+    <dgm:cxn modelId="{622DC4BC-CA09-4652-B1F5-D66399695F62}" type="presParOf" srcId="{B5FD25BB-B9B6-4136-BB57-2B13E00F0DAC}" destId="{210C6981-541C-468A-A791-FDE176464856}" srcOrd="0" destOrd="0" presId="urn:microsoft.com/office/officeart/2005/8/layout/bProcess2"/>
+    <dgm:cxn modelId="{11D48139-837F-4C76-9DD9-30D06A65B71C}" type="presParOf" srcId="{B5FD25BB-B9B6-4136-BB57-2B13E00F0DAC}" destId="{E10A711D-EF4A-45D5-80A6-8858B3BAD979}" srcOrd="1" destOrd="0" presId="urn:microsoft.com/office/officeart/2005/8/layout/bProcess2"/>
+    <dgm:cxn modelId="{B54625F1-A01E-42DC-964B-3FC3C1D5C605}" type="presParOf" srcId="{B4B66EED-4341-4EBB-A3F1-F85A264C478B}" destId="{668A6FDD-26D0-4A0D-A575-22FE9A9C3A82}" srcOrd="3" destOrd="0" presId="urn:microsoft.com/office/officeart/2005/8/layout/bProcess2"/>
+    <dgm:cxn modelId="{F6B83FE2-9981-4815-99D7-8131BBEE78FC}" type="presParOf" srcId="{B4B66EED-4341-4EBB-A3F1-F85A264C478B}" destId="{D6770CDA-74BE-4C34-9E11-6DFBCC017C86}" srcOrd="4" destOrd="0" presId="urn:microsoft.com/office/officeart/2005/8/layout/bProcess2"/>
+  </dgm:cxnLst>
+  <dgm:bg>
+    <a:noFill/>
+  </dgm:bg>
+  <dgm:whole/>
+  <dgm:extLst>
+    <a:ext uri="http://schemas.microsoft.com/office/drawing/2008/diagram">
+      <dsp:dataModelExt xmlns:dsp="http://schemas.microsoft.com/office/drawing/2008/diagram" relId="rId6" minVer="http://schemas.openxmlformats.org/drawingml/2006/diagram"/>
+    </a:ext>
+    <a:ext uri="{C62137D5-CB1D-491B-B009-E17868A290BF}">
+      <dgm14:recolorImg xmlns:dgm14="http://schemas.microsoft.com/office/drawing/2010/diagram" val="1"/>
+    </a:ext>
+  </dgm:extLst>
+</dgm:dataModel>
+</file>
+
+<file path=ppt/diagrams/drawing1.xml><?xml version="1.0" encoding="utf-8"?>
+<dsp:drawing xmlns:dgm="http://schemas.openxmlformats.org/drawingml/2006/diagram" xmlns:dsp="http://schemas.microsoft.com/office/drawing/2008/diagram" xmlns:a="http://schemas.openxmlformats.org/drawingml/2006/main">
+  <dsp:spTree>
+    <dsp:nvGrpSpPr>
+      <dsp:cNvPr id="0" name=""/>
+      <dsp:cNvGrpSpPr/>
+    </dsp:nvGrpSpPr>
+    <dsp:grpSpPr/>
+    <dsp:sp modelId="{450EF30E-907F-4E60-82CD-84BFA808CCA2}">
+      <dsp:nvSpPr>
+        <dsp:cNvPr id="0" name=""/>
+        <dsp:cNvSpPr/>
+      </dsp:nvSpPr>
+      <dsp:spPr>
+        <a:xfrm>
+          <a:off x="347557" y="71760"/>
+          <a:ext cx="1750727" cy="1750727"/>
+        </a:xfrm>
+        <a:prstGeom prst="ellipse">
+          <a:avLst/>
+        </a:prstGeom>
+        <a:solidFill>
+          <a:schemeClr val="accent3">
+            <a:hueOff val="0"/>
+            <a:satOff val="0"/>
+            <a:lumOff val="0"/>
+          </a:schemeClr>
+        </a:solidFill>
+        <a:ln w="25400" cap="flat" cmpd="sng" algn="ctr">
+          <a:solidFill>
+            <a:schemeClr val="lt1">
+              <a:hueOff val="0"/>
+              <a:satOff val="0"/>
+              <a:lumOff val="0"/>
+              <a:alphaOff val="0"/>
+            </a:schemeClr>
+          </a:solidFill>
+          <a:prstDash val="solid"/>
+        </a:ln>
+        <a:effectLst/>
+      </dsp:spPr>
+      <dsp:style>
+        <a:lnRef idx="2">
+          <a:scrgbClr r="0" g="0" b="0"/>
+        </a:lnRef>
+        <a:fillRef idx="1">
+          <a:scrgbClr r="0" g="0" b="0"/>
+        </a:fillRef>
+        <a:effectRef idx="0">
+          <a:scrgbClr r="0" g="0" b="0"/>
+        </a:effectRef>
+        <a:fontRef idx="minor">
+          <a:schemeClr val="lt1"/>
+        </a:fontRef>
+      </dsp:style>
+      <dsp:txBody>
+        <a:bodyPr spcFirstLastPara="0" vert="horz" wrap="square" lIns="27940" tIns="27940" rIns="27940" bIns="27940" numCol="1" spcCol="1270" anchor="ctr" anchorCtr="0">
+          <a:noAutofit/>
+        </a:bodyPr>
+        <a:lstStyle/>
+        <a:p>
+          <a:pPr marL="0" lvl="0" indent="0" algn="ctr" defTabSz="977900">
+            <a:lnSpc>
+              <a:spcPct val="90000"/>
+            </a:lnSpc>
+            <a:spcBef>
+              <a:spcPct val="0"/>
+            </a:spcBef>
+            <a:spcAft>
+              <a:spcPct val="35000"/>
+            </a:spcAft>
+            <a:buNone/>
+          </a:pPr>
+          <a:r>
+            <a:rPr lang="en-US" sz="2200" kern="1200" dirty="0">
+              <a:solidFill>
+                <a:schemeClr val="bg1"/>
+              </a:solidFill>
+              <a:latin typeface="Lato" panose="020B0604020202020204" charset="0"/>
+            </a:rPr>
+            <a:t>Structure</a:t>
+          </a:r>
+        </a:p>
+      </dsp:txBody>
+      <dsp:txXfrm>
+        <a:off x="603945" y="328148"/>
+        <a:ext cx="1237951" cy="1237951"/>
+      </dsp:txXfrm>
+    </dsp:sp>
+    <dsp:sp modelId="{6B0F503A-5C0D-4496-B808-840B463DD076}">
+      <dsp:nvSpPr>
+        <dsp:cNvPr id="0" name=""/>
+        <dsp:cNvSpPr/>
+      </dsp:nvSpPr>
+      <dsp:spPr>
+        <a:xfrm rot="5354033">
+          <a:off x="2242723" y="697355"/>
+          <a:ext cx="612754" cy="464068"/>
+        </a:xfrm>
+        <a:prstGeom prst="triangle">
+          <a:avLst/>
+        </a:prstGeom>
+        <a:solidFill>
+          <a:srgbClr val="E9EDEE"/>
+        </a:solidFill>
+        <a:ln>
+          <a:noFill/>
+        </a:ln>
+        <a:effectLst/>
+      </dsp:spPr>
+      <dsp:style>
+        <a:lnRef idx="0">
+          <a:scrgbClr r="0" g="0" b="0"/>
+        </a:lnRef>
+        <a:fillRef idx="1">
+          <a:scrgbClr r="0" g="0" b="0"/>
+        </a:fillRef>
+        <a:effectRef idx="0">
+          <a:scrgbClr r="0" g="0" b="0"/>
+        </a:effectRef>
+        <a:fontRef idx="minor">
+          <a:schemeClr val="lt1"/>
+        </a:fontRef>
+      </dsp:style>
+    </dsp:sp>
+    <dsp:sp modelId="{E10A711D-EF4A-45D5-80A6-8858B3BAD979}">
+      <dsp:nvSpPr>
+        <dsp:cNvPr id="0" name=""/>
+        <dsp:cNvSpPr/>
+      </dsp:nvSpPr>
+      <dsp:spPr>
+        <a:xfrm>
+          <a:off x="2973647" y="575"/>
+          <a:ext cx="1821911" cy="1821911"/>
+        </a:xfrm>
+        <a:prstGeom prst="ellipse">
+          <a:avLst/>
+        </a:prstGeom>
+        <a:solidFill>
+          <a:schemeClr val="accent3">
+            <a:hueOff val="0"/>
+            <a:satOff val="0"/>
+            <a:lumOff val="0"/>
+          </a:schemeClr>
+        </a:solidFill>
+        <a:ln w="25400" cap="flat" cmpd="sng" algn="ctr">
+          <a:solidFill>
+            <a:schemeClr val="lt1">
+              <a:hueOff val="0"/>
+              <a:satOff val="0"/>
+              <a:lumOff val="0"/>
+              <a:alphaOff val="0"/>
+            </a:schemeClr>
+          </a:solidFill>
+          <a:prstDash val="solid"/>
+        </a:ln>
+        <a:effectLst/>
+      </dsp:spPr>
+      <dsp:style>
+        <a:lnRef idx="2">
+          <a:scrgbClr r="0" g="0" b="0"/>
+        </a:lnRef>
+        <a:fillRef idx="1">
+          <a:scrgbClr r="0" g="0" b="0"/>
+        </a:fillRef>
+        <a:effectRef idx="0">
+          <a:scrgbClr r="0" g="0" b="0"/>
+        </a:effectRef>
+        <a:fontRef idx="minor">
+          <a:schemeClr val="lt1"/>
+        </a:fontRef>
+      </dsp:style>
+      <dsp:txBody>
+        <a:bodyPr spcFirstLastPara="0" vert="horz" wrap="square" lIns="27940" tIns="27940" rIns="27940" bIns="27940" numCol="1" spcCol="1270" anchor="ctr" anchorCtr="0">
+          <a:noAutofit/>
+        </a:bodyPr>
+        <a:lstStyle/>
+        <a:p>
+          <a:pPr marL="0" lvl="0" indent="0" algn="ctr" defTabSz="977900" rtl="0">
+            <a:lnSpc>
+              <a:spcPct val="90000"/>
+            </a:lnSpc>
+            <a:spcBef>
+              <a:spcPct val="0"/>
+            </a:spcBef>
+            <a:spcAft>
+              <a:spcPct val="35000"/>
+            </a:spcAft>
+            <a:buNone/>
+          </a:pPr>
+          <a:r>
+            <a:rPr lang="en-US" sz="2200" kern="1200" dirty="0">
+              <a:solidFill>
+                <a:schemeClr val="bg1"/>
+              </a:solidFill>
+              <a:latin typeface="Lato" panose="020B0604020202020204" charset="0"/>
+            </a:rPr>
+            <a:t>Train</a:t>
+          </a:r>
+        </a:p>
+      </dsp:txBody>
+      <dsp:txXfrm>
+        <a:off x="3240460" y="267388"/>
+        <a:ext cx="1288285" cy="1288285"/>
+      </dsp:txXfrm>
+    </dsp:sp>
+    <dsp:sp modelId="{668A6FDD-26D0-4A0D-A575-22FE9A9C3A82}">
+      <dsp:nvSpPr>
+        <dsp:cNvPr id="0" name=""/>
+        <dsp:cNvSpPr/>
+      </dsp:nvSpPr>
+      <dsp:spPr>
+        <a:xfrm rot="5354033">
+          <a:off x="4939995" y="661287"/>
+          <a:ext cx="612754" cy="464068"/>
+        </a:xfrm>
+        <a:prstGeom prst="triangle">
+          <a:avLst/>
+        </a:prstGeom>
+        <a:solidFill>
+          <a:srgbClr val="E9EDEE"/>
+        </a:solidFill>
+        <a:ln>
+          <a:noFill/>
+        </a:ln>
+        <a:effectLst/>
+      </dsp:spPr>
+      <dsp:style>
+        <a:lnRef idx="0">
+          <a:scrgbClr r="0" g="0" b="0"/>
+        </a:lnRef>
+        <a:fillRef idx="1">
+          <a:scrgbClr r="0" g="0" b="0"/>
+        </a:fillRef>
+        <a:effectRef idx="0">
+          <a:scrgbClr r="0" g="0" b="0"/>
+        </a:effectRef>
+        <a:fontRef idx="minor">
+          <a:schemeClr val="lt1"/>
+        </a:fontRef>
+      </dsp:style>
+    </dsp:sp>
+    <dsp:sp modelId="{D6770CDA-74BE-4C34-9E11-6DFBCC017C86}">
+      <dsp:nvSpPr>
+        <dsp:cNvPr id="0" name=""/>
+        <dsp:cNvSpPr/>
+      </dsp:nvSpPr>
+      <dsp:spPr>
+        <a:xfrm>
+          <a:off x="5670922" y="575"/>
+          <a:ext cx="1750727" cy="1750727"/>
+        </a:xfrm>
+        <a:prstGeom prst="ellipse">
+          <a:avLst/>
+        </a:prstGeom>
+        <a:solidFill>
+          <a:schemeClr val="accent3">
+            <a:hueOff val="0"/>
+            <a:satOff val="0"/>
+            <a:lumOff val="0"/>
+          </a:schemeClr>
+        </a:solidFill>
+        <a:ln w="25400" cap="flat" cmpd="sng" algn="ctr">
+          <a:solidFill>
+            <a:schemeClr val="lt1">
+              <a:hueOff val="0"/>
+              <a:satOff val="0"/>
+              <a:lumOff val="0"/>
+              <a:alphaOff val="0"/>
+            </a:schemeClr>
+          </a:solidFill>
+          <a:prstDash val="solid"/>
+        </a:ln>
+        <a:effectLst/>
+      </dsp:spPr>
+      <dsp:style>
+        <a:lnRef idx="2">
+          <a:scrgbClr r="0" g="0" b="0"/>
+        </a:lnRef>
+        <a:fillRef idx="1">
+          <a:scrgbClr r="0" g="0" b="0"/>
+        </a:fillRef>
+        <a:effectRef idx="0">
+          <a:scrgbClr r="0" g="0" b="0"/>
+        </a:effectRef>
+        <a:fontRef idx="minor">
+          <a:schemeClr val="lt1"/>
+        </a:fontRef>
+      </dsp:style>
+      <dsp:txBody>
+        <a:bodyPr spcFirstLastPara="0" vert="horz" wrap="square" lIns="27940" tIns="27940" rIns="27940" bIns="27940" numCol="1" spcCol="1270" anchor="ctr" anchorCtr="0">
+          <a:noAutofit/>
+        </a:bodyPr>
+        <a:lstStyle/>
+        <a:p>
+          <a:pPr marL="0" lvl="0" indent="0" algn="ctr" defTabSz="977900">
+            <a:lnSpc>
+              <a:spcPct val="90000"/>
+            </a:lnSpc>
+            <a:spcBef>
+              <a:spcPct val="0"/>
+            </a:spcBef>
+            <a:spcAft>
+              <a:spcPct val="35000"/>
+            </a:spcAft>
+            <a:buNone/>
+          </a:pPr>
+          <a:r>
+            <a:rPr lang="en-US" sz="2200" kern="1200" dirty="0">
+              <a:solidFill>
+                <a:schemeClr val="bg1"/>
+              </a:solidFill>
+              <a:latin typeface="Lato" panose="020B0604020202020204" charset="0"/>
+            </a:rPr>
+            <a:t>Predict</a:t>
+          </a:r>
+        </a:p>
+      </dsp:txBody>
+      <dsp:txXfrm>
+        <a:off x="5927310" y="256963"/>
+        <a:ext cx="1237951" cy="1237951"/>
+      </dsp:txXfrm>
+    </dsp:sp>
+  </dsp:spTree>
+</dsp:drawing>
+</file>
+
+<file path=ppt/diagrams/layout1.xml><?xml version="1.0" encoding="utf-8"?>
+<dgm:layoutDef xmlns:dgm="http://schemas.openxmlformats.org/drawingml/2006/diagram" xmlns:a="http://schemas.openxmlformats.org/drawingml/2006/main" uniqueId="urn:microsoft.com/office/officeart/2005/8/layout/bProcess2">
+  <dgm:title val=""/>
+  <dgm:desc val=""/>
+  <dgm:catLst>
+    <dgm:cat type="process" pri="24000"/>
+  </dgm:catLst>
+  <dgm:sampData>
+    <dgm:dataModel>
+      <dgm:ptLst>
+        <dgm:pt modelId="0" type="doc"/>
+        <dgm:pt modelId="1">
+          <dgm:prSet phldr="1"/>
+        </dgm:pt>
+        <dgm:pt modelId="2">
+          <dgm:prSet phldr="1"/>
+        </dgm:pt>
+        <dgm:pt modelId="3">
+          <dgm:prSet phldr="1"/>
+        </dgm:pt>
+        <dgm:pt modelId="4">
+          <dgm:prSet phldr="1"/>
+        </dgm:pt>
+        <dgm:pt modelId="5">
+          <dgm:prSet phldr="1"/>
+        </dgm:pt>
+        <dgm:pt modelId="6">
+          <dgm:prSet phldr="1"/>
+        </dgm:pt>
+        <dgm:pt modelId="7">
+          <dgm:prSet phldr="1"/>
+        </dgm:pt>
+        <dgm:pt modelId="8">
+          <dgm:prSet phldr="1"/>
+        </dgm:pt>
+        <dgm:pt modelId="9">
+          <dgm:prSet phldr="1"/>
+        </dgm:pt>
+      </dgm:ptLst>
+      <dgm:cxnLst>
+        <dgm:cxn modelId="10" srcId="0" destId="1" srcOrd="0" destOrd="0"/>
+        <dgm:cxn modelId="11" srcId="0" destId="2" srcOrd="1" destOrd="0"/>
+        <dgm:cxn modelId="12" srcId="0" destId="3" srcOrd="2" destOrd="0"/>
+        <dgm:cxn modelId="13" srcId="0" destId="4" srcOrd="3" destOrd="0"/>
+        <dgm:cxn modelId="14" srcId="0" destId="5" srcOrd="4" destOrd="0"/>
+        <dgm:cxn modelId="15" srcId="0" destId="6" srcOrd="5" destOrd="0"/>
+        <dgm:cxn modelId="16" srcId="0" destId="7" srcOrd="6" destOrd="0"/>
+        <dgm:cxn modelId="17" srcId="0" destId="8" srcOrd="7" destOrd="0"/>
+        <dgm:cxn modelId="18" srcId="0" destId="9" srcOrd="8" destOrd="0"/>
+      </dgm:cxnLst>
+      <dgm:bg/>
+      <dgm:whole/>
+    </dgm:dataModel>
+  </dgm:sampData>
+  <dgm:styleData>
+    <dgm:dataModel>
+      <dgm:ptLst>
+        <dgm:pt modelId="0" type="doc"/>
+        <dgm:pt modelId="1"/>
+        <dgm:pt modelId="2"/>
+      </dgm:ptLst>
+      <dgm:cxnLst>
+        <dgm:cxn modelId="3" srcId="0" destId="1" srcOrd="0" destOrd="0"/>
+        <dgm:cxn modelId="4" srcId="0" destId="2" srcOrd="1" destOrd="0"/>
+      </dgm:cxnLst>
+      <dgm:bg/>
+      <dgm:whole/>
+    </dgm:dataModel>
+  </dgm:styleData>
+  <dgm:clrData>
+    <dgm:dataModel>
+      <dgm:ptLst>
+        <dgm:pt modelId="0" type="doc"/>
+        <dgm:pt modelId="1"/>
+        <dgm:pt modelId="2"/>
+        <dgm:pt modelId="3"/>
+        <dgm:pt modelId="4"/>
+        <dgm:pt modelId="5"/>
+        <dgm:pt modelId="6"/>
+      </dgm:ptLst>
+      <dgm:cxnLst>
+        <dgm:cxn modelId="7" srcId="0" destId="1" srcOrd="0" destOrd="0"/>
+        <dgm:cxn modelId="8" srcId="0" destId="2" srcOrd="1" destOrd="0"/>
+        <dgm:cxn modelId="9" srcId="0" destId="3" srcOrd="2" destOrd="0"/>
+        <dgm:cxn modelId="10" srcId="0" destId="4" srcOrd="3" destOrd="0"/>
+        <dgm:cxn modelId="11" srcId="0" destId="5" srcOrd="4" destOrd="0"/>
+        <dgm:cxn modelId="12" srcId="0" destId="6" srcOrd="5" destOrd="0"/>
+      </dgm:cxnLst>
+      <dgm:bg/>
+      <dgm:whole/>
+    </dgm:dataModel>
+  </dgm:clrData>
+  <dgm:layoutNode name="diagram">
+    <dgm:varLst>
+      <dgm:dir/>
+      <dgm:resizeHandles/>
+    </dgm:varLst>
+    <dgm:choose name="Name0">
+      <dgm:if name="Name1" func="var" arg="dir" op="equ" val="norm">
+        <dgm:alg type="snake">
+          <dgm:param type="grDir" val="tL"/>
+          <dgm:param type="flowDir" val="col"/>
+          <dgm:param type="contDir" val="revDir"/>
+        </dgm:alg>
+      </dgm:if>
+      <dgm:else name="Name2">
+        <dgm:alg type="snake">
+          <dgm:param type="grDir" val="tR"/>
+          <dgm:param type="flowDir" val="col"/>
+          <dgm:param type="contDir" val="revDir"/>
+        </dgm:alg>
+      </dgm:else>
+    </dgm:choose>
+    <dgm:shape xmlns:r="http://schemas.openxmlformats.org/officeDocument/2006/relationships" r:blip="">
+      <dgm:adjLst/>
+    </dgm:shape>
+    <dgm:presOf/>
+    <dgm:constrLst>
+      <dgm:constr type="w" for="ch" forName="firstNode" refType="w"/>
+      <dgm:constr type="w" for="ch" forName="lastNode" refType="w" refFor="ch" refForName="firstNode" op="equ"/>
+      <dgm:constr type="w" for="ch" forName="middleNode" refType="w" refFor="ch" refForName="firstNode" op="equ"/>
+      <dgm:constr type="h" for="ch" ptType="sibTrans" refType="w" refFor="ch" refForName="middleNode" op="equ" fact="0.35"/>
+      <dgm:constr type="sp" refType="w" refFor="ch" refForName="middleNode" fact="0.5"/>
+      <dgm:constr type="connDist" for="des" ptType="sibTrans" op="equ"/>
+      <dgm:constr type="primFontSz" for="ch" forName="firstNode" val="65"/>
+      <dgm:constr type="primFontSz" for="ch" forName="lastNode" refType="primFontSz" refFor="ch" refForName="firstNode" op="equ"/>
+      <dgm:constr type="primFontSz" for="des" forName="shape" val="65"/>
+      <dgm:constr type="primFontSz" for="des" forName="shape" refType="primFontSz" refFor="ch" refForName="firstNode" op="lte"/>
+      <dgm:constr type="primFontSz" for="des" forName="shape" refType="primFontSz" refFor="ch" refForName="lastNode" op="lte"/>
+    </dgm:constrLst>
+    <dgm:ruleLst/>
+    <dgm:forEach name="Name3" axis="ch" ptType="node">
+      <dgm:choose name="Name4">
+        <dgm:if name="Name5" axis="self" ptType="node" func="pos" op="equ" val="1">
+          <dgm:layoutNode name="firstNode">
+            <dgm:varLst>
+              <dgm:bulletEnabled val="1"/>
+            </dgm:varLst>
+            <dgm:alg type="tx">
+              <dgm:param type="txAnchorVertCh" val="mid"/>
+            </dgm:alg>
+            <dgm:shape xmlns:r="http://schemas.openxmlformats.org/officeDocument/2006/relationships" type="ellipse" r:blip="">
+              <dgm:adjLst/>
+            </dgm:shape>
+            <dgm:presOf axis="desOrSelf" ptType="node"/>
+            <dgm:constrLst>
+              <dgm:constr type="h" refType="w"/>
+              <dgm:constr type="tMarg" refType="primFontSz" fact="0.1"/>
+              <dgm:constr type="bMarg" refType="primFontSz" fact="0.1"/>
+              <dgm:constr type="lMarg" refType="primFontSz" fact="0.1"/>
+              <dgm:constr type="rMarg" refType="primFontSz" fact="0.1"/>
+            </dgm:constrLst>
+            <dgm:ruleLst>
+              <dgm:rule type="primFontSz" val="5" fact="NaN" max="NaN"/>
+            </dgm:ruleLst>
+          </dgm:layoutNode>
+        </dgm:if>
+        <dgm:if name="Name6" axis="self" ptType="node" func="revPos" op="equ" val="1">
+          <dgm:layoutNode name="lastNode">
+            <dgm:varLst>
+              <dgm:bulletEnabled val="1"/>
+            </dgm:varLst>
+            <dgm:alg type="tx">
+              <dgm:param type="txAnchorVertCh" val="mid"/>
+            </dgm:alg>
+            <dgm:shape xmlns:r="http://schemas.openxmlformats.org/officeDocument/2006/relationships" type="ellipse" r:blip="">
+              <dgm:adjLst/>
+            </dgm:shape>
+            <dgm:presOf axis="desOrSelf" ptType="node"/>
+            <dgm:constrLst>
+              <dgm:constr type="h" refType="w"/>
+              <dgm:constr type="tMarg" refType="primFontSz" fact="0.1"/>
+              <dgm:constr type="bMarg" refType="primFontSz" fact="0.1"/>
+              <dgm:constr type="lMarg" refType="primFontSz" fact="0.1"/>
+              <dgm:constr type="rMarg" refType="primFontSz" fact="0.1"/>
+            </dgm:constrLst>
+            <dgm:ruleLst>
+              <dgm:rule type="primFontSz" val="5" fact="NaN" max="NaN"/>
+            </dgm:ruleLst>
+          </dgm:layoutNode>
+        </dgm:if>
+        <dgm:else name="Name7">
+          <dgm:layoutNode name="middleNode">
+            <dgm:alg type="composite"/>
+            <dgm:shape xmlns:r="http://schemas.openxmlformats.org/officeDocument/2006/relationships" r:blip="">
+              <dgm:adjLst/>
+            </dgm:shape>
+            <dgm:presOf/>
+            <dgm:constrLst>
+              <dgm:constr type="h" refType="w"/>
+              <dgm:constr type="w" for="ch" forName="padding" refType="w"/>
+              <dgm:constr type="h" for="ch" forName="padding" refType="h"/>
+              <dgm:constr type="w" for="ch" forName="shape" refType="w" fact="0.667"/>
+              <dgm:constr type="h" for="ch" forName="shape" refType="h" fact="0.667"/>
+              <dgm:constr type="ctrX" for="ch" forName="shape" refType="w" fact="0.5"/>
+              <dgm:constr type="ctrY" for="ch" forName="shape" refType="h" fact="0.5"/>
+            </dgm:constrLst>
+            <dgm:ruleLst/>
+            <dgm:layoutNode name="padding">
+              <dgm:alg type="sp"/>
+              <dgm:shape xmlns:r="http://schemas.openxmlformats.org/officeDocument/2006/relationships" type="ellipse" r:blip="" hideGeom="1">
+                <dgm:adjLst/>
+              </dgm:shape>
+              <dgm:presOf/>
+              <dgm:constrLst/>
+              <dgm:ruleLst/>
+            </dgm:layoutNode>
+            <dgm:layoutNode name="shape">
+              <dgm:varLst>
+                <dgm:bulletEnabled val="1"/>
+              </dgm:varLst>
+              <dgm:alg type="tx">
+                <dgm:param type="txAnchorVertCh" val="mid"/>
+              </dgm:alg>
+              <dgm:shape xmlns:r="http://schemas.openxmlformats.org/officeDocument/2006/relationships" type="ellipse" r:blip="">
+                <dgm:adjLst/>
+              </dgm:shape>
+              <dgm:presOf axis="desOrSelf" ptType="node"/>
+              <dgm:constrLst>
+                <dgm:constr type="h" refType="w"/>
+                <dgm:constr type="tMarg" refType="primFontSz" fact="0.1"/>
+                <dgm:constr type="bMarg" refType="primFontSz" fact="0.1"/>
+                <dgm:constr type="lMarg" refType="primFontSz" fact="0.1"/>
+                <dgm:constr type="rMarg" refType="primFontSz" fact="0.1"/>
+              </dgm:constrLst>
+              <dgm:ruleLst>
+                <dgm:rule type="primFontSz" val="5" fact="NaN" max="NaN"/>
+              </dgm:ruleLst>
+            </dgm:layoutNode>
+          </dgm:layoutNode>
+        </dgm:else>
+      </dgm:choose>
+      <dgm:forEach name="Name8" axis="followSib" ptType="sibTrans" cnt="1">
+        <dgm:layoutNode name="sibTrans">
+          <dgm:choose name="Name9">
+            <dgm:if name="Name10" func="var" arg="dir" op="equ" val="norm">
+              <dgm:choose name="Name11">
+                <dgm:if name="Name12" axis="self" ptType="sibTrans" func="pos" op="equ" val="1">
+                  <dgm:alg type="conn">
+                    <dgm:param type="begPts" val="auto"/>
+                    <dgm:param type="endPts" val="auto"/>
+                    <dgm:param type="srcNode" val="firstNode"/>
+                    <dgm:param type="dstNode" val="shape"/>
+                  </dgm:alg>
+                </dgm:if>
+                <dgm:if name="Name13" axis="self" ptType="sibTrans" func="revPos" op="equ" val="1">
+                  <dgm:alg type="conn">
+                    <dgm:param type="begPts" val="auto"/>
+                    <dgm:param type="endPts" val="auto"/>
+                    <dgm:param type="srcNode" val="shape"/>
+                    <dgm:param type="dstNode" val="lastNode"/>
+                  </dgm:alg>
+                </dgm:if>
+                <dgm:else name="Name14">
+                  <dgm:alg type="conn">
+                    <dgm:param type="begPts" val="auto"/>
+                    <dgm:param type="endPts" val="auto"/>
+                    <dgm:param type="srcNode" val="shape"/>
+                    <dgm:param type="dstNode" val="shape"/>
+                  </dgm:alg>
+                </dgm:else>
+              </dgm:choose>
+            </dgm:if>
+            <dgm:else name="Name15">
+              <dgm:choose name="Name16">
+                <dgm:if name="Name17" axis="self" ptType="sibTrans" func="pos" op="equ" val="1">
+                  <dgm:alg type="conn">
+                    <dgm:param type="begPts" val="auto"/>
+                    <dgm:param type="endPts" val="auto"/>
+                    <dgm:param type="srcNode" val="firstNode"/>
+                    <dgm:param type="dstNode" val="shape"/>
+                  </dgm:alg>
+                </dgm:if>
+                <dgm:if name="Name18" axis="self" ptType="sibTrans" func="revPos" op="equ" val="1">
+                  <dgm:alg type="conn">
+                    <dgm:param type="begPts" val="auto"/>
+                    <dgm:param type="endPts" val="auto"/>
+                    <dgm:param type="srcNode" val="shape"/>
+                    <dgm:param type="dstNode" val="lastNode"/>
+                  </dgm:alg>
+                </dgm:if>
+                <dgm:else name="Name19">
+                  <dgm:alg type="conn">
+                    <dgm:param type="begPts" val="auto"/>
+                    <dgm:param type="endPts" val="auto"/>
+                    <dgm:param type="srcNode" val="shape"/>
+                    <dgm:param type="dstNode" val="shape"/>
+                  </dgm:alg>
+                </dgm:else>
+              </dgm:choose>
+            </dgm:else>
+          </dgm:choose>
+          <dgm:shape xmlns:r="http://schemas.openxmlformats.org/officeDocument/2006/relationships" rot="90" type="triangle" r:blip="">
+            <dgm:adjLst/>
+          </dgm:shape>
+          <dgm:presOf axis="self"/>
+          <dgm:constrLst>
+            <dgm:constr type="w" refType="h"/>
+            <dgm:constr type="connDist"/>
+            <dgm:constr type="begPad" refType="connDist" fact="0.25"/>
+            <dgm:constr type="endPad" refType="connDist" fact="0.22"/>
+          </dgm:constrLst>
+          <dgm:ruleLst/>
+        </dgm:layoutNode>
+      </dgm:forEach>
+    </dgm:forEach>
+  </dgm:layoutNode>
+</dgm:layoutDef>
+</file>
+
+<file path=ppt/diagrams/quickStyle1.xml><?xml version="1.0" encoding="utf-8"?>
+<dgm:styleDef xmlns:dgm="http://schemas.openxmlformats.org/drawingml/2006/diagram" xmlns:a="http://schemas.openxmlformats.org/drawingml/2006/main" uniqueId="urn:microsoft.com/office/officeart/2005/8/quickstyle/simple1">
+  <dgm:title val=""/>
+  <dgm:desc val=""/>
+  <dgm:catLst>
+    <dgm:cat type="simple" pri="10100"/>
+  </dgm:catLst>
+  <dgm:scene3d>
+    <a:camera prst="orthographicFront"/>
+    <a:lightRig rig="threePt" dir="t"/>
+  </dgm:scene3d>
+  <dgm:styleLbl name="node0">
+    <dgm:scene3d>
+      <a:camera prst="orthographicFront"/>
+      <a:lightRig rig="threePt" dir="t"/>
+    </dgm:scene3d>
+    <dgm:sp3d/>
+    <dgm:txPr/>
+    <dgm:style>
+      <a:lnRef idx="2">
+        <a:scrgbClr r="0" g="0" b="0"/>
+      </a:lnRef>
+      <a:fillRef idx="1">
+        <a:scrgbClr r="0" g="0" b="0"/>
+      </a:fillRef>
+      <a:effectRef idx="0">
+        <a:scrgbClr r="0" g="0" b="0"/>
+      </a:effectRef>
+      <a:fontRef idx="minor">
+        <a:schemeClr val="lt1"/>
+      </a:fontRef>
+    </dgm:style>
+  </dgm:styleLbl>
+  <dgm:styleLbl name="lnNode1">
+    <dgm:scene3d>
+      <a:camera prst="orthographicFront"/>
+      <a:lightRig rig="threePt" dir="t"/>
+    </dgm:scene3d>
+    <dgm:sp3d/>
+    <dgm:txPr/>
+    <dgm:style>
+      <a:lnRef idx="2">
+        <a:scrgbClr r="0" g="0" b="0"/>
+      </a:lnRef>
+      <a:fillRef idx="1">
+        <a:scrgbClr r="0" g="0" b="0"/>
+      </a:fillRef>
+      <a:effectRef idx="0">
+        <a:scrgbClr r="0" g="0" b="0"/>
+      </a:effectRef>
+      <a:fontRef idx="minor">
+        <a:schemeClr val="lt1"/>
+      </a:fontRef>
+    </dgm:style>
+  </dgm:styleLbl>
+  <dgm:styleLbl name="vennNode1">
+    <dgm:scene3d>
+      <a:camera prst="orthographicFront"/>
+      <a:lightRig rig="threePt" dir="t"/>
+    </dgm:scene3d>
+    <dgm:sp3d/>
+    <dgm:txPr/>
+    <dgm:style>
+      <a:lnRef idx="2">
+        <a:scrgbClr r="0" g="0" b="0"/>
+      </a:lnRef>
+      <a:fillRef idx="1">
+        <a:scrgbClr r="0" g="0" b="0"/>
+      </a:fillRef>
+      <a:effectRef idx="0">
+        <a:scrgbClr r="0" g="0" b="0"/>
+      </a:effectRef>
+      <a:fontRef idx="minor">
+        <a:schemeClr val="tx1"/>
+      </a:fontRef>
+    </dgm:style>
+  </dgm:styleLbl>
+  <dgm:styleLbl name="alignNode1">
+    <dgm:scene3d>
+      <a:camera prst="orthographicFront"/>
+      <a:lightRig rig="threePt" dir="t"/>
+    </dgm:scene3d>
+    <dgm:sp3d/>
+    <dgm:txPr/>
+    <dgm:style>
+      <a:lnRef idx="2">
+        <a:scrgbClr r="0" g="0" b="0"/>
+      </a:lnRef>
+      <a:fillRef idx="1">
+        <a:scrgbClr r="0" g="0" b="0"/>
+      </a:fillRef>
+      <a:effectRef idx="0">
+        <a:scrgbClr r="0" g="0" b="0"/>
+      </a:effectRef>
+      <a:fontRef idx="minor">
+        <a:schemeClr val="lt1"/>
+      </a:fontRef>
+    </dgm:style>
+  </dgm:styleLbl>
+  <dgm:styleLbl name="node1">
+    <dgm:scene3d>
+      <a:camera prst="orthographicFront"/>
+      <a:lightRig rig="threePt" dir="t"/>
+    </dgm:scene3d>
+    <dgm:sp3d/>
+    <dgm:txPr/>
+    <dgm:style>
+      <a:lnRef idx="2">
+        <a:scrgbClr r="0" g="0" b="0"/>
+      </a:lnRef>
+      <a:fillRef idx="1">
+        <a:scrgbClr r="0" g="0" b="0"/>
+      </a:fillRef>
+      <a:effectRef idx="0">
+        <a:scrgbClr r="0" g="0" b="0"/>
+      </a:effectRef>
+      <a:fontRef idx="minor">
+        <a:schemeClr val="lt1"/>
+      </a:fontRef>
+    </dgm:style>
+  </dgm:styleLbl>
+  <dgm:styleLbl name="node2">
+    <dgm:scene3d>
+      <a:camera prst="orthographicFront"/>
+      <a:lightRig rig="threePt" dir="t"/>
+    </dgm:scene3d>
+    <dgm:sp3d/>
+    <dgm:txPr/>
+    <dgm:style>
+      <a:lnRef idx="2">
+        <a:scrgbClr r="0" g="0" b="0"/>
+      </a:lnRef>
+      <a:fillRef idx="1">
+        <a:scrgbClr r="0" g="0" b="0"/>
+      </a:fillRef>
+      <a:effectRef idx="0">
+        <a:scrgbClr r="0" g="0" b="0"/>
+      </a:effectRef>
+      <a:fontRef idx="minor">
+        <a:schemeClr val="lt1"/>
+      </a:fontRef>
+    </dgm:style>
+  </dgm:styleLbl>
+  <dgm:styleLbl name="node3">
+    <dgm:scene3d>
+      <a:camera prst="orthographicFront"/>
+      <a:lightRig rig="threePt" dir="t"/>
+    </dgm:scene3d>
+    <dgm:sp3d/>
+    <dgm:txPr/>
+    <dgm:style>
+      <a:lnRef idx="2">
+        <a:scrgbClr r="0" g="0" b="0"/>
+      </a:lnRef>
+      <a:fillRef idx="1">
+        <a:scrgbClr r="0" g="0" b="0"/>
+      </a:fillRef>
+      <a:effectRef idx="0">
+        <a:scrgbClr r="0" g="0" b="0"/>
+      </a:effectRef>
+      <a:fontRef idx="minor">
+        <a:schemeClr val="lt1"/>
+      </a:fontRef>
+    </dgm:style>
+  </dgm:styleLbl>
+  <dgm:styleLbl name="node4">
+    <dgm:scene3d>
+      <a:camera prst="orthographicFront"/>
+      <a:lightRig rig="threePt" dir="t"/>
+    </dgm:scene3d>
+    <dgm:sp3d/>
+    <dgm:txPr/>
+    <dgm:style>
+      <a:lnRef idx="2">
+        <a:scrgbClr r="0" g="0" b="0"/>
+      </a:lnRef>
+      <a:fillRef idx="1">
+        <a:scrgbClr r="0" g="0" b="0"/>
+      </a:fillRef>
+      <a:effectRef idx="0">
+        <a:scrgbClr r="0" g="0" b="0"/>
+      </a:effectRef>
+      <a:fontRef idx="minor">
+        <a:schemeClr val="lt1"/>
+      </a:fontRef>
+    </dgm:style>
+  </dgm:styleLbl>
+  <dgm:styleLbl name="fgImgPlace1">
+    <dgm:scene3d>
+      <a:camera prst="orthographicFront"/>
+      <a:lightRig rig="threePt" dir="t"/>
+    </dgm:scene3d>
+    <dgm:sp3d/>
+    <dgm:txPr/>
+    <dgm:style>
+      <a:lnRef idx="2">
+        <a:scrgbClr r="0" g="0" b="0"/>
+      </a:lnRef>
+      <a:fillRef idx="1">
+        <a:scrgbClr r="0" g="0" b="0"/>
+      </a:fillRef>
+      <a:effectRef idx="0">
+        <a:scrgbClr r="0" g="0" b="0"/>
+      </a:effectRef>
+      <a:fontRef idx="minor"/>
+    </dgm:style>
+  </dgm:styleLbl>
+  <dgm:styleLbl name="alignImgPlace1">
+    <dgm:scene3d>
+      <a:camera prst="orthographicFront"/>
+      <a:lightRig rig="threePt" dir="t"/>
+    </dgm:scene3d>
+    <dgm:sp3d/>
+    <dgm:txPr/>
+    <dgm:style>
+      <a:lnRef idx="2">
+        <a:scrgbClr r="0" g="0" b="0"/>
+      </a:lnRef>
+      <a:fillRef idx="1">
+        <a:scrgbClr r="0" g="0" b="0"/>
+      </a:fillRef>
+      <a:effectRef idx="0">
+        <a:scrgbClr r="0" g="0" b="0"/>
+      </a:effectRef>
+      <a:fontRef idx="minor"/>
+    </dgm:style>
+  </dgm:styleLbl>
+  <dgm:styleLbl name="bgImgPlace1">
+    <dgm:scene3d>
+      <a:camera prst="orthographicFront"/>
+      <a:lightRig rig="threePt" dir="t"/>
+    </dgm:scene3d>
+    <dgm:sp3d/>
+    <dgm:txPr/>
+    <dgm:style>
+      <a:lnRef idx="2">
+        <a:scrgbClr r="0" g="0" b="0"/>
+      </a:lnRef>
+      <a:fillRef idx="1">
+        <a:scrgbClr r="0" g="0" b="0"/>
+      </a:fillRef>
+      <a:effectRef idx="0">
+        <a:scrgbClr r="0" g="0" b="0"/>
+      </a:effectRef>
+      <a:fontRef idx="minor"/>
+    </dgm:style>
+  </dgm:styleLbl>
+  <dgm:styleLbl name="sibTrans2D1">
+    <dgm:scene3d>
+      <a:camera prst="orthographicFront"/>
+      <a:lightRig rig="threePt" dir="t"/>
+    </dgm:scene3d>
+    <dgm:sp3d/>
+    <dgm:txPr/>
+    <dgm:style>
+      <a:lnRef idx="0">
+        <a:scrgbClr r="0" g="0" b="0"/>
+      </a:lnRef>
+      <a:fillRef idx="1">
+        <a:scrgbClr r="0" g="0" b="0"/>
+      </a:fillRef>
+      <a:effectRef idx="0">
+        <a:scrgbClr r="0" g="0" b="0"/>
+      </a:effectRef>
+      <a:fontRef idx="minor">
+        <a:schemeClr val="lt1"/>
+      </a:fontRef>
+    </dgm:style>
+  </dgm:styleLbl>
+  <dgm:styleLbl name="fgSibTrans2D1">
+    <dgm:scene3d>
+      <a:camera prst="orthographicFront"/>
+      <a:lightRig rig="threePt" dir="t"/>
+    </dgm:scene3d>
+    <dgm:sp3d/>
+    <dgm:txPr/>
+    <dgm:style>
+      <a:lnRef idx="0">
+        <a:scrgbClr r="0" g="0" b="0"/>
+      </a:lnRef>
+      <a:fillRef idx="1">
+        <a:scrgbClr r="0" g="0" b="0"/>
+      </a:fillRef>
+      <a:effectRef idx="0">
+        <a:scrgbClr r="0" g="0" b="0"/>
+      </a:effectRef>
+      <a:fontRef idx="minor">
+        <a:schemeClr val="lt1"/>
+      </a:fontRef>
+    </dgm:style>
+  </dgm:styleLbl>
+  <dgm:styleLbl name="bgSibTrans2D1">
+    <dgm:scene3d>
+      <a:camera prst="orthographicFront"/>
+      <a:lightRig rig="threePt" dir="t"/>
+    </dgm:scene3d>
+    <dgm:sp3d/>
+    <dgm:txPr/>
+    <dgm:style>
+      <a:lnRef idx="0">
+        <a:scrgbClr r="0" g="0" b="0"/>
+      </a:lnRef>
+      <a:fillRef idx="1">
+        <a:scrgbClr r="0" g="0" b="0"/>
+      </a:fillRef>
+      <a:effectRef idx="0">
+        <a:scrgbClr r="0" g="0" b="0"/>
+      </a:effectRef>
+      <a:fontRef idx="minor">
+        <a:schemeClr val="lt1"/>
+      </a:fontRef>
+    </dgm:style>
+  </dgm:styleLbl>
+  <dgm:styleLbl name="sibTrans1D1">
+    <dgm:scene3d>
+      <a:camera prst="orthographicFront"/>
+      <a:lightRig rig="threePt" dir="t"/>
+    </dgm:scene3d>
+    <dgm:sp3d/>
+    <dgm:txPr/>
+    <dgm:style>
+      <a:lnRef idx="1">
+        <a:scrgbClr r="0" g="0" b="0"/>
+      </a:lnRef>
+      <a:fillRef idx="0">
+        <a:scrgbClr r="0" g="0" b="0"/>
+      </a:fillRef>
+      <a:effectRef idx="0">
+        <a:scrgbClr r="0" g="0" b="0"/>
+      </a:effectRef>
+      <a:fontRef idx="minor"/>
+    </dgm:style>
+  </dgm:styleLbl>
+  <dgm:styleLbl name="callout">
+    <dgm:scene3d>
+      <a:camera prst="orthographicFront"/>
+      <a:lightRig rig="threePt" dir="t"/>
+    </dgm:scene3d>
+    <dgm:sp3d/>
+    <dgm:txPr/>
+    <dgm:style>
+      <a:lnRef idx="2">
+        <a:scrgbClr r="0" g="0" b="0"/>
+      </a:lnRef>
+      <a:fillRef idx="1">
+        <a:scrgbClr r="0" g="0" b="0"/>
+      </a:fillRef>
+      <a:effectRef idx="0">
+        <a:scrgbClr r="0" g="0" b="0"/>
+      </a:effectRef>
+      <a:fontRef idx="minor"/>
+    </dgm:style>
+  </dgm:styleLbl>
+  <dgm:styleLbl name="asst0">
+    <dgm:scene3d>
+      <a:camera prst="orthographicFront"/>
+      <a:lightRig rig="threePt" dir="t"/>
+    </dgm:scene3d>
+    <dgm:sp3d/>
+    <dgm:txPr/>
+    <dgm:style>
+      <a:lnRef idx="2">
+        <a:scrgbClr r="0" g="0" b="0"/>
+      </a:lnRef>
+      <a:fillRef idx="1">
+        <a:scrgbClr r="0" g="0" b="0"/>
+      </a:fillRef>
+      <a:effectRef idx="0">
+        <a:scrgbClr r="0" g="0" b="0"/>
+      </a:effectRef>
+      <a:fontRef idx="minor">
+        <a:schemeClr val="lt1"/>
+      </a:fontRef>
+    </dgm:style>
+  </dgm:styleLbl>
+  <dgm:styleLbl name="asst1">
+    <dgm:scene3d>
+      <a:camera prst="orthographicFront"/>
+      <a:lightRig rig="threePt" dir="t"/>
+    </dgm:scene3d>
+    <dgm:sp3d/>
+    <dgm:txPr/>
+    <dgm:style>
+      <a:lnRef idx="2">
+        <a:scrgbClr r="0" g="0" b="0"/>
+      </a:lnRef>
+      <a:fillRef idx="1">
+        <a:scrgbClr r="0" g="0" b="0"/>
+      </a:fillRef>
+      <a:effectRef idx="0">
+        <a:scrgbClr r="0" g="0" b="0"/>
+      </a:effectRef>
+      <a:fontRef idx="minor">
+        <a:schemeClr val="lt1"/>
+      </a:fontRef>
+    </dgm:style>
+  </dgm:styleLbl>
+  <dgm:styleLbl name="asst2">
+    <dgm:scene3d>
+      <a:camera prst="orthographicFront"/>
+      <a:lightRig rig="threePt" dir="t"/>
+    </dgm:scene3d>
+    <dgm:sp3d/>
+    <dgm:txPr/>
+    <dgm:style>
+      <a:lnRef idx="2">
+        <a:scrgbClr r="0" g="0" b="0"/>
+      </a:lnRef>
+      <a:fillRef idx="1">
+        <a:scrgbClr r="0" g="0" b="0"/>
+      </a:fillRef>
+      <a:effectRef idx="0">
+        <a:scrgbClr r="0" g="0" b="0"/>
+      </a:effectRef>
+      <a:fontRef idx="minor">
+        <a:schemeClr val="lt1"/>
+      </a:fontRef>
+    </dgm:style>
+  </dgm:styleLbl>
+  <dgm:styleLbl name="asst3">
+    <dgm:scene3d>
+      <a:camera prst="orthographicFront"/>
+      <a:lightRig rig="threePt" dir="t"/>
+    </dgm:scene3d>
+    <dgm:sp3d/>
+    <dgm:txPr/>
+    <dgm:style>
+      <a:lnRef idx="2">
+        <a:scrgbClr r="0" g="0" b="0"/>
+      </a:lnRef>
+      <a:fillRef idx="1">
+        <a:scrgbClr r="0" g="0" b="0"/>
+      </a:fillRef>
+      <a:effectRef idx="0">
+        <a:scrgbClr r="0" g="0" b="0"/>
+      </a:effectRef>
+      <a:fontRef idx="minor">
+        <a:schemeClr val="lt1"/>
+      </a:fontRef>
+    </dgm:style>
+  </dgm:styleLbl>
+  <dgm:styleLbl name="asst4">
+    <dgm:scene3d>
+      <a:camera prst="orthographicFront"/>
+      <a:lightRig rig="threePt" dir="t"/>
+    </dgm:scene3d>
+    <dgm:sp3d/>
+    <dgm:txPr/>
+    <dgm:style>
+      <a:lnRef idx="2">
+        <a:scrgbClr r="0" g="0" b="0"/>
+      </a:lnRef>
+      <a:fillRef idx="1">
+        <a:scrgbClr r="0" g="0" b="0"/>
+      </a:fillRef>
+      <a:effectRef idx="0">
+        <a:scrgbClr r="0" g="0" b="0"/>
+      </a:effectRef>
+      <a:fontRef idx="minor">
+        <a:schemeClr val="lt1"/>
+      </a:fontRef>
+    </dgm:style>
+  </dgm:styleLbl>
+  <dgm:styleLbl name="parChTrans2D1">
+    <dgm:scene3d>
+      <a:camera prst="orthographicFront"/>
+      <a:lightRig rig="threePt" dir="t"/>
+    </dgm:scene3d>
+    <dgm:sp3d/>
+    <dgm:txPr/>
+    <dgm:style>
+      <a:lnRef idx="2">
+        <a:scrgbClr r="0" g="0" b="0"/>
+      </a:lnRef>
+      <a:fillRef idx="1">
+        <a:scrgbClr r="0" g="0" b="0"/>
+      </a:fillRef>
+      <a:effectRef idx="0">
+        <a:scrgbClr r="0" g="0" b="0"/>
+      </a:effectRef>
+      <a:fontRef idx="minor">
+        <a:schemeClr val="lt1"/>
+      </a:fontRef>
+    </dgm:style>
+  </dgm:styleLbl>
+  <dgm:styleLbl name="parChTrans2D2">
+    <dgm:scene3d>
+      <a:camera prst="orthographicFront"/>
+      <a:lightRig rig="threePt" dir="t"/>
+    </dgm:scene3d>
+    <dgm:sp3d/>
+    <dgm:txPr/>
+    <dgm:style>
+      <a:lnRef idx="2">
+        <a:scrgbClr r="0" g="0" b="0"/>
+      </a:lnRef>
+      <a:fillRef idx="1">
+        <a:scrgbClr r="0" g="0" b="0"/>
+      </a:fillRef>
+      <a:effectRef idx="0">
+        <a:scrgbClr r="0" g="0" b="0"/>
+      </a:effectRef>
+      <a:fontRef idx="minor">
+        <a:schemeClr val="lt1"/>
+      </a:fontRef>
+    </dgm:style>
+  </dgm:styleLbl>
+  <dgm:styleLbl name="parChTrans2D3">
+    <dgm:scene3d>
+      <a:camera prst="orthographicFront"/>
+      <a:lightRig rig="threePt" dir="t"/>
+    </dgm:scene3d>
+    <dgm:sp3d/>
+    <dgm:txPr/>
+    <dgm:style>
+      <a:lnRef idx="2">
+        <a:scrgbClr r="0" g="0" b="0"/>
+      </a:lnRef>
+      <a:fillRef idx="1">
+        <a:scrgbClr r="0" g="0" b="0"/>
+      </a:fillRef>
+      <a:effectRef idx="0">
+        <a:scrgbClr r="0" g="0" b="0"/>
+      </a:effectRef>
+      <a:fontRef idx="minor">
+        <a:schemeClr val="lt1"/>
+      </a:fontRef>
+    </dgm:style>
+  </dgm:styleLbl>
+  <dgm:styleLbl name="parChTrans2D4">
+    <dgm:scene3d>
+      <a:camera prst="orthographicFront"/>
+      <a:lightRig rig="threePt" dir="t"/>
+    </dgm:scene3d>
+    <dgm:sp3d/>
+    <dgm:txPr/>
+    <dgm:style>
+      <a:lnRef idx="2">
+        <a:scrgbClr r="0" g="0" b="0"/>
+      </a:lnRef>
+      <a:fillRef idx="1">
+        <a:scrgbClr r="0" g="0" b="0"/>
+      </a:fillRef>
+      <a:effectRef idx="0">
+        <a:scrgbClr r="0" g="0" b="0"/>
+      </a:effectRef>
+      <a:fontRef idx="minor">
+        <a:schemeClr val="lt1"/>
+      </a:fontRef>
+    </dgm:style>
+  </dgm:styleLbl>
+  <dgm:styleLbl name="parChTrans1D1">
+    <dgm:scene3d>
+      <a:camera prst="orthographicFront"/>
+      <a:lightRig rig="threePt" dir="t"/>
+    </dgm:scene3d>
+    <dgm:sp3d/>
+    <dgm:txPr/>
+    <dgm:style>
+      <a:lnRef idx="2">
+        <a:scrgbClr r="0" g="0" b="0"/>
+      </a:lnRef>
+      <a:fillRef idx="0">
+        <a:scrgbClr r="0" g="0" b="0"/>
+      </a:fillRef>
+      <a:effectRef idx="0">
+        <a:scrgbClr r="0" g="0" b="0"/>
+      </a:effectRef>
+      <a:fontRef idx="minor"/>
+    </dgm:style>
+  </dgm:styleLbl>
+  <dgm:styleLbl name="parChTrans1D2">
+    <dgm:scene3d>
+      <a:camera prst="orthographicFront"/>
+      <a:lightRig rig="threePt" dir="t"/>
+    </dgm:scene3d>
+    <dgm:sp3d/>
+    <dgm:txPr/>
+    <dgm:style>
+      <a:lnRef idx="2">
+        <a:scrgbClr r="0" g="0" b="0"/>
+      </a:lnRef>
+      <a:fillRef idx="0">
+        <a:scrgbClr r="0" g="0" b="0"/>
+      </a:fillRef>
+      <a:effectRef idx="0">
+        <a:scrgbClr r="0" g="0" b="0"/>
+      </a:effectRef>
+      <a:fontRef idx="minor"/>
+    </dgm:style>
+  </dgm:styleLbl>
+  <dgm:styleLbl name="parChTrans1D3">
+    <dgm:scene3d>
+      <a:camera prst="orthographicFront"/>
+      <a:lightRig rig="threePt" dir="t"/>
+    </dgm:scene3d>
+    <dgm:sp3d/>
+    <dgm:txPr/>
+    <dgm:style>
+      <a:lnRef idx="2">
+        <a:scrgbClr r="0" g="0" b="0"/>
+      </a:lnRef>
+      <a:fillRef idx="0">
+        <a:scrgbClr r="0" g="0" b="0"/>
+      </a:fillRef>
+      <a:effectRef idx="0">
+        <a:scrgbClr r="0" g="0" b="0"/>
+      </a:effectRef>
+      <a:fontRef idx="minor"/>
+    </dgm:style>
+  </dgm:styleLbl>
+  <dgm:styleLbl name="parChTrans1D4">
+    <dgm:scene3d>
+      <a:camera prst="orthographicFront"/>
+      <a:lightRig rig="threePt" dir="t"/>
+    </dgm:scene3d>
+    <dgm:sp3d/>
+    <dgm:txPr/>
+    <dgm:style>
+      <a:lnRef idx="2">
+        <a:scrgbClr r="0" g="0" b="0"/>
+      </a:lnRef>
+      <a:fillRef idx="0">
+        <a:scrgbClr r="0" g="0" b="0"/>
+      </a:fillRef>
+      <a:effectRef idx="0">
+        <a:scrgbClr r="0" g="0" b="0"/>
+      </a:effectRef>
+      <a:fontRef idx="minor"/>
+    </dgm:style>
+  </dgm:styleLbl>
+  <dgm:styleLbl name="fgAcc1">
+    <dgm:scene3d>
+      <a:camera prst="orthographicFront"/>
+      <a:lightRig rig="threePt" dir="t"/>
+    </dgm:scene3d>
+    <dgm:sp3d/>
+    <dgm:txPr/>
+    <dgm:style>
+      <a:lnRef idx="2">
+        <a:scrgbClr r="0" g="0" b="0"/>
+      </a:lnRef>
+      <a:fillRef idx="1">
+        <a:scrgbClr r="0" g="0" b="0"/>
+      </a:fillRef>
+      <a:effectRef idx="0">
+        <a:scrgbClr r="0" g="0" b="0"/>
+      </a:effectRef>
+      <a:fontRef idx="minor"/>
+    </dgm:style>
+  </dgm:styleLbl>
+  <dgm:styleLbl name="conFgAcc1">
+    <dgm:scene3d>
+      <a:camera prst="orthographicFront"/>
+      <a:lightRig rig="threePt" dir="t"/>
+    </dgm:scene3d>
+    <dgm:sp3d/>
+    <dgm:txPr/>
+    <dgm:style>
+      <a:lnRef idx="2">
+        <a:scrgbClr r="0" g="0" b="0"/>
+      </a:lnRef>
+      <a:fillRef idx="1">
+        <a:scrgbClr r="0" g="0" b="0"/>
+      </a:fillRef>
+      <a:effectRef idx="0">
+        <a:scrgbClr r="0" g="0" b="0"/>
+      </a:effectRef>
+      <a:fontRef idx="minor"/>
+    </dgm:style>
+  </dgm:styleLbl>
+  <dgm:styleLbl name="alignAcc1">
+    <dgm:scene3d>
+      <a:camera prst="orthographicFront"/>
+      <a:lightRig rig="threePt" dir="t"/>
+    </dgm:scene3d>
+    <dgm:sp3d/>
+    <dgm:txPr/>
+    <dgm:style>
+      <a:lnRef idx="2">
+        <a:scrgbClr r="0" g="0" b="0"/>
+      </a:lnRef>
+      <a:fillRef idx="1">
+        <a:scrgbClr r="0" g="0" b="0"/>
+      </a:fillRef>
+      <a:effectRef idx="0">
+        <a:scrgbClr r="0" g="0" b="0"/>
+      </a:effectRef>
+      <a:fontRef idx="minor"/>
+    </dgm:style>
+  </dgm:styleLbl>
+  <dgm:styleLbl name="trAlignAcc1">
+    <dgm:scene3d>
+      <a:camera prst="orthographicFront"/>
+      <a:lightRig rig="threePt" dir="t"/>
+    </dgm:scene3d>
+    <dgm:sp3d/>
+    <dgm:txPr/>
+    <dgm:style>
+      <a:lnRef idx="1">
+        <a:scrgbClr r="0" g="0" b="0"/>
+      </a:lnRef>
+      <a:fillRef idx="1">
+        <a:scrgbClr r="0" g="0" b="0"/>
+      </a:fillRef>
+      <a:effectRef idx="0">
+        <a:scrgbClr r="0" g="0" b="0"/>
+      </a:effectRef>
+      <a:fontRef idx="minor"/>
+    </dgm:style>
+  </dgm:styleLbl>
+  <dgm:styleLbl name="bgAcc1">
+    <dgm:scene3d>
+      <a:camera prst="orthographicFront"/>
+      <a:lightRig rig="threePt" dir="t"/>
+    </dgm:scene3d>
+    <dgm:sp3d/>
+    <dgm:txPr/>
+    <dgm:style>
+      <a:lnRef idx="2">
+        <a:scrgbClr r="0" g="0" b="0"/>
+      </a:lnRef>
+      <a:fillRef idx="1">
+        <a:scrgbClr r="0" g="0" b="0"/>
+      </a:fillRef>
+      <a:effectRef idx="0">
+        <a:scrgbClr r="0" g="0" b="0"/>
+      </a:effectRef>
+      <a:fontRef idx="minor"/>
+    </dgm:style>
+  </dgm:styleLbl>
+  <dgm:styleLbl name="solidFgAcc1">
+    <dgm:scene3d>
+      <a:camera prst="orthographicFront"/>
+      <a:lightRig rig="threePt" dir="t"/>
+    </dgm:scene3d>
+    <dgm:sp3d/>
+    <dgm:txPr/>
+    <dgm:style>
+      <a:lnRef idx="2">
+        <a:scrgbClr r="0" g="0" b="0"/>
+      </a:lnRef>
+      <a:fillRef idx="1">
+        <a:scrgbClr r="0" g="0" b="0"/>
+      </a:fillRef>
+      <a:effectRef idx="0">
+        <a:scrgbClr r="0" g="0" b="0"/>
+      </a:effectRef>
+      <a:fontRef idx="minor"/>
+    </dgm:style>
+  </dgm:styleLbl>
+  <dgm:styleLbl name="solidAlignAcc1">
+    <dgm:scene3d>
+      <a:camera prst="orthographicFront"/>
+      <a:lightRig rig="threePt" dir="t"/>
+    </dgm:scene3d>
+    <dgm:sp3d/>
+    <dgm:txPr/>
+    <dgm:style>
+      <a:lnRef idx="2">
+        <a:scrgbClr r="0" g="0" b="0"/>
+      </a:lnRef>
+      <a:fillRef idx="1">
+        <a:scrgbClr r="0" g="0" b="0"/>
+      </a:fillRef>
+      <a:effectRef idx="0">
+        <a:scrgbClr r="0" g="0" b="0"/>
+      </a:effectRef>
+      <a:fontRef idx="minor"/>
+    </dgm:style>
+  </dgm:styleLbl>
+  <dgm:styleLbl name="solidBgAcc1">
+    <dgm:scene3d>
+      <a:camera prst="orthographicFront"/>
+      <a:lightRig rig="threePt" dir="t"/>
+    </dgm:scene3d>
+    <dgm:sp3d/>
+    <dgm:txPr/>
+    <dgm:style>
+      <a:lnRef idx="2">
+        <a:scrgbClr r="0" g="0" b="0"/>
+      </a:lnRef>
+      <a:fillRef idx="1">
+        <a:scrgbClr r="0" g="0" b="0"/>
+      </a:fillRef>
+      <a:effectRef idx="0">
+        <a:scrgbClr r="0" g="0" b="0"/>
+      </a:effectRef>
+      <a:fontRef idx="minor"/>
+    </dgm:style>
+  </dgm:styleLbl>
+  <dgm:styleLbl name="fgAccFollowNode1">
+    <dgm:scene3d>
+      <a:camera prst="orthographicFront"/>
+      <a:lightRig rig="threePt" dir="t"/>
+    </dgm:scene3d>
+    <dgm:sp3d/>
+    <dgm:txPr/>
+    <dgm:style>
+      <a:lnRef idx="2">
+        <a:scrgbClr r="0" g="0" b="0"/>
+      </a:lnRef>
+      <a:fillRef idx="1">
+        <a:scrgbClr r="0" g="0" b="0"/>
+      </a:fillRef>
+      <a:effectRef idx="0">
+        <a:scrgbClr r="0" g="0" b="0"/>
+      </a:effectRef>
+      <a:fontRef idx="minor"/>
+    </dgm:style>
+  </dgm:styleLbl>
+  <dgm:styleLbl name="alignAccFollowNode1">
+    <dgm:scene3d>
+      <a:camera prst="orthographicFront"/>
+      <a:lightRig rig="threePt" dir="t"/>
+    </dgm:scene3d>
+    <dgm:sp3d/>
+    <dgm:txPr/>
+    <dgm:style>
+      <a:lnRef idx="2">
+        <a:scrgbClr r="0" g="0" b="0"/>
+      </a:lnRef>
+      <a:fillRef idx="1">
+        <a:scrgbClr r="0" g="0" b="0"/>
+      </a:fillRef>
+      <a:effectRef idx="0">
+        <a:scrgbClr r="0" g="0" b="0"/>
+      </a:effectRef>
+      <a:fontRef idx="minor"/>
+    </dgm:style>
+  </dgm:styleLbl>
+  <dgm:styleLbl name="bgAccFollowNode1">
+    <dgm:scene3d>
+      <a:camera prst="orthographicFront"/>
+      <a:lightRig rig="threePt" dir="t"/>
+    </dgm:scene3d>
+    <dgm:sp3d/>
+    <dgm:txPr/>
+    <dgm:style>
+      <a:lnRef idx="2">
+        <a:scrgbClr r="0" g="0" b="0"/>
+      </a:lnRef>
+      <a:fillRef idx="1">
+        <a:scrgbClr r="0" g="0" b="0"/>
+      </a:fillRef>
+      <a:effectRef idx="0">
+        <a:scrgbClr r="0" g="0" b="0"/>
+      </a:effectRef>
+      <a:fontRef idx="minor"/>
+    </dgm:style>
+  </dgm:styleLbl>
+  <dgm:styleLbl name="fgAcc0">
+    <dgm:scene3d>
+      <a:camera prst="orthographicFront"/>
+      <a:lightRig rig="threePt" dir="t"/>
+    </dgm:scene3d>
+    <dgm:sp3d/>
+    <dgm:txPr/>
+    <dgm:style>
+      <a:lnRef idx="2">
+        <a:scrgbClr r="0" g="0" b="0"/>
+      </a:lnRef>
+      <a:fillRef idx="1">
+        <a:scrgbClr r="0" g="0" b="0"/>
+      </a:fillRef>
+      <a:effectRef idx="0">
+        <a:scrgbClr r="0" g="0" b="0"/>
+      </a:effectRef>
+      <a:fontRef idx="minor"/>
+    </dgm:style>
+  </dgm:styleLbl>
+  <dgm:styleLbl name="fgAcc2">
+    <dgm:scene3d>
+      <a:camera prst="orthographicFront"/>
+      <a:lightRig rig="threePt" dir="t"/>
+    </dgm:scene3d>
+    <dgm:sp3d/>
+    <dgm:txPr/>
+    <dgm:style>
+      <a:lnRef idx="2">
+        <a:scrgbClr r="0" g="0" b="0"/>
+      </a:lnRef>
+      <a:fillRef idx="1">
+        <a:scrgbClr r="0" g="0" b="0"/>
+      </a:fillRef>
+      <a:effectRef idx="0">
+        <a:scrgbClr r="0" g="0" b="0"/>
+      </a:effectRef>
+      <a:fontRef idx="minor"/>
+    </dgm:style>
+  </dgm:styleLbl>
+  <dgm:styleLbl name="fgAcc3">
+    <dgm:scene3d>
+      <a:camera prst="orthographicFront"/>
+      <a:lightRig rig="threePt" dir="t"/>
+    </dgm:scene3d>
+    <dgm:sp3d/>
+    <dgm:txPr/>
+    <dgm:style>
+      <a:lnRef idx="2">
+        <a:scrgbClr r="0" g="0" b="0"/>
+      </a:lnRef>
+      <a:fillRef idx="1">
+        <a:scrgbClr r="0" g="0" b="0"/>
+      </a:fillRef>
+      <a:effectRef idx="0">
+        <a:scrgbClr r="0" g="0" b="0"/>
+      </a:effectRef>
+      <a:fontRef idx="minor"/>
+    </dgm:style>
+  </dgm:styleLbl>
+  <dgm:styleLbl name="fgAcc4">
+    <dgm:scene3d>
+      <a:camera prst="orthographicFront"/>
+      <a:lightRig rig="threePt" dir="t"/>
+    </dgm:scene3d>
+    <dgm:sp3d/>
+    <dgm:txPr/>
+    <dgm:style>
+      <a:lnRef idx="2">
+        <a:scrgbClr r="0" g="0" b="0"/>
+      </a:lnRef>
+      <a:fillRef idx="1">
+        <a:scrgbClr r="0" g="0" b="0"/>
+      </a:fillRef>
+      <a:effectRef idx="0">
+        <a:scrgbClr r="0" g="0" b="0"/>
+      </a:effectRef>
+      <a:fontRef idx="minor"/>
+    </dgm:style>
+  </dgm:styleLbl>
+  <dgm:styleLbl name="bgShp">
+    <dgm:scene3d>
+      <a:camera prst="orthographicFront"/>
+      <a:lightRig rig="threePt" dir="t"/>
+    </dgm:scene3d>
+    <dgm:sp3d/>
+    <dgm:txPr/>
+    <dgm:style>
+      <a:lnRef idx="0">
+        <a:scrgbClr r="0" g="0" b="0"/>
+      </a:lnRef>
+      <a:fillRef idx="1">
+        <a:scrgbClr r="0" g="0" b="0"/>
+      </a:fillRef>
+      <a:effectRef idx="0">
+        <a:scrgbClr r="0" g="0" b="0"/>
+      </a:effectRef>
+      <a:fontRef idx="minor"/>
+    </dgm:style>
+  </dgm:styleLbl>
+  <dgm:styleLbl name="dkBgShp">
+    <dgm:scene3d>
+      <a:camera prst="orthographicFront"/>
+      <a:lightRig rig="threePt" dir="t"/>
+    </dgm:scene3d>
+    <dgm:sp3d/>
+    <dgm:txPr/>
+    <dgm:style>
+      <a:lnRef idx="0">
+        <a:scrgbClr r="0" g="0" b="0"/>
+      </a:lnRef>
+      <a:fillRef idx="1">
+        <a:scrgbClr r="0" g="0" b="0"/>
+      </a:fillRef>
+      <a:effectRef idx="0">
+        <a:scrgbClr r="0" g="0" b="0"/>
+      </a:effectRef>
+      <a:fontRef idx="minor"/>
+    </dgm:style>
+  </dgm:styleLbl>
+  <dgm:styleLbl name="trBgShp">
+    <dgm:scene3d>
+      <a:camera prst="orthographicFront"/>
+      <a:lightRig rig="threePt" dir="t"/>
+    </dgm:scene3d>
+    <dgm:sp3d/>
+    <dgm:txPr/>
+    <dgm:style>
+      <a:lnRef idx="0">
+        <a:scrgbClr r="0" g="0" b="0"/>
+      </a:lnRef>
+      <a:fillRef idx="1">
+        <a:scrgbClr r="0" g="0" b="0"/>
+      </a:fillRef>
+      <a:effectRef idx="0">
+        <a:scrgbClr r="0" g="0" b="0"/>
+      </a:effectRef>
+      <a:fontRef idx="minor"/>
+    </dgm:style>
+  </dgm:styleLbl>
+  <dgm:styleLbl name="fgShp">
+    <dgm:scene3d>
+      <a:camera prst="orthographicFront"/>
+      <a:lightRig rig="threePt" dir="t"/>
+    </dgm:scene3d>
+    <dgm:sp3d/>
+    <dgm:txPr/>
+    <dgm:style>
+      <a:lnRef idx="2">
+        <a:scrgbClr r="0" g="0" b="0"/>
+      </a:lnRef>
+      <a:fillRef idx="1">
+        <a:scrgbClr r="0" g="0" b="0"/>
+      </a:fillRef>
+      <a:effectRef idx="0">
+        <a:scrgbClr r="0" g="0" b="0"/>
+      </a:effectRef>
+      <a:fontRef idx="minor"/>
+    </dgm:style>
+  </dgm:styleLbl>
+  <dgm:styleLbl name="revTx">
+    <dgm:scene3d>
+      <a:camera prst="orthographicFront"/>
+      <a:lightRig rig="threePt" dir="t"/>
+    </dgm:scene3d>
+    <dgm:sp3d/>
+    <dgm:txPr/>
+    <dgm:style>
+      <a:lnRef idx="0">
+        <a:scrgbClr r="0" g="0" b="0"/>
+      </a:lnRef>
+      <a:fillRef idx="0">
+        <a:scrgbClr r="0" g="0" b="0"/>
+      </a:fillRef>
+      <a:effectRef idx="0">
+        <a:scrgbClr r="0" g="0" b="0"/>
+      </a:effectRef>
+      <a:fontRef idx="minor"/>
+    </dgm:style>
+  </dgm:styleLbl>
+</dgm:styleDef>
 </file>
 
 <file path=ppt/notesMasters/notesMaster1.xml><?xml version="1.0" encoding="utf-8"?>
@@ -7156,6 +9830,416 @@
           <p:cNvPr id="2" name="Title 1">
             <a:extLst>
               <a:ext uri="{FF2B5EF4-FFF2-40B4-BE49-F238E27FC236}">
+                <a16:creationId xmlns:a16="http://schemas.microsoft.com/office/drawing/2014/main" id="{7D243EBD-34FF-451A-9B9D-C08C54EFD7D6}"/>
+              </a:ext>
+            </a:extLst>
+          </p:cNvPr>
+          <p:cNvSpPr>
+            <a:spLocks noGrp="1"/>
+          </p:cNvSpPr>
+          <p:nvPr>
+            <p:ph type="title"/>
+          </p:nvPr>
+        </p:nvSpPr>
+        <p:spPr/>
+        <p:txBody>
+          <a:bodyPr/>
+          <a:lstStyle/>
+          <a:p>
+            <a:r>
+              <a:rPr lang="en-US" dirty="0"/>
+              <a:t>Model with Two Features</a:t>
+            </a:r>
+          </a:p>
+        </p:txBody>
+      </p:sp>
+      <mc:AlternateContent xmlns:mc="http://schemas.openxmlformats.org/markup-compatibility/2006" xmlns:a14="http://schemas.microsoft.com/office/drawing/2010/main">
+        <mc:Choice Requires="a14">
+          <p:sp>
+            <p:nvSpPr>
+              <p:cNvPr id="5" name="Text Placeholder 5">
+                <a:extLst>
+                  <a:ext uri="{FF2B5EF4-FFF2-40B4-BE49-F238E27FC236}">
+                    <a16:creationId xmlns:a16="http://schemas.microsoft.com/office/drawing/2014/main" id="{2ECBFABF-3FB0-41C6-9F88-C60414CDB0CE}"/>
+                  </a:ext>
+                </a:extLst>
+              </p:cNvPr>
+              <p:cNvSpPr>
+                <a:spLocks noGrp="1"/>
+              </p:cNvSpPr>
+              <p:nvPr>
+                <p:ph type="body" idx="1"/>
+              </p:nvPr>
+            </p:nvSpPr>
+            <p:spPr>
+              <a:xfrm>
+                <a:off x="615950" y="2571750"/>
+                <a:ext cx="7340600" cy="1187450"/>
+              </a:xfrm>
+            </p:spPr>
+            <p:txBody>
+              <a:bodyPr/>
+              <a:lstStyle/>
+              <a:p>
+                <a:pPr marL="146050" indent="0">
+                  <a:buNone/>
+                </a:pPr>
+                <a14:m>
+                  <m:oMathPara xmlns:m="http://schemas.openxmlformats.org/officeDocument/2006/math">
+                    <m:oMathParaPr>
+                      <m:jc m:val="centerGroup"/>
+                    </m:oMathParaPr>
+                    <m:oMath xmlns:m="http://schemas.openxmlformats.org/officeDocument/2006/math">
+                      <m:r>
+                        <a:rPr lang="en-US" sz="4800" i="1" smtClean="0">
+                          <a:latin typeface="Cambria Math" panose="02040503050406030204" pitchFamily="18" charset="0"/>
+                        </a:rPr>
+                        <m:t>𝑦</m:t>
+                      </m:r>
+                      <m:r>
+                        <a:rPr lang="en-US" sz="4800" i="1" smtClean="0">
+                          <a:latin typeface="Cambria Math" panose="02040503050406030204" pitchFamily="18" charset="0"/>
+                        </a:rPr>
+                        <m:t>=</m:t>
+                      </m:r>
+                      <m:sSub>
+                        <m:sSubPr>
+                          <m:ctrlPr>
+                            <a:rPr lang="en-US" sz="4800" i="1" smtClean="0">
+                              <a:latin typeface="Cambria Math" panose="02040503050406030204" pitchFamily="18" charset="0"/>
+                            </a:rPr>
+                          </m:ctrlPr>
+                        </m:sSubPr>
+                        <m:e>
+                          <m:r>
+                            <a:rPr lang="en-US" sz="4800" b="0" i="1" smtClean="0">
+                              <a:latin typeface="Cambria Math" panose="02040503050406030204" pitchFamily="18" charset="0"/>
+                            </a:rPr>
+                            <m:t>𝑤</m:t>
+                          </m:r>
+                        </m:e>
+                        <m:sub>
+                          <m:r>
+                            <a:rPr lang="en-US" sz="4800" b="0" i="1" smtClean="0">
+                              <a:latin typeface="Cambria Math" panose="02040503050406030204" pitchFamily="18" charset="0"/>
+                            </a:rPr>
+                            <m:t>1</m:t>
+                          </m:r>
+                        </m:sub>
+                      </m:sSub>
+                      <m:sSub>
+                        <m:sSubPr>
+                          <m:ctrlPr>
+                            <a:rPr lang="en-US" sz="4800" i="1">
+                              <a:latin typeface="Cambria Math" panose="02040503050406030204" pitchFamily="18" charset="0"/>
+                            </a:rPr>
+                          </m:ctrlPr>
+                        </m:sSubPr>
+                        <m:e>
+                          <m:r>
+                            <a:rPr lang="en-US" sz="4800" b="0" i="1" smtClean="0">
+                              <a:latin typeface="Cambria Math" panose="02040503050406030204" pitchFamily="18" charset="0"/>
+                            </a:rPr>
+                            <m:t>𝑥</m:t>
+                          </m:r>
+                        </m:e>
+                        <m:sub>
+                          <m:r>
+                            <a:rPr lang="en-US" sz="4800" i="1">
+                              <a:latin typeface="Cambria Math" panose="02040503050406030204" pitchFamily="18" charset="0"/>
+                            </a:rPr>
+                            <m:t>1</m:t>
+                          </m:r>
+                        </m:sub>
+                      </m:sSub>
+                      <m:r>
+                        <a:rPr lang="en-US" sz="4800" b="0" i="1" smtClean="0">
+                          <a:latin typeface="Cambria Math" panose="02040503050406030204" pitchFamily="18" charset="0"/>
+                        </a:rPr>
+                        <m:t>+</m:t>
+                      </m:r>
+                      <m:sSub>
+                        <m:sSubPr>
+                          <m:ctrlPr>
+                            <a:rPr lang="en-US" sz="4800" i="1">
+                              <a:latin typeface="Cambria Math" panose="02040503050406030204" pitchFamily="18" charset="0"/>
+                            </a:rPr>
+                          </m:ctrlPr>
+                        </m:sSubPr>
+                        <m:e>
+                          <m:r>
+                            <a:rPr lang="en-US" sz="4800" i="1">
+                              <a:latin typeface="Cambria Math" panose="02040503050406030204" pitchFamily="18" charset="0"/>
+                            </a:rPr>
+                            <m:t>𝑤</m:t>
+                          </m:r>
+                        </m:e>
+                        <m:sub>
+                          <m:r>
+                            <a:rPr lang="en-US" sz="4800" b="0" i="1" smtClean="0">
+                              <a:latin typeface="Cambria Math" panose="02040503050406030204" pitchFamily="18" charset="0"/>
+                            </a:rPr>
+                            <m:t>2</m:t>
+                          </m:r>
+                        </m:sub>
+                      </m:sSub>
+                      <m:sSub>
+                        <m:sSubPr>
+                          <m:ctrlPr>
+                            <a:rPr lang="en-US" sz="4800" i="1">
+                              <a:latin typeface="Cambria Math" panose="02040503050406030204" pitchFamily="18" charset="0"/>
+                            </a:rPr>
+                          </m:ctrlPr>
+                        </m:sSubPr>
+                        <m:e>
+                          <m:r>
+                            <a:rPr lang="en-US" sz="4800" b="0" i="1" smtClean="0">
+                              <a:latin typeface="Cambria Math" panose="02040503050406030204" pitchFamily="18" charset="0"/>
+                            </a:rPr>
+                            <m:t>𝑥</m:t>
+                          </m:r>
+                        </m:e>
+                        <m:sub>
+                          <m:r>
+                            <a:rPr lang="en-US" sz="4800" b="0" i="1" smtClean="0">
+                              <a:latin typeface="Cambria Math" panose="02040503050406030204" pitchFamily="18" charset="0"/>
+                            </a:rPr>
+                            <m:t>2</m:t>
+                          </m:r>
+                        </m:sub>
+                      </m:sSub>
+                      <m:r>
+                        <a:rPr lang="en-US" sz="4800" i="1">
+                          <a:latin typeface="Cambria Math" panose="02040503050406030204" pitchFamily="18" charset="0"/>
+                        </a:rPr>
+                        <m:t>+</m:t>
+                      </m:r>
+                      <m:r>
+                        <a:rPr lang="en-US" sz="4800" i="1">
+                          <a:latin typeface="Cambria Math" panose="02040503050406030204" pitchFamily="18" charset="0"/>
+                        </a:rPr>
+                        <m:t>𝑏</m:t>
+                      </m:r>
+                    </m:oMath>
+                  </m:oMathPara>
+                </a14:m>
+                <a:endParaRPr lang="en-US" sz="4800" dirty="0"/>
+              </a:p>
+            </p:txBody>
+          </p:sp>
+        </mc:Choice>
+        <mc:Fallback xmlns="">
+          <p:sp>
+            <p:nvSpPr>
+              <p:cNvPr id="5" name="Text Placeholder 5">
+                <a:extLst>
+                  <a:ext uri="{FF2B5EF4-FFF2-40B4-BE49-F238E27FC236}">
+                    <a16:creationId xmlns:a16="http://schemas.microsoft.com/office/drawing/2014/main" id="{2ECBFABF-3FB0-41C6-9F88-C60414CDB0CE}"/>
+                  </a:ext>
+                </a:extLst>
+              </p:cNvPr>
+              <p:cNvSpPr>
+                <a:spLocks noGrp="1" noRot="1" noChangeAspect="1" noMove="1" noResize="1" noEditPoints="1" noAdjustHandles="1" noChangeArrowheads="1" noChangeShapeType="1" noTextEdit="1"/>
+              </p:cNvSpPr>
+              <p:nvPr>
+                <p:ph type="body" idx="1"/>
+              </p:nvPr>
+            </p:nvSpPr>
+            <p:spPr>
+              <a:xfrm>
+                <a:off x="615950" y="2571750"/>
+                <a:ext cx="7340600" cy="1187450"/>
+              </a:xfrm>
+              <a:blipFill>
+                <a:blip r:embed="rId2"/>
+                <a:stretch>
+                  <a:fillRect/>
+                </a:stretch>
+              </a:blipFill>
+            </p:spPr>
+            <p:txBody>
+              <a:bodyPr/>
+              <a:lstStyle/>
+              <a:p>
+                <a:r>
+                  <a:rPr lang="en-US">
+                    <a:noFill/>
+                  </a:rPr>
+                  <a:t> </a:t>
+                </a:r>
+              </a:p>
+            </p:txBody>
+          </p:sp>
+        </mc:Fallback>
+      </mc:AlternateContent>
+      <p:sp>
+        <p:nvSpPr>
+          <p:cNvPr id="6" name="Callout: Bent Line 5">
+            <a:extLst>
+              <a:ext uri="{FF2B5EF4-FFF2-40B4-BE49-F238E27FC236}">
+                <a16:creationId xmlns:a16="http://schemas.microsoft.com/office/drawing/2014/main" id="{8FA98820-994C-42E3-BCF3-AE1A58C63EDB}"/>
+              </a:ext>
+            </a:extLst>
+          </p:cNvPr>
+          <p:cNvSpPr/>
+          <p:nvPr/>
+        </p:nvSpPr>
+        <p:spPr>
+          <a:xfrm>
+            <a:off x="6612002" y="4209500"/>
+            <a:ext cx="1757298" cy="535199"/>
+          </a:xfrm>
+          <a:prstGeom prst="borderCallout2">
+            <a:avLst>
+              <a:gd name="adj1" fmla="val 18750"/>
+              <a:gd name="adj2" fmla="val -8333"/>
+              <a:gd name="adj3" fmla="val 18750"/>
+              <a:gd name="adj4" fmla="val -16667"/>
+              <a:gd name="adj5" fmla="val -116611"/>
+              <a:gd name="adj6" fmla="val -62447"/>
+            </a:avLst>
+          </a:prstGeom>
+        </p:spPr>
+        <p:style>
+          <a:lnRef idx="2">
+            <a:schemeClr val="accent3"/>
+          </a:lnRef>
+          <a:fillRef idx="1">
+            <a:schemeClr val="lt1"/>
+          </a:fillRef>
+          <a:effectRef idx="0">
+            <a:schemeClr val="accent3"/>
+          </a:effectRef>
+          <a:fontRef idx="minor">
+            <a:schemeClr val="dk1"/>
+          </a:fontRef>
+        </p:style>
+        <p:txBody>
+          <a:bodyPr rtlCol="0" anchor="ctr"/>
+          <a:lstStyle/>
+          <a:p>
+            <a:pPr algn="ctr"/>
+            <a:r>
+              <a:rPr lang="en-US" sz="1600" dirty="0">
+                <a:solidFill>
+                  <a:schemeClr val="bg2">
+                    <a:lumMod val="75000"/>
+                    <a:lumOff val="25000"/>
+                  </a:schemeClr>
+                </a:solidFill>
+                <a:latin typeface="Lato" panose="020B0604020202020204" charset="0"/>
+              </a:rPr>
+              <a:t>Second Feature</a:t>
+            </a:r>
+            <a:endParaRPr lang="en-US" dirty="0">
+              <a:solidFill>
+                <a:schemeClr val="bg2">
+                  <a:lumMod val="75000"/>
+                  <a:lumOff val="25000"/>
+                </a:schemeClr>
+              </a:solidFill>
+              <a:latin typeface="Lato" panose="020B0604020202020204" charset="0"/>
+            </a:endParaRPr>
+          </a:p>
+        </p:txBody>
+      </p:sp>
+      <p:sp>
+        <p:nvSpPr>
+          <p:cNvPr id="7" name="Callout: Bent Line 6">
+            <a:extLst>
+              <a:ext uri="{FF2B5EF4-FFF2-40B4-BE49-F238E27FC236}">
+                <a16:creationId xmlns:a16="http://schemas.microsoft.com/office/drawing/2014/main" id="{C823D5CD-4A5D-4A4B-B7BD-8E173A368F57}"/>
+              </a:ext>
+            </a:extLst>
+          </p:cNvPr>
+          <p:cNvSpPr/>
+          <p:nvPr/>
+        </p:nvSpPr>
+        <p:spPr>
+          <a:xfrm flipH="1">
+            <a:off x="977900" y="4209499"/>
+            <a:ext cx="1466850" cy="535199"/>
+          </a:xfrm>
+          <a:prstGeom prst="borderCallout2">
+            <a:avLst>
+              <a:gd name="adj1" fmla="val 18750"/>
+              <a:gd name="adj2" fmla="val -8333"/>
+              <a:gd name="adj3" fmla="val 18750"/>
+              <a:gd name="adj4" fmla="val -16667"/>
+              <a:gd name="adj5" fmla="val -116611"/>
+              <a:gd name="adj6" fmla="val -62447"/>
+            </a:avLst>
+          </a:prstGeom>
+        </p:spPr>
+        <p:style>
+          <a:lnRef idx="2">
+            <a:schemeClr val="accent3"/>
+          </a:lnRef>
+          <a:fillRef idx="1">
+            <a:schemeClr val="lt1"/>
+          </a:fillRef>
+          <a:effectRef idx="0">
+            <a:schemeClr val="accent3"/>
+          </a:effectRef>
+          <a:fontRef idx="minor">
+            <a:schemeClr val="dk1"/>
+          </a:fontRef>
+        </p:style>
+        <p:txBody>
+          <a:bodyPr rtlCol="0" anchor="ctr"/>
+          <a:lstStyle/>
+          <a:p>
+            <a:pPr algn="ctr"/>
+            <a:r>
+              <a:rPr lang="en-US" dirty="0">
+                <a:solidFill>
+                  <a:schemeClr val="bg2">
+                    <a:lumMod val="75000"/>
+                    <a:lumOff val="25000"/>
+                  </a:schemeClr>
+                </a:solidFill>
+                <a:latin typeface="Lato" panose="020B0604020202020204" charset="0"/>
+              </a:rPr>
+              <a:t>First Feature</a:t>
+            </a:r>
+          </a:p>
+        </p:txBody>
+      </p:sp>
+    </p:spTree>
+    <p:extLst>
+      <p:ext uri="{BB962C8B-B14F-4D97-AF65-F5344CB8AC3E}">
+        <p14:creationId xmlns:p14="http://schemas.microsoft.com/office/powerpoint/2010/main" val="828023512"/>
+      </p:ext>
+    </p:extLst>
+  </p:cSld>
+  <p:clrMapOvr>
+    <a:masterClrMapping/>
+  </p:clrMapOvr>
+</p:sld>
+</file>
+
+<file path=ppt/slides/slide11.xml><?xml version="1.0" encoding="utf-8"?>
+<p:sld xmlns:a="http://schemas.openxmlformats.org/drawingml/2006/main" xmlns:r="http://schemas.openxmlformats.org/officeDocument/2006/relationships" xmlns:p="http://schemas.openxmlformats.org/presentationml/2006/main">
+  <p:cSld>
+    <p:spTree>
+      <p:nvGrpSpPr>
+        <p:cNvPr id="1" name=""/>
+        <p:cNvGrpSpPr/>
+        <p:nvPr/>
+      </p:nvGrpSpPr>
+      <p:grpSpPr>
+        <a:xfrm>
+          <a:off x="0" y="0"/>
+          <a:ext cx="0" cy="0"/>
+          <a:chOff x="0" y="0"/>
+          <a:chExt cx="0" cy="0"/>
+        </a:xfrm>
+      </p:grpSpPr>
+      <p:sp>
+        <p:nvSpPr>
+          <p:cNvPr id="2" name="Title 1">
+            <a:extLst>
+              <a:ext uri="{FF2B5EF4-FFF2-40B4-BE49-F238E27FC236}">
                 <a16:creationId xmlns:a16="http://schemas.microsoft.com/office/drawing/2014/main" id="{FD51DB94-B7B9-4719-803A-E21907AE170A}"/>
               </a:ext>
             </a:extLst>
@@ -7179,8 +10263,8 @@
           </a:p>
         </p:txBody>
       </p:sp>
-      <mc:AlternateContent xmlns:mc="http://schemas.openxmlformats.org/markup-compatibility/2006">
-        <mc:Choice xmlns:a14="http://schemas.microsoft.com/office/drawing/2010/main" Requires="a14">
+      <mc:AlternateContent xmlns:mc="http://schemas.openxmlformats.org/markup-compatibility/2006" xmlns:a14="http://schemas.microsoft.com/office/drawing/2010/main">
+        <mc:Choice Requires="a14">
           <p:sp>
             <p:nvSpPr>
               <p:cNvPr id="5" name="Text Placeholder 5">
@@ -7199,8 +10283,8 @@
             </p:nvSpPr>
             <p:spPr>
               <a:xfrm>
-                <a:off x="729325" y="2078875"/>
-                <a:ext cx="3774300" cy="835775"/>
+                <a:off x="583987" y="2078875"/>
+                <a:ext cx="3919638" cy="835775"/>
               </a:xfrm>
             </p:spPr>
             <p:txBody>
@@ -7266,7 +10350,7 @@
             </p:txBody>
           </p:sp>
         </mc:Choice>
-        <mc:Fallback>
+        <mc:Fallback xmlns="">
           <p:sp>
             <p:nvSpPr>
               <p:cNvPr id="5" name="Text Placeholder 5">
@@ -7285,8 +10369,8 @@
             </p:nvSpPr>
             <p:spPr>
               <a:xfrm>
-                <a:off x="729325" y="2078875"/>
-                <a:ext cx="3774300" cy="835775"/>
+                <a:off x="583987" y="2078875"/>
+                <a:ext cx="3919638" cy="835775"/>
               </a:xfrm>
               <a:blipFill>
                 <a:blip r:embed="rId2"/>
@@ -7310,8 +10394,8 @@
           </p:sp>
         </mc:Fallback>
       </mc:AlternateContent>
-      <mc:AlternateContent xmlns:mc="http://schemas.openxmlformats.org/markup-compatibility/2006">
-        <mc:Choice xmlns:a14="http://schemas.microsoft.com/office/drawing/2010/main" Requires="a14">
+      <mc:AlternateContent xmlns:mc="http://schemas.openxmlformats.org/markup-compatibility/2006" xmlns:a14="http://schemas.microsoft.com/office/drawing/2010/main">
+        <mc:Choice Requires="a14">
           <p:sp>
             <p:nvSpPr>
               <p:cNvPr id="7" name="Text Placeholder 5">
@@ -7328,8 +10412,8 @@
             </p:nvSpPr>
             <p:spPr>
               <a:xfrm>
-                <a:off x="4643604" y="2078874"/>
-                <a:ext cx="3774300" cy="835775"/>
+                <a:off x="4498266" y="2078874"/>
+                <a:ext cx="3919638" cy="835775"/>
               </a:xfrm>
               <a:prstGeom prst="rect">
                 <a:avLst/>
@@ -7655,7 +10739,7 @@
             </p:txBody>
           </p:sp>
         </mc:Choice>
-        <mc:Fallback>
+        <mc:Fallback xmlns="">
           <p:sp>
             <p:nvSpPr>
               <p:cNvPr id="7" name="Text Placeholder 5">
@@ -7672,8 +10756,8 @@
             </p:nvSpPr>
             <p:spPr>
               <a:xfrm>
-                <a:off x="4643604" y="2078874"/>
-                <a:ext cx="3774300" cy="835775"/>
+                <a:off x="4498266" y="2078874"/>
+                <a:ext cx="3919638" cy="835775"/>
               </a:xfrm>
               <a:prstGeom prst="rect">
                 <a:avLst/>
@@ -7717,7 +10801,7 @@
         </p:nvSpPr>
         <p:spPr>
           <a:xfrm>
-            <a:off x="1682750" y="3955499"/>
+            <a:off x="1567489" y="3955497"/>
             <a:ext cx="1365250" cy="535199"/>
           </a:xfrm>
           <a:prstGeom prst="borderCallout2">
@@ -7779,7 +10863,7 @@
         </p:nvSpPr>
         <p:spPr>
           <a:xfrm>
-            <a:off x="5683250" y="3955498"/>
+            <a:off x="5537253" y="3955497"/>
             <a:ext cx="1562100" cy="535199"/>
           </a:xfrm>
           <a:prstGeom prst="borderCallout2">
@@ -7840,7 +10924,7 @@
 </p:sld>
 </file>
 
-<file path=ppt/slides/slide11.xml><?xml version="1.0" encoding="utf-8"?>
+<file path=ppt/slides/slide12.xml><?xml version="1.0" encoding="utf-8"?>
 <p:sld xmlns:a="http://schemas.openxmlformats.org/drawingml/2006/main" xmlns:r="http://schemas.openxmlformats.org/officeDocument/2006/relationships" xmlns:p="http://schemas.openxmlformats.org/presentationml/2006/main">
   <p:cSld>
     <p:spTree>
@@ -7889,8 +10973,8 @@
           </a:p>
         </p:txBody>
       </p:sp>
-      <mc:AlternateContent xmlns:mc="http://schemas.openxmlformats.org/markup-compatibility/2006">
-        <mc:Choice xmlns:a14="http://schemas.microsoft.com/office/drawing/2010/main" Requires="a14">
+      <mc:AlternateContent xmlns:mc="http://schemas.openxmlformats.org/markup-compatibility/2006" xmlns:a14="http://schemas.microsoft.com/office/drawing/2010/main">
+        <mc:Choice Requires="a14">
           <p:sp>
             <p:nvSpPr>
               <p:cNvPr id="6" name="Subtitle 5">
@@ -7912,6 +10996,7 @@
               <a:bodyPr/>
               <a:lstStyle/>
               <a:p>
+                <a:pPr/>
                 <a14:m>
                   <m:oMathPara xmlns:m="http://schemas.openxmlformats.org/officeDocument/2006/math">
                     <m:oMathParaPr>
@@ -8024,7 +11109,7 @@
             </p:txBody>
           </p:sp>
         </mc:Choice>
-        <mc:Fallback>
+        <mc:Fallback xmlns="">
           <p:sp>
             <p:nvSpPr>
               <p:cNvPr id="6" name="Subtitle 5">
@@ -8148,7 +11233,7 @@
 </p:sld>
 </file>
 
-<file path=ppt/slides/slide12.xml><?xml version="1.0" encoding="utf-8"?>
+<file path=ppt/slides/slide13.xml><?xml version="1.0" encoding="utf-8"?>
 <p:sld xmlns:a="http://schemas.openxmlformats.org/drawingml/2006/main" xmlns:r="http://schemas.openxmlformats.org/officeDocument/2006/relationships" xmlns:p="http://schemas.openxmlformats.org/presentationml/2006/main">
   <p:cSld>
     <p:spTree>
@@ -8201,8 +11286,8 @@
           </a:p>
         </p:txBody>
       </p:sp>
-      <mc:AlternateContent xmlns:mc="http://schemas.openxmlformats.org/markup-compatibility/2006">
-        <mc:Choice xmlns:a14="http://schemas.microsoft.com/office/drawing/2010/main" Requires="a14">
+      <mc:AlternateContent xmlns:mc="http://schemas.openxmlformats.org/markup-compatibility/2006" xmlns:a14="http://schemas.microsoft.com/office/drawing/2010/main">
+        <mc:Choice Requires="a14">
           <p:sp>
             <p:nvSpPr>
               <p:cNvPr id="6" name="Text Placeholder 5">
@@ -8427,7 +11512,7 @@
             </p:txBody>
           </p:sp>
         </mc:Choice>
-        <mc:Fallback>
+        <mc:Fallback xmlns="">
           <p:sp>
             <p:nvSpPr>
               <p:cNvPr id="6" name="Text Placeholder 5">
@@ -8484,7 +11569,7 @@
 </p:sld>
 </file>
 
-<file path=ppt/slides/slide13.xml><?xml version="1.0" encoding="utf-8"?>
+<file path=ppt/slides/slide14.xml><?xml version="1.0" encoding="utf-8"?>
 <p:sld xmlns:a="http://schemas.openxmlformats.org/drawingml/2006/main" xmlns:r="http://schemas.openxmlformats.org/officeDocument/2006/relationships" xmlns:p="http://schemas.openxmlformats.org/presentationml/2006/main">
   <p:cSld>
     <p:spTree>
@@ -8710,7 +11795,705 @@
 </p:sld>
 </file>
 
-<file path=ppt/slides/slide14.xml><?xml version="1.0" encoding="utf-8"?>
+<file path=ppt/slides/slide15.xml><?xml version="1.0" encoding="utf-8"?>
+<p:sld xmlns:a="http://schemas.openxmlformats.org/drawingml/2006/main" xmlns:r="http://schemas.openxmlformats.org/officeDocument/2006/relationships" xmlns:p="http://schemas.openxmlformats.org/presentationml/2006/main">
+  <p:cSld>
+    <p:spTree>
+      <p:nvGrpSpPr>
+        <p:cNvPr id="1" name=""/>
+        <p:cNvGrpSpPr/>
+        <p:nvPr/>
+      </p:nvGrpSpPr>
+      <p:grpSpPr>
+        <a:xfrm>
+          <a:off x="0" y="0"/>
+          <a:ext cx="0" cy="0"/>
+          <a:chOff x="0" y="0"/>
+          <a:chExt cx="0" cy="0"/>
+        </a:xfrm>
+      </p:grpSpPr>
+      <p:sp>
+        <p:nvSpPr>
+          <p:cNvPr id="14" name="Title 13">
+            <a:extLst>
+              <a:ext uri="{FF2B5EF4-FFF2-40B4-BE49-F238E27FC236}">
+                <a16:creationId xmlns:a16="http://schemas.microsoft.com/office/drawing/2014/main" id="{F75AEBCE-999A-475B-9B27-69C66DFABC40}"/>
+              </a:ext>
+            </a:extLst>
+          </p:cNvPr>
+          <p:cNvSpPr>
+            <a:spLocks noGrp="1"/>
+          </p:cNvSpPr>
+          <p:nvPr>
+            <p:ph type="title"/>
+          </p:nvPr>
+        </p:nvSpPr>
+        <p:spPr>
+          <a:xfrm>
+            <a:off x="730000" y="1318650"/>
+            <a:ext cx="4366540" cy="1381500"/>
+          </a:xfrm>
+        </p:spPr>
+        <p:txBody>
+          <a:bodyPr/>
+          <a:lstStyle/>
+          <a:p>
+            <a:r>
+              <a:rPr lang="en-US" dirty="0"/>
+              <a:t>The Goal</a:t>
+            </a:r>
+          </a:p>
+        </p:txBody>
+      </p:sp>
+      <p:sp>
+        <p:nvSpPr>
+          <p:cNvPr id="17" name="Text Placeholder 4">
+            <a:extLst>
+              <a:ext uri="{FF2B5EF4-FFF2-40B4-BE49-F238E27FC236}">
+                <a16:creationId xmlns:a16="http://schemas.microsoft.com/office/drawing/2014/main" id="{A78D9AB2-288D-4353-A2B5-4B62B597227C}"/>
+              </a:ext>
+            </a:extLst>
+          </p:cNvPr>
+          <p:cNvSpPr>
+            <a:spLocks noGrp="1"/>
+          </p:cNvSpPr>
+          <p:nvPr>
+            <p:ph type="body" idx="1"/>
+          </p:nvPr>
+        </p:nvSpPr>
+        <p:spPr>
+          <a:xfrm>
+            <a:off x="1178312" y="4251145"/>
+            <a:ext cx="1595628" cy="405379"/>
+          </a:xfrm>
+        </p:spPr>
+        <p:txBody>
+          <a:bodyPr/>
+          <a:lstStyle/>
+          <a:p>
+            <a:pPr marL="146050" indent="0">
+              <a:buNone/>
+            </a:pPr>
+            <a:r>
+              <a:rPr lang="en-US" sz="1400" dirty="0"/>
+              <a:t>Terminology</a:t>
+            </a:r>
+            <a:endParaRPr lang="en-US" dirty="0"/>
+          </a:p>
+        </p:txBody>
+      </p:sp>
+      <p:graphicFrame>
+        <p:nvGraphicFramePr>
+          <p:cNvPr id="18" name="Diagram 17">
+            <a:extLst>
+              <a:ext uri="{FF2B5EF4-FFF2-40B4-BE49-F238E27FC236}">
+                <a16:creationId xmlns:a16="http://schemas.microsoft.com/office/drawing/2014/main" id="{370AD8FE-A8D6-4C54-B598-BF0E4176D32C}"/>
+              </a:ext>
+            </a:extLst>
+          </p:cNvPr>
+          <p:cNvGraphicFramePr/>
+          <p:nvPr>
+            <p:extLst>
+              <p:ext uri="{D42A27DB-BD31-4B8C-83A1-F6EECF244321}">
+                <p14:modId xmlns:p14="http://schemas.microsoft.com/office/powerpoint/2010/main" val="3485059472"/>
+              </p:ext>
+            </p:extLst>
+          </p:nvPr>
+        </p:nvGraphicFramePr>
+        <p:xfrm>
+          <a:off x="644793" y="2297527"/>
+          <a:ext cx="7769207" cy="1823063"/>
+        </p:xfrm>
+        <a:graphic>
+          <a:graphicData uri="http://schemas.openxmlformats.org/drawingml/2006/diagram">
+            <dgm:relIds xmlns:dgm="http://schemas.openxmlformats.org/drawingml/2006/diagram" xmlns:r="http://schemas.openxmlformats.org/officeDocument/2006/relationships" r:dm="rId2" r:lo="rId3" r:qs="rId4" r:cs="rId5"/>
+          </a:graphicData>
+        </a:graphic>
+      </p:graphicFrame>
+      <p:sp>
+        <p:nvSpPr>
+          <p:cNvPr id="19" name="Text Placeholder 4">
+            <a:extLst>
+              <a:ext uri="{FF2B5EF4-FFF2-40B4-BE49-F238E27FC236}">
+                <a16:creationId xmlns:a16="http://schemas.microsoft.com/office/drawing/2014/main" id="{107AB2E3-CA6F-4F4D-8375-ABF1D9F1F83F}"/>
+              </a:ext>
+            </a:extLst>
+          </p:cNvPr>
+          <p:cNvSpPr txBox="1">
+            <a:spLocks/>
+          </p:cNvSpPr>
+          <p:nvPr/>
+        </p:nvSpPr>
+        <p:spPr>
+          <a:xfrm>
+            <a:off x="3565049" y="4251146"/>
+            <a:ext cx="1928693" cy="405378"/>
+          </a:xfrm>
+          <a:prstGeom prst="rect">
+            <a:avLst/>
+          </a:prstGeom>
+          <a:noFill/>
+          <a:ln>
+            <a:noFill/>
+          </a:ln>
+        </p:spPr>
+        <p:txBody>
+          <a:bodyPr spcFirstLastPara="1" wrap="square" lIns="91425" tIns="91425" rIns="91425" bIns="91425" anchor="ctr" anchorCtr="0"/>
+          <a:lstStyle>
+            <a:defPPr marR="0" lvl="0" algn="l" rtl="0">
+              <a:lnSpc>
+                <a:spcPct val="100000"/>
+              </a:lnSpc>
+              <a:spcBef>
+                <a:spcPts val="0"/>
+              </a:spcBef>
+              <a:spcAft>
+                <a:spcPts val="0"/>
+              </a:spcAft>
+            </a:defPPr>
+            <a:lvl1pPr marL="457200" marR="0" lvl="0" indent="-228600" algn="l" rtl="0">
+              <a:lnSpc>
+                <a:spcPct val="100000"/>
+              </a:lnSpc>
+              <a:spcBef>
+                <a:spcPts val="0"/>
+              </a:spcBef>
+              <a:spcAft>
+                <a:spcPts val="0"/>
+              </a:spcAft>
+              <a:buClr>
+                <a:schemeClr val="accent1"/>
+              </a:buClr>
+              <a:buSzPts val="1300"/>
+              <a:buFont typeface="Lato"/>
+              <a:buNone/>
+              <a:defRPr sz="1300" b="0" i="0" u="none" strike="noStrike" cap="none">
+                <a:solidFill>
+                  <a:schemeClr val="accent1"/>
+                </a:solidFill>
+                <a:latin typeface="Lato"/>
+                <a:ea typeface="Lato"/>
+                <a:cs typeface="Lato"/>
+                <a:sym typeface="Lato"/>
+              </a:defRPr>
+            </a:lvl1pPr>
+            <a:lvl2pPr marL="914400" marR="0" lvl="1" indent="-298450" algn="l" rtl="0">
+              <a:lnSpc>
+                <a:spcPct val="115000"/>
+              </a:lnSpc>
+              <a:spcBef>
+                <a:spcPts val="1600"/>
+              </a:spcBef>
+              <a:spcAft>
+                <a:spcPts val="0"/>
+              </a:spcAft>
+              <a:buClr>
+                <a:schemeClr val="accent1"/>
+              </a:buClr>
+              <a:buSzPts val="1100"/>
+              <a:buFont typeface="Lato"/>
+              <a:buChar char="○"/>
+              <a:defRPr sz="1100" b="0" i="0" u="none" strike="noStrike" cap="none">
+                <a:solidFill>
+                  <a:schemeClr val="accent1"/>
+                </a:solidFill>
+                <a:latin typeface="Lato"/>
+                <a:ea typeface="Lato"/>
+                <a:cs typeface="Lato"/>
+                <a:sym typeface="Lato"/>
+              </a:defRPr>
+            </a:lvl2pPr>
+            <a:lvl3pPr marL="1371600" marR="0" lvl="2" indent="-298450" algn="l" rtl="0">
+              <a:lnSpc>
+                <a:spcPct val="115000"/>
+              </a:lnSpc>
+              <a:spcBef>
+                <a:spcPts val="1600"/>
+              </a:spcBef>
+              <a:spcAft>
+                <a:spcPts val="0"/>
+              </a:spcAft>
+              <a:buClr>
+                <a:schemeClr val="accent1"/>
+              </a:buClr>
+              <a:buSzPts val="1100"/>
+              <a:buFont typeface="Lato"/>
+              <a:buChar char="■"/>
+              <a:defRPr sz="1100" b="0" i="0" u="none" strike="noStrike" cap="none">
+                <a:solidFill>
+                  <a:schemeClr val="accent1"/>
+                </a:solidFill>
+                <a:latin typeface="Lato"/>
+                <a:ea typeface="Lato"/>
+                <a:cs typeface="Lato"/>
+                <a:sym typeface="Lato"/>
+              </a:defRPr>
+            </a:lvl3pPr>
+            <a:lvl4pPr marL="1828800" marR="0" lvl="3" indent="-298450" algn="l" rtl="0">
+              <a:lnSpc>
+                <a:spcPct val="115000"/>
+              </a:lnSpc>
+              <a:spcBef>
+                <a:spcPts val="1600"/>
+              </a:spcBef>
+              <a:spcAft>
+                <a:spcPts val="0"/>
+              </a:spcAft>
+              <a:buClr>
+                <a:schemeClr val="accent1"/>
+              </a:buClr>
+              <a:buSzPts val="1100"/>
+              <a:buFont typeface="Lato"/>
+              <a:buChar char="●"/>
+              <a:defRPr sz="1100" b="0" i="0" u="none" strike="noStrike" cap="none">
+                <a:solidFill>
+                  <a:schemeClr val="accent1"/>
+                </a:solidFill>
+                <a:latin typeface="Lato"/>
+                <a:ea typeface="Lato"/>
+                <a:cs typeface="Lato"/>
+                <a:sym typeface="Lato"/>
+              </a:defRPr>
+            </a:lvl4pPr>
+            <a:lvl5pPr marL="2286000" marR="0" lvl="4" indent="-298450" algn="l" rtl="0">
+              <a:lnSpc>
+                <a:spcPct val="115000"/>
+              </a:lnSpc>
+              <a:spcBef>
+                <a:spcPts val="1600"/>
+              </a:spcBef>
+              <a:spcAft>
+                <a:spcPts val="0"/>
+              </a:spcAft>
+              <a:buClr>
+                <a:schemeClr val="accent1"/>
+              </a:buClr>
+              <a:buSzPts val="1100"/>
+              <a:buFont typeface="Lato"/>
+              <a:buChar char="○"/>
+              <a:defRPr sz="1100" b="0" i="0" u="none" strike="noStrike" cap="none">
+                <a:solidFill>
+                  <a:schemeClr val="accent1"/>
+                </a:solidFill>
+                <a:latin typeface="Lato"/>
+                <a:ea typeface="Lato"/>
+                <a:cs typeface="Lato"/>
+                <a:sym typeface="Lato"/>
+              </a:defRPr>
+            </a:lvl5pPr>
+            <a:lvl6pPr marL="2743200" marR="0" lvl="5" indent="-298450" algn="l" rtl="0">
+              <a:lnSpc>
+                <a:spcPct val="115000"/>
+              </a:lnSpc>
+              <a:spcBef>
+                <a:spcPts val="1600"/>
+              </a:spcBef>
+              <a:spcAft>
+                <a:spcPts val="0"/>
+              </a:spcAft>
+              <a:buClr>
+                <a:schemeClr val="accent1"/>
+              </a:buClr>
+              <a:buSzPts val="1100"/>
+              <a:buFont typeface="Lato"/>
+              <a:buChar char="■"/>
+              <a:defRPr sz="1100" b="0" i="0" u="none" strike="noStrike" cap="none">
+                <a:solidFill>
+                  <a:schemeClr val="accent1"/>
+                </a:solidFill>
+                <a:latin typeface="Lato"/>
+                <a:ea typeface="Lato"/>
+                <a:cs typeface="Lato"/>
+                <a:sym typeface="Lato"/>
+              </a:defRPr>
+            </a:lvl6pPr>
+            <a:lvl7pPr marL="3200400" marR="0" lvl="6" indent="-298450" algn="l" rtl="0">
+              <a:lnSpc>
+                <a:spcPct val="115000"/>
+              </a:lnSpc>
+              <a:spcBef>
+                <a:spcPts val="1600"/>
+              </a:spcBef>
+              <a:spcAft>
+                <a:spcPts val="0"/>
+              </a:spcAft>
+              <a:buClr>
+                <a:schemeClr val="accent1"/>
+              </a:buClr>
+              <a:buSzPts val="1100"/>
+              <a:buFont typeface="Lato"/>
+              <a:buChar char="●"/>
+              <a:defRPr sz="1100" b="0" i="0" u="none" strike="noStrike" cap="none">
+                <a:solidFill>
+                  <a:schemeClr val="accent1"/>
+                </a:solidFill>
+                <a:latin typeface="Lato"/>
+                <a:ea typeface="Lato"/>
+                <a:cs typeface="Lato"/>
+                <a:sym typeface="Lato"/>
+              </a:defRPr>
+            </a:lvl7pPr>
+            <a:lvl8pPr marL="3657600" marR="0" lvl="7" indent="-298450" algn="l" rtl="0">
+              <a:lnSpc>
+                <a:spcPct val="115000"/>
+              </a:lnSpc>
+              <a:spcBef>
+                <a:spcPts val="1600"/>
+              </a:spcBef>
+              <a:spcAft>
+                <a:spcPts val="0"/>
+              </a:spcAft>
+              <a:buClr>
+                <a:schemeClr val="accent1"/>
+              </a:buClr>
+              <a:buSzPts val="1100"/>
+              <a:buFont typeface="Lato"/>
+              <a:buChar char="○"/>
+              <a:defRPr sz="1100" b="0" i="0" u="none" strike="noStrike" cap="none">
+                <a:solidFill>
+                  <a:schemeClr val="accent1"/>
+                </a:solidFill>
+                <a:latin typeface="Lato"/>
+                <a:ea typeface="Lato"/>
+                <a:cs typeface="Lato"/>
+                <a:sym typeface="Lato"/>
+              </a:defRPr>
+            </a:lvl8pPr>
+            <a:lvl9pPr marL="4114800" marR="0" lvl="8" indent="-298450" algn="l" rtl="0">
+              <a:lnSpc>
+                <a:spcPct val="115000"/>
+              </a:lnSpc>
+              <a:spcBef>
+                <a:spcPts val="1600"/>
+              </a:spcBef>
+              <a:spcAft>
+                <a:spcPts val="1600"/>
+              </a:spcAft>
+              <a:buClr>
+                <a:schemeClr val="accent1"/>
+              </a:buClr>
+              <a:buSzPts val="1100"/>
+              <a:buFont typeface="Lato"/>
+              <a:buChar char="■"/>
+              <a:defRPr sz="1100" b="0" i="0" u="none" strike="noStrike" cap="none">
+                <a:solidFill>
+                  <a:schemeClr val="accent1"/>
+                </a:solidFill>
+                <a:latin typeface="Lato"/>
+                <a:ea typeface="Lato"/>
+                <a:cs typeface="Lato"/>
+                <a:sym typeface="Lato"/>
+              </a:defRPr>
+            </a:lvl9pPr>
+          </a:lstStyle>
+          <a:p>
+            <a:r>
+              <a:rPr lang="en-US" sz="1400" dirty="0"/>
+              <a:t>Linear Regressor</a:t>
+            </a:r>
+            <a:endParaRPr lang="en-US" dirty="0"/>
+          </a:p>
+        </p:txBody>
+      </p:sp>
+      <p:sp>
+        <p:nvSpPr>
+          <p:cNvPr id="20" name="Text Placeholder 4">
+            <a:extLst>
+              <a:ext uri="{FF2B5EF4-FFF2-40B4-BE49-F238E27FC236}">
+                <a16:creationId xmlns:a16="http://schemas.microsoft.com/office/drawing/2014/main" id="{C6B28011-FABA-4987-A5B6-059C302BF3CC}"/>
+              </a:ext>
+            </a:extLst>
+          </p:cNvPr>
+          <p:cNvSpPr txBox="1">
+            <a:spLocks/>
+          </p:cNvSpPr>
+          <p:nvPr/>
+        </p:nvSpPr>
+        <p:spPr>
+          <a:xfrm>
+            <a:off x="6438537" y="4251146"/>
+            <a:ext cx="1595628" cy="405378"/>
+          </a:xfrm>
+          <a:prstGeom prst="rect">
+            <a:avLst/>
+          </a:prstGeom>
+          <a:noFill/>
+          <a:ln>
+            <a:noFill/>
+          </a:ln>
+        </p:spPr>
+        <p:txBody>
+          <a:bodyPr spcFirstLastPara="1" wrap="square" lIns="91425" tIns="91425" rIns="91425" bIns="91425" anchor="ctr" anchorCtr="0"/>
+          <a:lstStyle>
+            <a:defPPr marR="0" lvl="0" algn="l" rtl="0">
+              <a:lnSpc>
+                <a:spcPct val="100000"/>
+              </a:lnSpc>
+              <a:spcBef>
+                <a:spcPts val="0"/>
+              </a:spcBef>
+              <a:spcAft>
+                <a:spcPts val="0"/>
+              </a:spcAft>
+            </a:defPPr>
+            <a:lvl1pPr marL="457200" marR="0" lvl="0" indent="-228600" algn="l" rtl="0">
+              <a:lnSpc>
+                <a:spcPct val="100000"/>
+              </a:lnSpc>
+              <a:spcBef>
+                <a:spcPts val="0"/>
+              </a:spcBef>
+              <a:spcAft>
+                <a:spcPts val="0"/>
+              </a:spcAft>
+              <a:buClr>
+                <a:schemeClr val="accent1"/>
+              </a:buClr>
+              <a:buSzPts val="1300"/>
+              <a:buFont typeface="Lato"/>
+              <a:buNone/>
+              <a:defRPr sz="1300" b="0" i="0" u="none" strike="noStrike" cap="none">
+                <a:solidFill>
+                  <a:schemeClr val="accent1"/>
+                </a:solidFill>
+                <a:latin typeface="Lato"/>
+                <a:ea typeface="Lato"/>
+                <a:cs typeface="Lato"/>
+                <a:sym typeface="Lato"/>
+              </a:defRPr>
+            </a:lvl1pPr>
+            <a:lvl2pPr marL="914400" marR="0" lvl="1" indent="-298450" algn="l" rtl="0">
+              <a:lnSpc>
+                <a:spcPct val="115000"/>
+              </a:lnSpc>
+              <a:spcBef>
+                <a:spcPts val="1600"/>
+              </a:spcBef>
+              <a:spcAft>
+                <a:spcPts val="0"/>
+              </a:spcAft>
+              <a:buClr>
+                <a:schemeClr val="accent1"/>
+              </a:buClr>
+              <a:buSzPts val="1100"/>
+              <a:buFont typeface="Lato"/>
+              <a:buChar char="○"/>
+              <a:defRPr sz="1100" b="0" i="0" u="none" strike="noStrike" cap="none">
+                <a:solidFill>
+                  <a:schemeClr val="accent1"/>
+                </a:solidFill>
+                <a:latin typeface="Lato"/>
+                <a:ea typeface="Lato"/>
+                <a:cs typeface="Lato"/>
+                <a:sym typeface="Lato"/>
+              </a:defRPr>
+            </a:lvl2pPr>
+            <a:lvl3pPr marL="1371600" marR="0" lvl="2" indent="-298450" algn="l" rtl="0">
+              <a:lnSpc>
+                <a:spcPct val="115000"/>
+              </a:lnSpc>
+              <a:spcBef>
+                <a:spcPts val="1600"/>
+              </a:spcBef>
+              <a:spcAft>
+                <a:spcPts val="0"/>
+              </a:spcAft>
+              <a:buClr>
+                <a:schemeClr val="accent1"/>
+              </a:buClr>
+              <a:buSzPts val="1100"/>
+              <a:buFont typeface="Lato"/>
+              <a:buChar char="■"/>
+              <a:defRPr sz="1100" b="0" i="0" u="none" strike="noStrike" cap="none">
+                <a:solidFill>
+                  <a:schemeClr val="accent1"/>
+                </a:solidFill>
+                <a:latin typeface="Lato"/>
+                <a:ea typeface="Lato"/>
+                <a:cs typeface="Lato"/>
+                <a:sym typeface="Lato"/>
+              </a:defRPr>
+            </a:lvl3pPr>
+            <a:lvl4pPr marL="1828800" marR="0" lvl="3" indent="-298450" algn="l" rtl="0">
+              <a:lnSpc>
+                <a:spcPct val="115000"/>
+              </a:lnSpc>
+              <a:spcBef>
+                <a:spcPts val="1600"/>
+              </a:spcBef>
+              <a:spcAft>
+                <a:spcPts val="0"/>
+              </a:spcAft>
+              <a:buClr>
+                <a:schemeClr val="accent1"/>
+              </a:buClr>
+              <a:buSzPts val="1100"/>
+              <a:buFont typeface="Lato"/>
+              <a:buChar char="●"/>
+              <a:defRPr sz="1100" b="0" i="0" u="none" strike="noStrike" cap="none">
+                <a:solidFill>
+                  <a:schemeClr val="accent1"/>
+                </a:solidFill>
+                <a:latin typeface="Lato"/>
+                <a:ea typeface="Lato"/>
+                <a:cs typeface="Lato"/>
+                <a:sym typeface="Lato"/>
+              </a:defRPr>
+            </a:lvl4pPr>
+            <a:lvl5pPr marL="2286000" marR="0" lvl="4" indent="-298450" algn="l" rtl="0">
+              <a:lnSpc>
+                <a:spcPct val="115000"/>
+              </a:lnSpc>
+              <a:spcBef>
+                <a:spcPts val="1600"/>
+              </a:spcBef>
+              <a:spcAft>
+                <a:spcPts val="0"/>
+              </a:spcAft>
+              <a:buClr>
+                <a:schemeClr val="accent1"/>
+              </a:buClr>
+              <a:buSzPts val="1100"/>
+              <a:buFont typeface="Lato"/>
+              <a:buChar char="○"/>
+              <a:defRPr sz="1100" b="0" i="0" u="none" strike="noStrike" cap="none">
+                <a:solidFill>
+                  <a:schemeClr val="accent1"/>
+                </a:solidFill>
+                <a:latin typeface="Lato"/>
+                <a:ea typeface="Lato"/>
+                <a:cs typeface="Lato"/>
+                <a:sym typeface="Lato"/>
+              </a:defRPr>
+            </a:lvl5pPr>
+            <a:lvl6pPr marL="2743200" marR="0" lvl="5" indent="-298450" algn="l" rtl="0">
+              <a:lnSpc>
+                <a:spcPct val="115000"/>
+              </a:lnSpc>
+              <a:spcBef>
+                <a:spcPts val="1600"/>
+              </a:spcBef>
+              <a:spcAft>
+                <a:spcPts val="0"/>
+              </a:spcAft>
+              <a:buClr>
+                <a:schemeClr val="accent1"/>
+              </a:buClr>
+              <a:buSzPts val="1100"/>
+              <a:buFont typeface="Lato"/>
+              <a:buChar char="■"/>
+              <a:defRPr sz="1100" b="0" i="0" u="none" strike="noStrike" cap="none">
+                <a:solidFill>
+                  <a:schemeClr val="accent1"/>
+                </a:solidFill>
+                <a:latin typeface="Lato"/>
+                <a:ea typeface="Lato"/>
+                <a:cs typeface="Lato"/>
+                <a:sym typeface="Lato"/>
+              </a:defRPr>
+            </a:lvl6pPr>
+            <a:lvl7pPr marL="3200400" marR="0" lvl="6" indent="-298450" algn="l" rtl="0">
+              <a:lnSpc>
+                <a:spcPct val="115000"/>
+              </a:lnSpc>
+              <a:spcBef>
+                <a:spcPts val="1600"/>
+              </a:spcBef>
+              <a:spcAft>
+                <a:spcPts val="0"/>
+              </a:spcAft>
+              <a:buClr>
+                <a:schemeClr val="accent1"/>
+              </a:buClr>
+              <a:buSzPts val="1100"/>
+              <a:buFont typeface="Lato"/>
+              <a:buChar char="●"/>
+              <a:defRPr sz="1100" b="0" i="0" u="none" strike="noStrike" cap="none">
+                <a:solidFill>
+                  <a:schemeClr val="accent1"/>
+                </a:solidFill>
+                <a:latin typeface="Lato"/>
+                <a:ea typeface="Lato"/>
+                <a:cs typeface="Lato"/>
+                <a:sym typeface="Lato"/>
+              </a:defRPr>
+            </a:lvl7pPr>
+            <a:lvl8pPr marL="3657600" marR="0" lvl="7" indent="-298450" algn="l" rtl="0">
+              <a:lnSpc>
+                <a:spcPct val="115000"/>
+              </a:lnSpc>
+              <a:spcBef>
+                <a:spcPts val="1600"/>
+              </a:spcBef>
+              <a:spcAft>
+                <a:spcPts val="0"/>
+              </a:spcAft>
+              <a:buClr>
+                <a:schemeClr val="accent1"/>
+              </a:buClr>
+              <a:buSzPts val="1100"/>
+              <a:buFont typeface="Lato"/>
+              <a:buChar char="○"/>
+              <a:defRPr sz="1100" b="0" i="0" u="none" strike="noStrike" cap="none">
+                <a:solidFill>
+                  <a:schemeClr val="accent1"/>
+                </a:solidFill>
+                <a:latin typeface="Lato"/>
+                <a:ea typeface="Lato"/>
+                <a:cs typeface="Lato"/>
+                <a:sym typeface="Lato"/>
+              </a:defRPr>
+            </a:lvl8pPr>
+            <a:lvl9pPr marL="4114800" marR="0" lvl="8" indent="-298450" algn="l" rtl="0">
+              <a:lnSpc>
+                <a:spcPct val="115000"/>
+              </a:lnSpc>
+              <a:spcBef>
+                <a:spcPts val="1600"/>
+              </a:spcBef>
+              <a:spcAft>
+                <a:spcPts val="1600"/>
+              </a:spcAft>
+              <a:buClr>
+                <a:schemeClr val="accent1"/>
+              </a:buClr>
+              <a:buSzPts val="1100"/>
+              <a:buFont typeface="Lato"/>
+              <a:buChar char="■"/>
+              <a:defRPr sz="1100" b="0" i="0" u="none" strike="noStrike" cap="none">
+                <a:solidFill>
+                  <a:schemeClr val="accent1"/>
+                </a:solidFill>
+                <a:latin typeface="Lato"/>
+                <a:ea typeface="Lato"/>
+                <a:cs typeface="Lato"/>
+                <a:sym typeface="Lato"/>
+              </a:defRPr>
+            </a:lvl9pPr>
+          </a:lstStyle>
+          <a:p>
+            <a:r>
+              <a:rPr lang="en-US" sz="1400" dirty="0"/>
+              <a:t>Loss &amp; Error</a:t>
+            </a:r>
+            <a:endParaRPr lang="en-US" dirty="0"/>
+          </a:p>
+        </p:txBody>
+      </p:sp>
+    </p:spTree>
+    <p:extLst>
+      <p:ext uri="{BB962C8B-B14F-4D97-AF65-F5344CB8AC3E}">
+        <p14:creationId xmlns:p14="http://schemas.microsoft.com/office/powerpoint/2010/main" val="2359572083"/>
+      </p:ext>
+    </p:extLst>
+  </p:cSld>
+  <p:clrMapOvr>
+    <a:masterClrMapping/>
+  </p:clrMapOvr>
+</p:sld>
+</file>
+
+<file path=ppt/slides/slide16.xml><?xml version="1.0" encoding="utf-8"?>
 <p:sld xmlns:a="http://schemas.openxmlformats.org/drawingml/2006/main" xmlns:r="http://schemas.openxmlformats.org/officeDocument/2006/relationships" xmlns:p="http://schemas.openxmlformats.org/presentationml/2006/main">
   <p:cSld>
     <p:spTree>
@@ -8784,9 +12567,17 @@
 </p:sld>
 </file>
 
-<file path=ppt/slides/slide15.xml><?xml version="1.0" encoding="utf-8"?>
+<file path=ppt/slides/slide17.xml><?xml version="1.0" encoding="utf-8"?>
 <p:sld xmlns:a="http://schemas.openxmlformats.org/drawingml/2006/main" xmlns:r="http://schemas.openxmlformats.org/officeDocument/2006/relationships" xmlns:p="http://schemas.openxmlformats.org/presentationml/2006/main">
   <p:cSld>
+    <p:bg>
+      <p:bgPr>
+        <a:solidFill>
+          <a:srgbClr val="212121"/>
+        </a:solidFill>
+        <a:effectLst/>
+      </p:bgPr>
+    </p:bg>
     <p:spTree>
       <p:nvGrpSpPr>
         <p:cNvPr id="1" name=""/>
@@ -8888,7 +12679,7 @@
 </p:sld>
 </file>
 
-<file path=ppt/slides/slide16.xml><?xml version="1.0" encoding="utf-8"?>
+<file path=ppt/slides/slide18.xml><?xml version="1.0" encoding="utf-8"?>
 <p:sld xmlns:a="http://schemas.openxmlformats.org/drawingml/2006/main" xmlns:r="http://schemas.openxmlformats.org/officeDocument/2006/relationships" xmlns:p="http://schemas.openxmlformats.org/presentationml/2006/main">
   <p:cSld>
     <p:spTree>
@@ -9080,7 +12871,7 @@
 </p:sld>
 </file>
 
-<file path=ppt/slides/slide17.xml><?xml version="1.0" encoding="utf-8"?>
+<file path=ppt/slides/slide19.xml><?xml version="1.0" encoding="utf-8"?>
 <p:sld xmlns:a="http://schemas.openxmlformats.org/drawingml/2006/main" xmlns:r="http://schemas.openxmlformats.org/officeDocument/2006/relationships" xmlns:p="http://schemas.openxmlformats.org/presentationml/2006/main">
   <p:cSld>
     <p:spTree>
@@ -9168,7 +12959,102 @@
 </p:sld>
 </file>
 
-<file path=ppt/slides/slide18.xml><?xml version="1.0" encoding="utf-8"?>
+<file path=ppt/slides/slide2.xml><?xml version="1.0" encoding="utf-8"?>
+<p:sld xmlns:a="http://schemas.openxmlformats.org/drawingml/2006/main" xmlns:r="http://schemas.openxmlformats.org/officeDocument/2006/relationships" xmlns:p="http://schemas.openxmlformats.org/presentationml/2006/main">
+  <p:cSld>
+    <p:bg>
+      <p:bgPr>
+        <a:solidFill>
+          <a:srgbClr val="E9EDEE"/>
+        </a:solidFill>
+        <a:effectLst/>
+      </p:bgPr>
+    </p:bg>
+    <p:spTree>
+      <p:nvGrpSpPr>
+        <p:cNvPr id="1" name=""/>
+        <p:cNvGrpSpPr/>
+        <p:nvPr/>
+      </p:nvGrpSpPr>
+      <p:grpSpPr>
+        <a:xfrm>
+          <a:off x="0" y="0"/>
+          <a:ext cx="0" cy="0"/>
+          <a:chOff x="0" y="0"/>
+          <a:chExt cx="0" cy="0"/>
+        </a:xfrm>
+      </p:grpSpPr>
+      <p:sp>
+        <p:nvSpPr>
+          <p:cNvPr id="3" name="Title 2">
+            <a:extLst>
+              <a:ext uri="{FF2B5EF4-FFF2-40B4-BE49-F238E27FC236}">
+                <a16:creationId xmlns:a16="http://schemas.microsoft.com/office/drawing/2014/main" id="{2B3C0D79-E4C9-4979-A9FF-AACB77C14061}"/>
+              </a:ext>
+            </a:extLst>
+          </p:cNvPr>
+          <p:cNvSpPr>
+            <a:spLocks noGrp="1"/>
+          </p:cNvSpPr>
+          <p:nvPr>
+            <p:ph type="title"/>
+          </p:nvPr>
+        </p:nvSpPr>
+        <p:spPr>
+          <a:xfrm>
+            <a:off x="729999" y="1318650"/>
+            <a:ext cx="7269080" cy="3360926"/>
+          </a:xfrm>
+        </p:spPr>
+        <p:txBody>
+          <a:bodyPr/>
+          <a:lstStyle/>
+          <a:p>
+            <a:r>
+              <a:rPr lang="en-US" sz="4000" dirty="0"/>
+              <a:t>What is Machine Learning?</a:t>
+            </a:r>
+            <a:br>
+              <a:rPr lang="en-US" b="0" dirty="0"/>
+            </a:br>
+            <a:br>
+              <a:rPr lang="en-US" b="0" dirty="0"/>
+            </a:br>
+            <a:br>
+              <a:rPr lang="en-US" b="0" dirty="0"/>
+            </a:br>
+            <a:br>
+              <a:rPr lang="en-US" b="0" dirty="0"/>
+            </a:br>
+            <a:r>
+              <a:rPr lang="en-US" sz="2800" b="0" dirty="0"/>
+              <a:t>Computer learning from data,</a:t>
+            </a:r>
+            <a:br>
+              <a:rPr lang="en-US" sz="2800" b="0" dirty="0"/>
+            </a:br>
+            <a:r>
+              <a:rPr lang="en-US" sz="2800" b="0" dirty="0"/>
+              <a:t>without being explicitly programmed.</a:t>
+            </a:r>
+            <a:endParaRPr lang="en-US" dirty="0"/>
+          </a:p>
+        </p:txBody>
+      </p:sp>
+    </p:spTree>
+    <p:extLst>
+      <p:ext uri="{BB962C8B-B14F-4D97-AF65-F5344CB8AC3E}">
+        <p14:creationId xmlns:p14="http://schemas.microsoft.com/office/powerpoint/2010/main" val="1534829330"/>
+      </p:ext>
+    </p:extLst>
+  </p:cSld>
+  <p:clrMapOvr>
+    <a:masterClrMapping/>
+  </p:clrMapOvr>
+</p:sld>
+</file>
+
+<file path=ppt/slides/slide20.xml><?xml version="1.0" encoding="utf-8"?>
 <p:sld xmlns:a="http://schemas.openxmlformats.org/drawingml/2006/main" xmlns:r="http://schemas.openxmlformats.org/officeDocument/2006/relationships" xmlns:p="http://schemas.openxmlformats.org/presentationml/2006/main">
   <p:cSld>
     <p:spTree>
@@ -9325,7 +13211,7 @@
 </p:sld>
 </file>
 
-<file path=ppt/slides/slide19.xml><?xml version="1.0" encoding="utf-8"?>
+<file path=ppt/slides/slide21.xml><?xml version="1.0" encoding="utf-8"?>
 <p:sld xmlns:a="http://schemas.openxmlformats.org/drawingml/2006/main" xmlns:r="http://schemas.openxmlformats.org/officeDocument/2006/relationships" xmlns:p="http://schemas.openxmlformats.org/presentationml/2006/main">
   <p:cSld>
     <p:spTree>
@@ -9414,7 +13300,343 @@
 </p:sld>
 </file>
 
-<file path=ppt/slides/slide2.xml><?xml version="1.0" encoding="utf-8"?>
+<file path=ppt/slides/slide22.xml><?xml version="1.0" encoding="utf-8"?>
+<p:sld xmlns:a="http://schemas.openxmlformats.org/drawingml/2006/main" xmlns:r="http://schemas.openxmlformats.org/officeDocument/2006/relationships" xmlns:p="http://schemas.openxmlformats.org/presentationml/2006/main">
+  <p:cSld>
+    <p:spTree>
+      <p:nvGrpSpPr>
+        <p:cNvPr id="1" name=""/>
+        <p:cNvGrpSpPr/>
+        <p:nvPr/>
+      </p:nvGrpSpPr>
+      <p:grpSpPr>
+        <a:xfrm>
+          <a:off x="0" y="0"/>
+          <a:ext cx="0" cy="0"/>
+          <a:chOff x="0" y="0"/>
+          <a:chExt cx="0" cy="0"/>
+        </a:xfrm>
+      </p:grpSpPr>
+      <p:sp>
+        <p:nvSpPr>
+          <p:cNvPr id="3" name="Title 2">
+            <a:extLst>
+              <a:ext uri="{FF2B5EF4-FFF2-40B4-BE49-F238E27FC236}">
+                <a16:creationId xmlns:a16="http://schemas.microsoft.com/office/drawing/2014/main" id="{1FEA6293-8E73-49E6-AA5A-BD8C15238D83}"/>
+              </a:ext>
+            </a:extLst>
+          </p:cNvPr>
+          <p:cNvSpPr>
+            <a:spLocks noGrp="1"/>
+          </p:cNvSpPr>
+          <p:nvPr>
+            <p:ph type="title"/>
+          </p:nvPr>
+        </p:nvSpPr>
+        <p:spPr/>
+        <p:txBody>
+          <a:bodyPr/>
+          <a:lstStyle/>
+          <a:p>
+            <a:r>
+              <a:rPr lang="en-US" dirty="0"/>
+              <a:t>Hyperparameters</a:t>
+            </a:r>
+            <a:endParaRPr lang="en-US" sz="2800" dirty="0"/>
+          </a:p>
+        </p:txBody>
+      </p:sp>
+      <p:sp>
+        <p:nvSpPr>
+          <p:cNvPr id="4" name="Subtitle 3">
+            <a:extLst>
+              <a:ext uri="{FF2B5EF4-FFF2-40B4-BE49-F238E27FC236}">
+                <a16:creationId xmlns:a16="http://schemas.microsoft.com/office/drawing/2014/main" id="{1DB03B58-6C69-46DC-AE3F-F837ADA859D0}"/>
+              </a:ext>
+            </a:extLst>
+          </p:cNvPr>
+          <p:cNvSpPr>
+            <a:spLocks noGrp="1"/>
+          </p:cNvSpPr>
+          <p:nvPr>
+            <p:ph type="subTitle" idx="1"/>
+          </p:nvPr>
+        </p:nvSpPr>
+        <p:spPr/>
+        <p:txBody>
+          <a:bodyPr/>
+          <a:lstStyle/>
+          <a:p>
+            <a:r>
+              <a:rPr lang="en-US" dirty="0"/>
+              <a:t>Knobs of Model Training</a:t>
+            </a:r>
+          </a:p>
+        </p:txBody>
+      </p:sp>
+      <p:sp>
+        <p:nvSpPr>
+          <p:cNvPr id="5" name="Text Placeholder 4">
+            <a:extLst>
+              <a:ext uri="{FF2B5EF4-FFF2-40B4-BE49-F238E27FC236}">
+                <a16:creationId xmlns:a16="http://schemas.microsoft.com/office/drawing/2014/main" id="{DABA6C74-12A1-43AC-96B4-B7F2467CCF21}"/>
+              </a:ext>
+            </a:extLst>
+          </p:cNvPr>
+          <p:cNvSpPr>
+            <a:spLocks noGrp="1"/>
+          </p:cNvSpPr>
+          <p:nvPr>
+            <p:ph type="body" idx="2"/>
+          </p:nvPr>
+        </p:nvSpPr>
+        <p:spPr>
+          <a:xfrm>
+            <a:off x="4841358" y="1352625"/>
+            <a:ext cx="3976577" cy="3025500"/>
+          </a:xfrm>
+        </p:spPr>
+        <p:txBody>
+          <a:bodyPr/>
+          <a:lstStyle/>
+          <a:p>
+            <a:r>
+              <a:rPr lang="en-US" sz="1600" b="1" dirty="0"/>
+              <a:t>Steps: </a:t>
+            </a:r>
+            <a:r>
+              <a:rPr lang="en-US" sz="1600" dirty="0"/>
+              <a:t>length of iteration</a:t>
+            </a:r>
+          </a:p>
+          <a:p>
+            <a:pPr marL="146050" indent="0">
+              <a:buNone/>
+            </a:pPr>
+            <a:endParaRPr lang="en-US" sz="1600" b="1" dirty="0"/>
+          </a:p>
+          <a:p>
+            <a:r>
+              <a:rPr lang="en-US" sz="1600" b="1" dirty="0"/>
+              <a:t>Batch Size: </a:t>
+            </a:r>
+            <a:r>
+              <a:rPr lang="en-US" sz="1600" dirty="0"/>
+              <a:t>number of examples to train on (each step)</a:t>
+            </a:r>
+          </a:p>
+          <a:p>
+            <a:pPr marL="146050" indent="0">
+              <a:buNone/>
+            </a:pPr>
+            <a:endParaRPr lang="en-US" sz="1600" b="1" dirty="0"/>
+          </a:p>
+          <a:p>
+            <a:r>
+              <a:rPr lang="en-US" sz="1600" b="1" dirty="0"/>
+              <a:t>Learning Rate: </a:t>
+            </a:r>
+            <a:r>
+              <a:rPr lang="en-US" sz="1600" dirty="0"/>
+              <a:t>controls gradient</a:t>
+            </a:r>
+          </a:p>
+          <a:p>
+            <a:pPr marL="146050" indent="0">
+              <a:buNone/>
+            </a:pPr>
+            <a:endParaRPr lang="en-US" sz="1600" b="1" dirty="0"/>
+          </a:p>
+        </p:txBody>
+      </p:sp>
+    </p:spTree>
+    <p:extLst>
+      <p:ext uri="{BB962C8B-B14F-4D97-AF65-F5344CB8AC3E}">
+        <p14:creationId xmlns:p14="http://schemas.microsoft.com/office/powerpoint/2010/main" val="2319525666"/>
+      </p:ext>
+    </p:extLst>
+  </p:cSld>
+  <p:clrMapOvr>
+    <a:masterClrMapping/>
+  </p:clrMapOvr>
+</p:sld>
+</file>
+
+<file path=ppt/slides/slide23.xml><?xml version="1.0" encoding="utf-8"?>
+<p:sld xmlns:a="http://schemas.openxmlformats.org/drawingml/2006/main" xmlns:r="http://schemas.openxmlformats.org/officeDocument/2006/relationships" xmlns:p="http://schemas.openxmlformats.org/presentationml/2006/main">
+  <p:cSld>
+    <p:spTree>
+      <p:nvGrpSpPr>
+        <p:cNvPr id="1" name=""/>
+        <p:cNvGrpSpPr/>
+        <p:nvPr/>
+      </p:nvGrpSpPr>
+      <p:grpSpPr>
+        <a:xfrm>
+          <a:off x="0" y="0"/>
+          <a:ext cx="0" cy="0"/>
+          <a:chOff x="0" y="0"/>
+          <a:chExt cx="0" cy="0"/>
+        </a:xfrm>
+      </p:grpSpPr>
+      <p:sp>
+        <p:nvSpPr>
+          <p:cNvPr id="5" name="Title 4">
+            <a:extLst>
+              <a:ext uri="{FF2B5EF4-FFF2-40B4-BE49-F238E27FC236}">
+                <a16:creationId xmlns:a16="http://schemas.microsoft.com/office/drawing/2014/main" id="{8365C476-58A8-475F-8055-75391ACE66D9}"/>
+              </a:ext>
+            </a:extLst>
+          </p:cNvPr>
+          <p:cNvSpPr>
+            <a:spLocks noGrp="1"/>
+          </p:cNvSpPr>
+          <p:nvPr>
+            <p:ph type="title"/>
+          </p:nvPr>
+        </p:nvSpPr>
+        <p:spPr>
+          <a:xfrm>
+            <a:off x="729450" y="1587795"/>
+            <a:ext cx="7021200" cy="2261505"/>
+          </a:xfrm>
+        </p:spPr>
+        <p:txBody>
+          <a:bodyPr/>
+          <a:lstStyle/>
+          <a:p>
+            <a:r>
+              <a:rPr lang="en-US" sz="4400" dirty="0"/>
+              <a:t>Optimize Your Code</a:t>
+            </a:r>
+            <a:br>
+              <a:rPr lang="en-US" dirty="0"/>
+            </a:br>
+            <a:br>
+              <a:rPr lang="en-US" dirty="0"/>
+            </a:br>
+            <a:r>
+              <a:rPr lang="en-US" sz="2800" b="0" dirty="0"/>
+              <a:t>Go to: TFlab.ML</a:t>
+            </a:r>
+            <a:endParaRPr lang="en-US" b="0" dirty="0"/>
+          </a:p>
+        </p:txBody>
+      </p:sp>
+    </p:spTree>
+    <p:extLst>
+      <p:ext uri="{BB962C8B-B14F-4D97-AF65-F5344CB8AC3E}">
+        <p14:creationId xmlns:p14="http://schemas.microsoft.com/office/powerpoint/2010/main" val="930364962"/>
+      </p:ext>
+    </p:extLst>
+  </p:cSld>
+  <p:clrMapOvr>
+    <a:masterClrMapping/>
+  </p:clrMapOvr>
+</p:sld>
+</file>
+
+<file path=ppt/slides/slide24.xml><?xml version="1.0" encoding="utf-8"?>
+<p:sld xmlns:a="http://schemas.openxmlformats.org/drawingml/2006/main" xmlns:r="http://schemas.openxmlformats.org/officeDocument/2006/relationships" xmlns:p="http://schemas.openxmlformats.org/presentationml/2006/main">
+  <p:cSld>
+    <p:bg>
+      <p:bgPr>
+        <a:solidFill>
+          <a:srgbClr val="E9EDEE"/>
+        </a:solidFill>
+        <a:effectLst/>
+      </p:bgPr>
+    </p:bg>
+    <p:spTree>
+      <p:nvGrpSpPr>
+        <p:cNvPr id="1" name=""/>
+        <p:cNvGrpSpPr/>
+        <p:nvPr/>
+      </p:nvGrpSpPr>
+      <p:grpSpPr>
+        <a:xfrm>
+          <a:off x="0" y="0"/>
+          <a:ext cx="0" cy="0"/>
+          <a:chOff x="0" y="0"/>
+          <a:chExt cx="0" cy="0"/>
+        </a:xfrm>
+      </p:grpSpPr>
+      <p:sp>
+        <p:nvSpPr>
+          <p:cNvPr id="3" name="Title 2">
+            <a:extLst>
+              <a:ext uri="{FF2B5EF4-FFF2-40B4-BE49-F238E27FC236}">
+                <a16:creationId xmlns:a16="http://schemas.microsoft.com/office/drawing/2014/main" id="{2B3C0D79-E4C9-4979-A9FF-AACB77C14061}"/>
+              </a:ext>
+            </a:extLst>
+          </p:cNvPr>
+          <p:cNvSpPr>
+            <a:spLocks noGrp="1"/>
+          </p:cNvSpPr>
+          <p:nvPr>
+            <p:ph type="title"/>
+          </p:nvPr>
+        </p:nvSpPr>
+        <p:spPr>
+          <a:xfrm>
+            <a:off x="729999" y="1318650"/>
+            <a:ext cx="7269080" cy="3360926"/>
+          </a:xfrm>
+        </p:spPr>
+        <p:txBody>
+          <a:bodyPr/>
+          <a:lstStyle/>
+          <a:p>
+            <a:r>
+              <a:rPr lang="en-US" sz="4000" dirty="0"/>
+              <a:t>Thank You!</a:t>
+            </a:r>
+            <a:br>
+              <a:rPr lang="en-US" b="0" dirty="0"/>
+            </a:br>
+            <a:br>
+              <a:rPr lang="en-US" b="0" dirty="0"/>
+            </a:br>
+            <a:br>
+              <a:rPr lang="en-US" b="0" dirty="0"/>
+            </a:br>
+            <a:br>
+              <a:rPr lang="en-US" b="0" dirty="0"/>
+            </a:br>
+            <a:r>
+              <a:rPr lang="en-US" sz="2800" b="0" dirty="0"/>
+              <a:t>Code &amp; Presentation are available here:</a:t>
+            </a:r>
+            <a:br>
+              <a:rPr lang="en-US" sz="2800" b="0" dirty="0"/>
+            </a:br>
+            <a:r>
+              <a:rPr lang="en-US" sz="2800" b="0" dirty="0">
+                <a:hlinkClick r:id="rId2"/>
+              </a:rPr>
+              <a:t>https://github.com/OmarEinea/tf</a:t>
+            </a:r>
+            <a:br>
+              <a:rPr lang="en-US" sz="2800" b="0" dirty="0"/>
+            </a:br>
+            <a:endParaRPr lang="en-US" dirty="0"/>
+          </a:p>
+        </p:txBody>
+      </p:sp>
+    </p:spTree>
+    <p:extLst>
+      <p:ext uri="{BB962C8B-B14F-4D97-AF65-F5344CB8AC3E}">
+        <p14:creationId xmlns:p14="http://schemas.microsoft.com/office/powerpoint/2010/main" val="3876495797"/>
+      </p:ext>
+    </p:extLst>
+  </p:cSld>
+  <p:clrMapOvr>
+    <a:masterClrMapping/>
+  </p:clrMapOvr>
+</p:sld>
+</file>
+
+<file path=ppt/slides/slide3.xml><?xml version="1.0" encoding="utf-8"?>
 <p:sld xmlns:a="http://schemas.openxmlformats.org/drawingml/2006/main" xmlns:r="http://schemas.openxmlformats.org/officeDocument/2006/relationships" xmlns:p="http://schemas.openxmlformats.org/presentationml/2006/main">
   <p:cSld>
     <p:spTree>
@@ -9523,263 +13745,7 @@
 </p:sld>
 </file>
 
-<file path=ppt/slides/slide20.xml><?xml version="1.0" encoding="utf-8"?>
-<p:sld xmlns:a="http://schemas.openxmlformats.org/drawingml/2006/main" xmlns:r="http://schemas.openxmlformats.org/officeDocument/2006/relationships" xmlns:p="http://schemas.openxmlformats.org/presentationml/2006/main">
-  <p:cSld>
-    <p:spTree>
-      <p:nvGrpSpPr>
-        <p:cNvPr id="1" name=""/>
-        <p:cNvGrpSpPr/>
-        <p:nvPr/>
-      </p:nvGrpSpPr>
-      <p:grpSpPr>
-        <a:xfrm>
-          <a:off x="0" y="0"/>
-          <a:ext cx="0" cy="0"/>
-          <a:chOff x="0" y="0"/>
-          <a:chExt cx="0" cy="0"/>
-        </a:xfrm>
-      </p:grpSpPr>
-      <p:sp>
-        <p:nvSpPr>
-          <p:cNvPr id="3" name="Title 2">
-            <a:extLst>
-              <a:ext uri="{FF2B5EF4-FFF2-40B4-BE49-F238E27FC236}">
-                <a16:creationId xmlns:a16="http://schemas.microsoft.com/office/drawing/2014/main" id="{1FEA6293-8E73-49E6-AA5A-BD8C15238D83}"/>
-              </a:ext>
-            </a:extLst>
-          </p:cNvPr>
-          <p:cNvSpPr>
-            <a:spLocks noGrp="1"/>
-          </p:cNvSpPr>
-          <p:nvPr>
-            <p:ph type="title"/>
-          </p:nvPr>
-        </p:nvSpPr>
-        <p:spPr/>
-        <p:txBody>
-          <a:bodyPr/>
-          <a:lstStyle/>
-          <a:p>
-            <a:r>
-              <a:rPr lang="en-US" dirty="0"/>
-              <a:t>Hyperparameters</a:t>
-            </a:r>
-            <a:endParaRPr lang="en-US" sz="2800" dirty="0"/>
-          </a:p>
-        </p:txBody>
-      </p:sp>
-      <p:sp>
-        <p:nvSpPr>
-          <p:cNvPr id="4" name="Subtitle 3">
-            <a:extLst>
-              <a:ext uri="{FF2B5EF4-FFF2-40B4-BE49-F238E27FC236}">
-                <a16:creationId xmlns:a16="http://schemas.microsoft.com/office/drawing/2014/main" id="{1DB03B58-6C69-46DC-AE3F-F837ADA859D0}"/>
-              </a:ext>
-            </a:extLst>
-          </p:cNvPr>
-          <p:cNvSpPr>
-            <a:spLocks noGrp="1"/>
-          </p:cNvSpPr>
-          <p:nvPr>
-            <p:ph type="subTitle" idx="1"/>
-          </p:nvPr>
-        </p:nvSpPr>
-        <p:spPr/>
-        <p:txBody>
-          <a:bodyPr/>
-          <a:lstStyle/>
-          <a:p>
-            <a:r>
-              <a:rPr lang="en-US" dirty="0"/>
-              <a:t>Knobs of Model Training</a:t>
-            </a:r>
-          </a:p>
-        </p:txBody>
-      </p:sp>
-      <p:sp>
-        <p:nvSpPr>
-          <p:cNvPr id="5" name="Text Placeholder 4">
-            <a:extLst>
-              <a:ext uri="{FF2B5EF4-FFF2-40B4-BE49-F238E27FC236}">
-                <a16:creationId xmlns:a16="http://schemas.microsoft.com/office/drawing/2014/main" id="{DABA6C74-12A1-43AC-96B4-B7F2467CCF21}"/>
-              </a:ext>
-            </a:extLst>
-          </p:cNvPr>
-          <p:cNvSpPr>
-            <a:spLocks noGrp="1"/>
-          </p:cNvSpPr>
-          <p:nvPr>
-            <p:ph type="body" idx="2"/>
-          </p:nvPr>
-        </p:nvSpPr>
-        <p:spPr>
-          <a:xfrm>
-            <a:off x="4841358" y="1352625"/>
-            <a:ext cx="3976577" cy="3025500"/>
-          </a:xfrm>
-        </p:spPr>
-        <p:txBody>
-          <a:bodyPr/>
-          <a:lstStyle/>
-          <a:p>
-            <a:r>
-              <a:rPr lang="en-US" sz="1600" b="1" dirty="0"/>
-              <a:t>Learning Rate: </a:t>
-            </a:r>
-            <a:r>
-              <a:rPr lang="en-US" sz="1600" dirty="0"/>
-              <a:t>controls gradient</a:t>
-            </a:r>
-          </a:p>
-          <a:p>
-            <a:endParaRPr lang="en-US" sz="1600" dirty="0"/>
-          </a:p>
-          <a:p>
-            <a:r>
-              <a:rPr lang="en-US" sz="1600" b="1" dirty="0"/>
-              <a:t>Repeat:</a:t>
-            </a:r>
-            <a:r>
-              <a:rPr lang="en-US" sz="1600" dirty="0"/>
-              <a:t> number of training cycles</a:t>
-            </a:r>
-          </a:p>
-          <a:p>
-            <a:endParaRPr lang="en-US" sz="1600" b="1" dirty="0"/>
-          </a:p>
-          <a:p>
-            <a:r>
-              <a:rPr lang="en-US" sz="1600" b="1" dirty="0"/>
-              <a:t>Steps: </a:t>
-            </a:r>
-            <a:r>
-              <a:rPr lang="en-US" sz="1600" dirty="0"/>
-              <a:t>length of iteration (</a:t>
-            </a:r>
-            <a:r>
-              <a:rPr lang="en-US" sz="1600" dirty="0" err="1"/>
-              <a:t>i</a:t>
-            </a:r>
-            <a:r>
-              <a:rPr lang="en-US" sz="1600" dirty="0"/>
-              <a:t>++, </a:t>
-            </a:r>
-            <a:r>
-              <a:rPr lang="en-US" sz="1600" dirty="0" err="1"/>
-              <a:t>i</a:t>
-            </a:r>
-            <a:r>
-              <a:rPr lang="en-US" sz="1600" dirty="0"/>
-              <a:t>+=2)</a:t>
-            </a:r>
-          </a:p>
-          <a:p>
-            <a:endParaRPr lang="en-US" sz="1600" b="1" dirty="0"/>
-          </a:p>
-          <a:p>
-            <a:r>
-              <a:rPr lang="en-US" sz="1600" b="1" dirty="0"/>
-              <a:t>Batch Size: </a:t>
-            </a:r>
-            <a:r>
-              <a:rPr lang="en-US" sz="1600" dirty="0"/>
-              <a:t>number of examples to train on (each step)</a:t>
-            </a:r>
-          </a:p>
-          <a:p>
-            <a:endParaRPr lang="en-US" sz="1600" b="1" dirty="0"/>
-          </a:p>
-        </p:txBody>
-      </p:sp>
-    </p:spTree>
-    <p:extLst>
-      <p:ext uri="{BB962C8B-B14F-4D97-AF65-F5344CB8AC3E}">
-        <p14:creationId xmlns:p14="http://schemas.microsoft.com/office/powerpoint/2010/main" val="2319525666"/>
-      </p:ext>
-    </p:extLst>
-  </p:cSld>
-  <p:clrMapOvr>
-    <a:masterClrMapping/>
-  </p:clrMapOvr>
-</p:sld>
-</file>
-
-<file path=ppt/slides/slide21.xml><?xml version="1.0" encoding="utf-8"?>
-<p:sld xmlns:a="http://schemas.openxmlformats.org/drawingml/2006/main" xmlns:r="http://schemas.openxmlformats.org/officeDocument/2006/relationships" xmlns:p="http://schemas.openxmlformats.org/presentationml/2006/main">
-  <p:cSld>
-    <p:spTree>
-      <p:nvGrpSpPr>
-        <p:cNvPr id="1" name=""/>
-        <p:cNvGrpSpPr/>
-        <p:nvPr/>
-      </p:nvGrpSpPr>
-      <p:grpSpPr>
-        <a:xfrm>
-          <a:off x="0" y="0"/>
-          <a:ext cx="0" cy="0"/>
-          <a:chOff x="0" y="0"/>
-          <a:chExt cx="0" cy="0"/>
-        </a:xfrm>
-      </p:grpSpPr>
-      <p:sp>
-        <p:nvSpPr>
-          <p:cNvPr id="5" name="Title 4">
-            <a:extLst>
-              <a:ext uri="{FF2B5EF4-FFF2-40B4-BE49-F238E27FC236}">
-                <a16:creationId xmlns:a16="http://schemas.microsoft.com/office/drawing/2014/main" id="{8365C476-58A8-475F-8055-75391ACE66D9}"/>
-              </a:ext>
-            </a:extLst>
-          </p:cNvPr>
-          <p:cNvSpPr>
-            <a:spLocks noGrp="1"/>
-          </p:cNvSpPr>
-          <p:nvPr>
-            <p:ph type="title"/>
-          </p:nvPr>
-        </p:nvSpPr>
-        <p:spPr>
-          <a:xfrm>
-            <a:off x="729450" y="1587795"/>
-            <a:ext cx="7021200" cy="2261505"/>
-          </a:xfrm>
-        </p:spPr>
-        <p:txBody>
-          <a:bodyPr/>
-          <a:lstStyle/>
-          <a:p>
-            <a:r>
-              <a:rPr lang="en-US" sz="4400" dirty="0"/>
-              <a:t>Optimize Your Code</a:t>
-            </a:r>
-            <a:br>
-              <a:rPr lang="en-US" dirty="0"/>
-            </a:br>
-            <a:br>
-              <a:rPr lang="en-US" dirty="0"/>
-            </a:br>
-            <a:r>
-              <a:rPr lang="en-US" sz="2800" b="0" dirty="0"/>
-              <a:t>Go to: TFlab.ML</a:t>
-            </a:r>
-            <a:endParaRPr lang="en-US" b="0" dirty="0"/>
-          </a:p>
-        </p:txBody>
-      </p:sp>
-    </p:spTree>
-    <p:extLst>
-      <p:ext uri="{BB962C8B-B14F-4D97-AF65-F5344CB8AC3E}">
-        <p14:creationId xmlns:p14="http://schemas.microsoft.com/office/powerpoint/2010/main" val="930364962"/>
-      </p:ext>
-    </p:extLst>
-  </p:cSld>
-  <p:clrMapOvr>
-    <a:masterClrMapping/>
-  </p:clrMapOvr>
-</p:sld>
-</file>
-
-<file path=ppt/slides/slide3.xml><?xml version="1.0" encoding="utf-8"?>
+<file path=ppt/slides/slide4.xml><?xml version="1.0" encoding="utf-8"?>
 <p:sld xmlns:a="http://schemas.openxmlformats.org/drawingml/2006/main" xmlns:r="http://schemas.openxmlformats.org/officeDocument/2006/relationships" xmlns:p="http://schemas.openxmlformats.org/presentationml/2006/main">
   <p:cSld>
     <p:spTree>
@@ -10022,7 +13988,7 @@
 </p:sld>
 </file>
 
-<file path=ppt/slides/slide4.xml><?xml version="1.0" encoding="utf-8"?>
+<file path=ppt/slides/slide5.xml><?xml version="1.0" encoding="utf-8"?>
 <p:sld xmlns:a="http://schemas.openxmlformats.org/drawingml/2006/main" xmlns:r="http://schemas.openxmlformats.org/officeDocument/2006/relationships" xmlns:p="http://schemas.openxmlformats.org/presentationml/2006/main">
   <p:cSld>
     <p:spTree>
@@ -10123,7 +14089,7 @@
 </p:sld>
 </file>
 
-<file path=ppt/slides/slide5.xml><?xml version="1.0" encoding="utf-8"?>
+<file path=ppt/slides/slide6.xml><?xml version="1.0" encoding="utf-8"?>
 <p:sld xmlns:a="http://schemas.openxmlformats.org/drawingml/2006/main" xmlns:r="http://schemas.openxmlformats.org/officeDocument/2006/relationships" xmlns:p="http://schemas.openxmlformats.org/presentationml/2006/main">
   <p:cSld>
     <p:spTree>
@@ -10279,7 +14245,7 @@
 </p:sld>
 </file>
 
-<file path=ppt/slides/slide6.xml><?xml version="1.0" encoding="utf-8"?>
+<file path=ppt/slides/slide7.xml><?xml version="1.0" encoding="utf-8"?>
 <p:sld xmlns:a="http://schemas.openxmlformats.org/drawingml/2006/main" xmlns:r="http://schemas.openxmlformats.org/officeDocument/2006/relationships" xmlns:p="http://schemas.openxmlformats.org/presentationml/2006/main">
   <p:cSld>
     <p:spTree>
@@ -10373,7 +14339,7 @@
 </p:sld>
 </file>
 
-<file path=ppt/slides/slide7.xml><?xml version="1.0" encoding="utf-8"?>
+<file path=ppt/slides/slide8.xml><?xml version="1.0" encoding="utf-8"?>
 <p:sld xmlns:a="http://schemas.openxmlformats.org/drawingml/2006/main" xmlns:r="http://schemas.openxmlformats.org/officeDocument/2006/relationships" xmlns:p="http://schemas.openxmlformats.org/presentationml/2006/main">
   <p:cSld>
     <p:spTree>
@@ -10418,8 +14384,8 @@
           </a:p>
         </p:txBody>
       </p:sp>
-      <mc:AlternateContent xmlns:mc="http://schemas.openxmlformats.org/markup-compatibility/2006">
-        <mc:Choice xmlns:a14="http://schemas.microsoft.com/office/drawing/2010/main" Requires="a14">
+      <mc:AlternateContent xmlns:mc="http://schemas.openxmlformats.org/markup-compatibility/2006" xmlns:a14="http://schemas.microsoft.com/office/drawing/2010/main">
+        <mc:Choice Requires="a14">
           <p:sp>
             <p:nvSpPr>
               <p:cNvPr id="10" name="Subtitle 9">
@@ -10441,6 +14407,7 @@
               <a:bodyPr/>
               <a:lstStyle/>
               <a:p>
+                <a:pPr/>
                 <a14:m>
                   <m:oMathPara xmlns:m="http://schemas.openxmlformats.org/officeDocument/2006/math">
                     <m:oMathParaPr>
@@ -10497,7 +14464,7 @@
             </p:txBody>
           </p:sp>
         </mc:Choice>
-        <mc:Fallback>
+        <mc:Fallback xmlns="">
           <p:sp>
             <p:nvSpPr>
               <p:cNvPr id="10" name="Subtitle 9">
@@ -10537,8 +14504,8 @@
           </p:sp>
         </mc:Fallback>
       </mc:AlternateContent>
-      <mc:AlternateContent xmlns:mc="http://schemas.openxmlformats.org/markup-compatibility/2006">
-        <mc:Choice xmlns:a14="http://schemas.microsoft.com/office/drawing/2010/main" Requires="a14">
+      <mc:AlternateContent xmlns:mc="http://schemas.openxmlformats.org/markup-compatibility/2006" xmlns:a14="http://schemas.microsoft.com/office/drawing/2010/main">
+        <mc:Choice Requires="a14">
           <p:sp>
             <p:nvSpPr>
               <p:cNvPr id="11" name="Text Placeholder 10">
@@ -10663,7 +14630,7 @@
                     <m:d>
                       <m:dPr>
                         <m:ctrlPr>
-                          <a:rPr lang="en-US" sz="1400">
+                          <a:rPr lang="en-US" sz="1400" i="1">
                             <a:latin typeface="Cambria Math" panose="02040503050406030204" pitchFamily="18" charset="0"/>
                           </a:rPr>
                         </m:ctrlPr>
@@ -10704,7 +14671,7 @@
                     <m:d>
                       <m:dPr>
                         <m:ctrlPr>
-                          <a:rPr lang="en-US" sz="1400">
+                          <a:rPr lang="en-US" sz="1400" i="1">
                             <a:latin typeface="Cambria Math" panose="02040503050406030204" pitchFamily="18" charset="0"/>
                           </a:rPr>
                         </m:ctrlPr>
@@ -10787,7 +14754,7 @@
             </p:txBody>
           </p:sp>
         </mc:Choice>
-        <mc:Fallback>
+        <mc:Fallback xmlns="">
           <p:sp>
             <p:nvSpPr>
               <p:cNvPr id="11" name="Text Placeholder 10">
@@ -10844,7 +14811,7 @@
 </p:sld>
 </file>
 
-<file path=ppt/slides/slide8.xml><?xml version="1.0" encoding="utf-8"?>
+<file path=ppt/slides/slide9.xml><?xml version="1.0" encoding="utf-8"?>
 <p:sld xmlns:a="http://schemas.openxmlformats.org/drawingml/2006/main" xmlns:r="http://schemas.openxmlformats.org/officeDocument/2006/relationships" xmlns:p="http://schemas.openxmlformats.org/presentationml/2006/main">
   <p:cSld>
     <p:spTree>
@@ -10889,8 +14856,8 @@
           </a:p>
         </p:txBody>
       </p:sp>
-      <mc:AlternateContent xmlns:mc="http://schemas.openxmlformats.org/markup-compatibility/2006">
-        <mc:Choice xmlns:a14="http://schemas.microsoft.com/office/drawing/2010/main" Requires="a14">
+      <mc:AlternateContent xmlns:mc="http://schemas.openxmlformats.org/markup-compatibility/2006" xmlns:a14="http://schemas.microsoft.com/office/drawing/2010/main">
+        <mc:Choice Requires="a14">
           <p:sp>
             <p:nvSpPr>
               <p:cNvPr id="6" name="Text Placeholder 5">
@@ -10976,7 +14943,7 @@
             </p:txBody>
           </p:sp>
         </mc:Choice>
-        <mc:Fallback>
+        <mc:Fallback xmlns="">
           <p:sp>
             <p:nvSpPr>
               <p:cNvPr id="6" name="Text Placeholder 5">
@@ -11290,416 +15257,6 @@
     <p:extLst>
       <p:ext uri="{BB962C8B-B14F-4D97-AF65-F5344CB8AC3E}">
         <p14:creationId xmlns:p14="http://schemas.microsoft.com/office/powerpoint/2010/main" val="1727607701"/>
-      </p:ext>
-    </p:extLst>
-  </p:cSld>
-  <p:clrMapOvr>
-    <a:masterClrMapping/>
-  </p:clrMapOvr>
-</p:sld>
-</file>
-
-<file path=ppt/slides/slide9.xml><?xml version="1.0" encoding="utf-8"?>
-<p:sld xmlns:a="http://schemas.openxmlformats.org/drawingml/2006/main" xmlns:r="http://schemas.openxmlformats.org/officeDocument/2006/relationships" xmlns:p="http://schemas.openxmlformats.org/presentationml/2006/main">
-  <p:cSld>
-    <p:spTree>
-      <p:nvGrpSpPr>
-        <p:cNvPr id="1" name=""/>
-        <p:cNvGrpSpPr/>
-        <p:nvPr/>
-      </p:nvGrpSpPr>
-      <p:grpSpPr>
-        <a:xfrm>
-          <a:off x="0" y="0"/>
-          <a:ext cx="0" cy="0"/>
-          <a:chOff x="0" y="0"/>
-          <a:chExt cx="0" cy="0"/>
-        </a:xfrm>
-      </p:grpSpPr>
-      <p:sp>
-        <p:nvSpPr>
-          <p:cNvPr id="2" name="Title 1">
-            <a:extLst>
-              <a:ext uri="{FF2B5EF4-FFF2-40B4-BE49-F238E27FC236}">
-                <a16:creationId xmlns:a16="http://schemas.microsoft.com/office/drawing/2014/main" id="{7D243EBD-34FF-451A-9B9D-C08C54EFD7D6}"/>
-              </a:ext>
-            </a:extLst>
-          </p:cNvPr>
-          <p:cNvSpPr>
-            <a:spLocks noGrp="1"/>
-          </p:cNvSpPr>
-          <p:nvPr>
-            <p:ph type="title"/>
-          </p:nvPr>
-        </p:nvSpPr>
-        <p:spPr/>
-        <p:txBody>
-          <a:bodyPr/>
-          <a:lstStyle/>
-          <a:p>
-            <a:r>
-              <a:rPr lang="en-US" dirty="0"/>
-              <a:t>Model with Two Features</a:t>
-            </a:r>
-          </a:p>
-        </p:txBody>
-      </p:sp>
-      <mc:AlternateContent xmlns:mc="http://schemas.openxmlformats.org/markup-compatibility/2006">
-        <mc:Choice xmlns:a14="http://schemas.microsoft.com/office/drawing/2010/main" Requires="a14">
-          <p:sp>
-            <p:nvSpPr>
-              <p:cNvPr id="5" name="Text Placeholder 5">
-                <a:extLst>
-                  <a:ext uri="{FF2B5EF4-FFF2-40B4-BE49-F238E27FC236}">
-                    <a16:creationId xmlns:a16="http://schemas.microsoft.com/office/drawing/2014/main" id="{2ECBFABF-3FB0-41C6-9F88-C60414CDB0CE}"/>
-                  </a:ext>
-                </a:extLst>
-              </p:cNvPr>
-              <p:cNvSpPr>
-                <a:spLocks noGrp="1"/>
-              </p:cNvSpPr>
-              <p:nvPr>
-                <p:ph type="body" idx="1"/>
-              </p:nvPr>
-            </p:nvSpPr>
-            <p:spPr>
-              <a:xfrm>
-                <a:off x="615950" y="2571750"/>
-                <a:ext cx="7340600" cy="1187450"/>
-              </a:xfrm>
-            </p:spPr>
-            <p:txBody>
-              <a:bodyPr/>
-              <a:lstStyle/>
-              <a:p>
-                <a:pPr marL="146050" indent="0">
-                  <a:buNone/>
-                </a:pPr>
-                <a14:m>
-                  <m:oMathPara xmlns:m="http://schemas.openxmlformats.org/officeDocument/2006/math">
-                    <m:oMathParaPr>
-                      <m:jc m:val="centerGroup"/>
-                    </m:oMathParaPr>
-                    <m:oMath xmlns:m="http://schemas.openxmlformats.org/officeDocument/2006/math">
-                      <m:r>
-                        <a:rPr lang="en-US" sz="4800" i="1" smtClean="0">
-                          <a:latin typeface="Cambria Math" panose="02040503050406030204" pitchFamily="18" charset="0"/>
-                        </a:rPr>
-                        <m:t>𝑦</m:t>
-                      </m:r>
-                      <m:r>
-                        <a:rPr lang="en-US" sz="4800" i="1" smtClean="0">
-                          <a:latin typeface="Cambria Math" panose="02040503050406030204" pitchFamily="18" charset="0"/>
-                        </a:rPr>
-                        <m:t>=</m:t>
-                      </m:r>
-                      <m:sSub>
-                        <m:sSubPr>
-                          <m:ctrlPr>
-                            <a:rPr lang="en-US" sz="4800" i="1" smtClean="0">
-                              <a:latin typeface="Cambria Math" panose="02040503050406030204" pitchFamily="18" charset="0"/>
-                            </a:rPr>
-                          </m:ctrlPr>
-                        </m:sSubPr>
-                        <m:e>
-                          <m:r>
-                            <a:rPr lang="en-US" sz="4800" b="0" i="1" smtClean="0">
-                              <a:latin typeface="Cambria Math" panose="02040503050406030204" pitchFamily="18" charset="0"/>
-                            </a:rPr>
-                            <m:t>𝑤</m:t>
-                          </m:r>
-                        </m:e>
-                        <m:sub>
-                          <m:r>
-                            <a:rPr lang="en-US" sz="4800" b="0" i="1" smtClean="0">
-                              <a:latin typeface="Cambria Math" panose="02040503050406030204" pitchFamily="18" charset="0"/>
-                            </a:rPr>
-                            <m:t>1</m:t>
-                          </m:r>
-                        </m:sub>
-                      </m:sSub>
-                      <m:sSub>
-                        <m:sSubPr>
-                          <m:ctrlPr>
-                            <a:rPr lang="en-US" sz="4800" i="1">
-                              <a:latin typeface="Cambria Math" panose="02040503050406030204" pitchFamily="18" charset="0"/>
-                            </a:rPr>
-                          </m:ctrlPr>
-                        </m:sSubPr>
-                        <m:e>
-                          <m:r>
-                            <a:rPr lang="en-US" sz="4800" b="0" i="1" smtClean="0">
-                              <a:latin typeface="Cambria Math" panose="02040503050406030204" pitchFamily="18" charset="0"/>
-                            </a:rPr>
-                            <m:t>𝑥</m:t>
-                          </m:r>
-                        </m:e>
-                        <m:sub>
-                          <m:r>
-                            <a:rPr lang="en-US" sz="4800" i="1">
-                              <a:latin typeface="Cambria Math" panose="02040503050406030204" pitchFamily="18" charset="0"/>
-                            </a:rPr>
-                            <m:t>1</m:t>
-                          </m:r>
-                        </m:sub>
-                      </m:sSub>
-                      <m:r>
-                        <a:rPr lang="en-US" sz="4800" b="0" i="1" smtClean="0">
-                          <a:latin typeface="Cambria Math" panose="02040503050406030204" pitchFamily="18" charset="0"/>
-                        </a:rPr>
-                        <m:t>+</m:t>
-                      </m:r>
-                      <m:sSub>
-                        <m:sSubPr>
-                          <m:ctrlPr>
-                            <a:rPr lang="en-US" sz="4800" i="1">
-                              <a:latin typeface="Cambria Math" panose="02040503050406030204" pitchFamily="18" charset="0"/>
-                            </a:rPr>
-                          </m:ctrlPr>
-                        </m:sSubPr>
-                        <m:e>
-                          <m:r>
-                            <a:rPr lang="en-US" sz="4800" i="1">
-                              <a:latin typeface="Cambria Math" panose="02040503050406030204" pitchFamily="18" charset="0"/>
-                            </a:rPr>
-                            <m:t>𝑤</m:t>
-                          </m:r>
-                        </m:e>
-                        <m:sub>
-                          <m:r>
-                            <a:rPr lang="en-US" sz="4800" b="0" i="1" smtClean="0">
-                              <a:latin typeface="Cambria Math" panose="02040503050406030204" pitchFamily="18" charset="0"/>
-                            </a:rPr>
-                            <m:t>2</m:t>
-                          </m:r>
-                        </m:sub>
-                      </m:sSub>
-                      <m:sSub>
-                        <m:sSubPr>
-                          <m:ctrlPr>
-                            <a:rPr lang="en-US" sz="4800" i="1">
-                              <a:latin typeface="Cambria Math" panose="02040503050406030204" pitchFamily="18" charset="0"/>
-                            </a:rPr>
-                          </m:ctrlPr>
-                        </m:sSubPr>
-                        <m:e>
-                          <m:r>
-                            <a:rPr lang="en-US" sz="4800" b="0" i="1" smtClean="0">
-                              <a:latin typeface="Cambria Math" panose="02040503050406030204" pitchFamily="18" charset="0"/>
-                            </a:rPr>
-                            <m:t>𝑥</m:t>
-                          </m:r>
-                        </m:e>
-                        <m:sub>
-                          <m:r>
-                            <a:rPr lang="en-US" sz="4800" b="0" i="1" smtClean="0">
-                              <a:latin typeface="Cambria Math" panose="02040503050406030204" pitchFamily="18" charset="0"/>
-                            </a:rPr>
-                            <m:t>2</m:t>
-                          </m:r>
-                        </m:sub>
-                      </m:sSub>
-                      <m:r>
-                        <a:rPr lang="en-US" sz="4800" i="1">
-                          <a:latin typeface="Cambria Math" panose="02040503050406030204" pitchFamily="18" charset="0"/>
-                        </a:rPr>
-                        <m:t>+</m:t>
-                      </m:r>
-                      <m:r>
-                        <a:rPr lang="en-US" sz="4800" i="1">
-                          <a:latin typeface="Cambria Math" panose="02040503050406030204" pitchFamily="18" charset="0"/>
-                        </a:rPr>
-                        <m:t>𝑏</m:t>
-                      </m:r>
-                    </m:oMath>
-                  </m:oMathPara>
-                </a14:m>
-                <a:endParaRPr lang="en-US" sz="4800" dirty="0"/>
-              </a:p>
-            </p:txBody>
-          </p:sp>
-        </mc:Choice>
-        <mc:Fallback>
-          <p:sp>
-            <p:nvSpPr>
-              <p:cNvPr id="5" name="Text Placeholder 5">
-                <a:extLst>
-                  <a:ext uri="{FF2B5EF4-FFF2-40B4-BE49-F238E27FC236}">
-                    <a16:creationId xmlns:a16="http://schemas.microsoft.com/office/drawing/2014/main" id="{2ECBFABF-3FB0-41C6-9F88-C60414CDB0CE}"/>
-                  </a:ext>
-                </a:extLst>
-              </p:cNvPr>
-              <p:cNvSpPr>
-                <a:spLocks noGrp="1" noRot="1" noChangeAspect="1" noMove="1" noResize="1" noEditPoints="1" noAdjustHandles="1" noChangeArrowheads="1" noChangeShapeType="1" noTextEdit="1"/>
-              </p:cNvSpPr>
-              <p:nvPr>
-                <p:ph type="body" idx="1"/>
-              </p:nvPr>
-            </p:nvSpPr>
-            <p:spPr>
-              <a:xfrm>
-                <a:off x="615950" y="2571750"/>
-                <a:ext cx="7340600" cy="1187450"/>
-              </a:xfrm>
-              <a:blipFill>
-                <a:blip r:embed="rId2"/>
-                <a:stretch>
-                  <a:fillRect/>
-                </a:stretch>
-              </a:blipFill>
-            </p:spPr>
-            <p:txBody>
-              <a:bodyPr/>
-              <a:lstStyle/>
-              <a:p>
-                <a:r>
-                  <a:rPr lang="en-US">
-                    <a:noFill/>
-                  </a:rPr>
-                  <a:t> </a:t>
-                </a:r>
-              </a:p>
-            </p:txBody>
-          </p:sp>
-        </mc:Fallback>
-      </mc:AlternateContent>
-      <p:sp>
-        <p:nvSpPr>
-          <p:cNvPr id="6" name="Callout: Bent Line 5">
-            <a:extLst>
-              <a:ext uri="{FF2B5EF4-FFF2-40B4-BE49-F238E27FC236}">
-                <a16:creationId xmlns:a16="http://schemas.microsoft.com/office/drawing/2014/main" id="{8FA98820-994C-42E3-BCF3-AE1A58C63EDB}"/>
-              </a:ext>
-            </a:extLst>
-          </p:cNvPr>
-          <p:cNvSpPr/>
-          <p:nvPr/>
-        </p:nvSpPr>
-        <p:spPr>
-          <a:xfrm>
-            <a:off x="6612002" y="4209500"/>
-            <a:ext cx="1757298" cy="535199"/>
-          </a:xfrm>
-          <a:prstGeom prst="borderCallout2">
-            <a:avLst>
-              <a:gd name="adj1" fmla="val 18750"/>
-              <a:gd name="adj2" fmla="val -8333"/>
-              <a:gd name="adj3" fmla="val 18750"/>
-              <a:gd name="adj4" fmla="val -16667"/>
-              <a:gd name="adj5" fmla="val -116611"/>
-              <a:gd name="adj6" fmla="val -62447"/>
-            </a:avLst>
-          </a:prstGeom>
-        </p:spPr>
-        <p:style>
-          <a:lnRef idx="2">
-            <a:schemeClr val="accent3"/>
-          </a:lnRef>
-          <a:fillRef idx="1">
-            <a:schemeClr val="lt1"/>
-          </a:fillRef>
-          <a:effectRef idx="0">
-            <a:schemeClr val="accent3"/>
-          </a:effectRef>
-          <a:fontRef idx="minor">
-            <a:schemeClr val="dk1"/>
-          </a:fontRef>
-        </p:style>
-        <p:txBody>
-          <a:bodyPr rtlCol="0" anchor="ctr"/>
-          <a:lstStyle/>
-          <a:p>
-            <a:pPr algn="ctr"/>
-            <a:r>
-              <a:rPr lang="en-US" sz="1600" dirty="0">
-                <a:solidFill>
-                  <a:schemeClr val="bg2">
-                    <a:lumMod val="75000"/>
-                    <a:lumOff val="25000"/>
-                  </a:schemeClr>
-                </a:solidFill>
-                <a:latin typeface="Lato" panose="020B0604020202020204" charset="0"/>
-              </a:rPr>
-              <a:t>Second Feature</a:t>
-            </a:r>
-            <a:endParaRPr lang="en-US" dirty="0">
-              <a:solidFill>
-                <a:schemeClr val="bg2">
-                  <a:lumMod val="75000"/>
-                  <a:lumOff val="25000"/>
-                </a:schemeClr>
-              </a:solidFill>
-              <a:latin typeface="Lato" panose="020B0604020202020204" charset="0"/>
-            </a:endParaRPr>
-          </a:p>
-        </p:txBody>
-      </p:sp>
-      <p:sp>
-        <p:nvSpPr>
-          <p:cNvPr id="7" name="Callout: Bent Line 6">
-            <a:extLst>
-              <a:ext uri="{FF2B5EF4-FFF2-40B4-BE49-F238E27FC236}">
-                <a16:creationId xmlns:a16="http://schemas.microsoft.com/office/drawing/2014/main" id="{C823D5CD-4A5D-4A4B-B7BD-8E173A368F57}"/>
-              </a:ext>
-            </a:extLst>
-          </p:cNvPr>
-          <p:cNvSpPr/>
-          <p:nvPr/>
-        </p:nvSpPr>
-        <p:spPr>
-          <a:xfrm flipH="1">
-            <a:off x="977900" y="4209499"/>
-            <a:ext cx="1466850" cy="535199"/>
-          </a:xfrm>
-          <a:prstGeom prst="borderCallout2">
-            <a:avLst>
-              <a:gd name="adj1" fmla="val 18750"/>
-              <a:gd name="adj2" fmla="val -8333"/>
-              <a:gd name="adj3" fmla="val 18750"/>
-              <a:gd name="adj4" fmla="val -16667"/>
-              <a:gd name="adj5" fmla="val -116611"/>
-              <a:gd name="adj6" fmla="val -62447"/>
-            </a:avLst>
-          </a:prstGeom>
-        </p:spPr>
-        <p:style>
-          <a:lnRef idx="2">
-            <a:schemeClr val="accent3"/>
-          </a:lnRef>
-          <a:fillRef idx="1">
-            <a:schemeClr val="lt1"/>
-          </a:fillRef>
-          <a:effectRef idx="0">
-            <a:schemeClr val="accent3"/>
-          </a:effectRef>
-          <a:fontRef idx="minor">
-            <a:schemeClr val="dk1"/>
-          </a:fontRef>
-        </p:style>
-        <p:txBody>
-          <a:bodyPr rtlCol="0" anchor="ctr"/>
-          <a:lstStyle/>
-          <a:p>
-            <a:pPr algn="ctr"/>
-            <a:r>
-              <a:rPr lang="en-US" dirty="0">
-                <a:solidFill>
-                  <a:schemeClr val="bg2">
-                    <a:lumMod val="75000"/>
-                    <a:lumOff val="25000"/>
-                  </a:schemeClr>
-                </a:solidFill>
-                <a:latin typeface="Lato" panose="020B0604020202020204" charset="0"/>
-              </a:rPr>
-              <a:t>First Feature</a:t>
-            </a:r>
-          </a:p>
-        </p:txBody>
-      </p:sp>
-    </p:spTree>
-    <p:extLst>
-      <p:ext uri="{BB962C8B-B14F-4D97-AF65-F5344CB8AC3E}">
-        <p14:creationId xmlns:p14="http://schemas.microsoft.com/office/powerpoint/2010/main" val="828023512"/>
       </p:ext>
     </p:extLst>
   </p:cSld>
